--- a/auturbo_2018_spring/auturbo_2018_spring_week5/AuTURBO 2018 – training Week 5.pptx
+++ b/auturbo_2018_spring/auturbo_2018_spring_week5/AuTURBO 2018 – training Week 5.pptx
@@ -5,34 +5,35 @@
     <p:sldMasterId id="2147483648" r:id="rId1"/>
   </p:sldMasterIdLst>
   <p:notesMasterIdLst>
-    <p:notesMasterId r:id="rId27"/>
+    <p:notesMasterId r:id="rId28"/>
   </p:notesMasterIdLst>
   <p:sldIdLst>
     <p:sldId id="256" r:id="rId2"/>
     <p:sldId id="257" r:id="rId3"/>
     <p:sldId id="258" r:id="rId4"/>
-    <p:sldId id="259" r:id="rId5"/>
-    <p:sldId id="263" r:id="rId6"/>
-    <p:sldId id="264" r:id="rId7"/>
-    <p:sldId id="266" r:id="rId8"/>
-    <p:sldId id="260" r:id="rId9"/>
-    <p:sldId id="285" r:id="rId10"/>
-    <p:sldId id="286" r:id="rId11"/>
-    <p:sldId id="287" r:id="rId12"/>
-    <p:sldId id="288" r:id="rId13"/>
-    <p:sldId id="289" r:id="rId14"/>
-    <p:sldId id="290" r:id="rId15"/>
-    <p:sldId id="292" r:id="rId16"/>
-    <p:sldId id="291" r:id="rId17"/>
-    <p:sldId id="293" r:id="rId18"/>
-    <p:sldId id="294" r:id="rId19"/>
-    <p:sldId id="295" r:id="rId20"/>
-    <p:sldId id="296" r:id="rId21"/>
-    <p:sldId id="297" r:id="rId22"/>
-    <p:sldId id="298" r:id="rId23"/>
-    <p:sldId id="299" r:id="rId24"/>
-    <p:sldId id="300" r:id="rId25"/>
-    <p:sldId id="301" r:id="rId26"/>
+    <p:sldId id="302" r:id="rId5"/>
+    <p:sldId id="259" r:id="rId6"/>
+    <p:sldId id="263" r:id="rId7"/>
+    <p:sldId id="264" r:id="rId8"/>
+    <p:sldId id="266" r:id="rId9"/>
+    <p:sldId id="260" r:id="rId10"/>
+    <p:sldId id="285" r:id="rId11"/>
+    <p:sldId id="286" r:id="rId12"/>
+    <p:sldId id="287" r:id="rId13"/>
+    <p:sldId id="288" r:id="rId14"/>
+    <p:sldId id="289" r:id="rId15"/>
+    <p:sldId id="290" r:id="rId16"/>
+    <p:sldId id="292" r:id="rId17"/>
+    <p:sldId id="291" r:id="rId18"/>
+    <p:sldId id="293" r:id="rId19"/>
+    <p:sldId id="294" r:id="rId20"/>
+    <p:sldId id="295" r:id="rId21"/>
+    <p:sldId id="296" r:id="rId22"/>
+    <p:sldId id="297" r:id="rId23"/>
+    <p:sldId id="298" r:id="rId24"/>
+    <p:sldId id="299" r:id="rId25"/>
+    <p:sldId id="300" r:id="rId26"/>
+    <p:sldId id="301" r:id="rId27"/>
   </p:sldIdLst>
   <p:sldSz cx="10080625" cy="7559675"/>
   <p:notesSz cx="7559675" cy="10691813"/>
@@ -216,7 +217,7 @@
           <a:p>
             <a:fld id="{E3F2A52C-3AEA-4402-9F44-BA646EDE3B52}" type="datetimeFigureOut">
               <a:rPr lang="ko-KR" altLang="en-US" smtClean="0"/>
-              <a:t>2018-05-02</a:t>
+              <a:t>2018-05-09</a:t>
             </a:fld>
             <a:endParaRPr lang="ko-KR" altLang="en-US"/>
           </a:p>
@@ -553,7 +554,7 @@
           <a:p>
             <a:fld id="{10E0FAFA-4C61-4F31-8D25-07503907A93D}" type="slidenum">
               <a:rPr lang="ko-KR" altLang="en-US" smtClean="0"/>
-              <a:t>12</a:t>
+              <a:t>13</a:t>
             </a:fld>
             <a:endParaRPr lang="ko-KR" altLang="en-US"/>
           </a:p>
@@ -2875,6 +2876,177 @@
           <a:bodyPr lIns="0" tIns="0" rIns="0" bIns="0" anchor="ctr"/>
           <a:lstStyle/>
           <a:p>
+            <a:pPr>
+              <a:lnSpc>
+                <a:spcPct val="100000"/>
+              </a:lnSpc>
+            </a:pPr>
+            <a:r>
+              <a:rPr lang="en-US" sz="3200" b="0" strike="noStrike" spc="-1" smtClean="0">
+                <a:solidFill>
+                  <a:srgbClr val="000000"/>
+                </a:solidFill>
+                <a:uFill>
+                  <a:solidFill>
+                    <a:srgbClr val="FFFFFF"/>
+                  </a:solidFill>
+                </a:uFill>
+                <a:latin typeface="Arial"/>
+              </a:rPr>
+              <a:t>- sudo pip install jupyter</a:t>
+            </a:r>
+          </a:p>
+          <a:p>
+            <a:pPr>
+              <a:lnSpc>
+                <a:spcPct val="100000"/>
+              </a:lnSpc>
+            </a:pPr>
+            <a:r>
+              <a:rPr lang="en-US" sz="3200" b="0" strike="noStrike" spc="-1" smtClean="0">
+                <a:solidFill>
+                  <a:srgbClr val="000000"/>
+                </a:solidFill>
+                <a:uFill>
+                  <a:solidFill>
+                    <a:srgbClr val="FFFFFF"/>
+                  </a:solidFill>
+                </a:uFill>
+                <a:latin typeface="Arial"/>
+              </a:rPr>
+              <a:t>- sudo pip install matplotlib</a:t>
+            </a:r>
+          </a:p>
+          <a:p>
+            <a:pPr>
+              <a:lnSpc>
+                <a:spcPct val="100000"/>
+              </a:lnSpc>
+            </a:pPr>
+            <a:r>
+              <a:rPr lang="en-US" sz="3200" spc="-1" smtClean="0">
+                <a:solidFill>
+                  <a:srgbClr val="000000"/>
+                </a:solidFill>
+                <a:uFill>
+                  <a:solidFill>
+                    <a:srgbClr val="FFFFFF"/>
+                  </a:solidFill>
+                </a:uFill>
+                <a:latin typeface="Arial"/>
+              </a:rPr>
+              <a:t>~$ jupyter notebook</a:t>
+            </a:r>
+          </a:p>
+          <a:p>
+            <a:pPr>
+              <a:lnSpc>
+                <a:spcPct val="100000"/>
+              </a:lnSpc>
+            </a:pPr>
+            <a:endParaRPr lang="en-US" sz="3200" spc="-1">
+              <a:solidFill>
+                <a:srgbClr val="000000"/>
+              </a:solidFill>
+              <a:uFill>
+                <a:solidFill>
+                  <a:srgbClr val="FFFFFF"/>
+                </a:solidFill>
+              </a:uFill>
+              <a:latin typeface="Arial"/>
+            </a:endParaRPr>
+          </a:p>
+          <a:p>
+            <a:pPr>
+              <a:lnSpc>
+                <a:spcPct val="100000"/>
+              </a:lnSpc>
+            </a:pPr>
+            <a:endParaRPr lang="en-US" sz="3200" spc="-1" smtClean="0">
+              <a:solidFill>
+                <a:srgbClr val="000000"/>
+              </a:solidFill>
+              <a:uFill>
+                <a:solidFill>
+                  <a:srgbClr val="FFFFFF"/>
+                </a:solidFill>
+              </a:uFill>
+              <a:latin typeface="Arial"/>
+            </a:endParaRPr>
+          </a:p>
+          <a:p>
+            <a:pPr>
+              <a:lnSpc>
+                <a:spcPct val="100000"/>
+              </a:lnSpc>
+            </a:pPr>
+            <a:endParaRPr lang="en-US" sz="3200" spc="-1">
+              <a:solidFill>
+                <a:srgbClr val="000000"/>
+              </a:solidFill>
+              <a:uFill>
+                <a:solidFill>
+                  <a:srgbClr val="FFFFFF"/>
+                </a:solidFill>
+              </a:uFill>
+              <a:latin typeface="Arial"/>
+            </a:endParaRPr>
+          </a:p>
+          <a:p>
+            <a:pPr>
+              <a:lnSpc>
+                <a:spcPct val="100000"/>
+              </a:lnSpc>
+            </a:pPr>
+            <a:endParaRPr lang="en-US" sz="3200" spc="-1" smtClean="0">
+              <a:solidFill>
+                <a:srgbClr val="000000"/>
+              </a:solidFill>
+              <a:uFill>
+                <a:solidFill>
+                  <a:srgbClr val="FFFFFF"/>
+                </a:solidFill>
+              </a:uFill>
+              <a:latin typeface="Arial"/>
+            </a:endParaRPr>
+          </a:p>
+          <a:p>
+            <a:pPr>
+              <a:lnSpc>
+                <a:spcPct val="100000"/>
+              </a:lnSpc>
+            </a:pPr>
+            <a:endParaRPr lang="en-US" sz="3200" spc="-1" smtClean="0">
+              <a:solidFill>
+                <a:srgbClr val="000000"/>
+              </a:solidFill>
+              <a:uFill>
+                <a:solidFill>
+                  <a:srgbClr val="FFFFFF"/>
+                </a:solidFill>
+              </a:uFill>
+              <a:latin typeface="Arial"/>
+            </a:endParaRPr>
+          </a:p>
+          <a:p>
+            <a:pPr>
+              <a:lnSpc>
+                <a:spcPct val="100000"/>
+              </a:lnSpc>
+            </a:pPr>
+            <a:endParaRPr lang="en-US" sz="3200" b="0" strike="noStrike" spc="-1" smtClean="0">
+              <a:solidFill>
+                <a:srgbClr val="000000"/>
+              </a:solidFill>
+              <a:uFill>
+                <a:solidFill>
+                  <a:srgbClr val="FFFFFF"/>
+                </a:solidFill>
+              </a:uFill>
+              <a:latin typeface="Arial"/>
+            </a:endParaRPr>
+          </a:p>
+          <a:p>
             <a:pPr marL="457200" indent="-457200">
               <a:lnSpc>
                 <a:spcPct val="100000"/>
@@ -2882,59 +3054,7 @@
               <a:buFontTx/>
               <a:buChar char="-"/>
             </a:pPr>
-            <a:r>
-              <a:rPr lang="ko-KR" altLang="en-US" sz="3200" smtClean="0"/>
-              <a:t>주소인식을 위해 만들어진 데이터 베이스</a:t>
-            </a:r>
-            <a:endParaRPr lang="en-US" altLang="ko-KR" sz="3200" smtClean="0"/>
-          </a:p>
-          <a:p>
-            <a:pPr marL="457200" indent="-457200">
-              <a:lnSpc>
-                <a:spcPct val="100000"/>
-              </a:lnSpc>
-              <a:buFontTx/>
-              <a:buChar char="-"/>
-            </a:pPr>
-            <a:r>
-              <a:rPr lang="en-US" altLang="ko-KR" sz="3200" smtClean="0"/>
-              <a:t>28×28 </a:t>
-            </a:r>
-            <a:r>
-              <a:rPr lang="ko-KR" altLang="en-US" sz="3200"/>
-              <a:t>크기의 </a:t>
-            </a:r>
-            <a:r>
-              <a:rPr lang="en-US" altLang="ko-KR" sz="3200"/>
-              <a:t>0~9</a:t>
-            </a:r>
-            <a:r>
-              <a:rPr lang="ko-KR" altLang="en-US" sz="3200"/>
-              <a:t>사이의 숫자 </a:t>
-            </a:r>
-            <a:r>
-              <a:rPr lang="ko-KR" altLang="en-US" sz="3200" smtClean="0"/>
-              <a:t>이미지</a:t>
-            </a:r>
-            <a:r>
-              <a:rPr lang="en-US" altLang="ko-KR" sz="3200" smtClean="0"/>
-              <a:t>, </a:t>
-            </a:r>
-            <a:r>
-              <a:rPr lang="ko-KR" altLang="en-US" sz="3200" smtClean="0"/>
-              <a:t>레이블</a:t>
-            </a:r>
-            <a:endParaRPr lang="en-US" altLang="ko-KR" sz="3200" smtClean="0"/>
-          </a:p>
-          <a:p>
-            <a:pPr marL="457200" indent="-457200">
-              <a:lnSpc>
-                <a:spcPct val="100000"/>
-              </a:lnSpc>
-              <a:buFontTx/>
-              <a:buChar char="-"/>
-            </a:pPr>
-            <a:endParaRPr lang="en-US" sz="3200" spc="-1">
+            <a:endParaRPr lang="en-US" sz="3200" b="0" strike="noStrike" spc="-1">
               <a:solidFill>
                 <a:srgbClr val="000000"/>
               </a:solidFill>
@@ -2945,137 +3065,12 @@
               </a:uFill>
               <a:latin typeface="Arial"/>
             </a:endParaRPr>
-          </a:p>
-          <a:p>
-            <a:pPr>
-              <a:lnSpc>
-                <a:spcPct val="100000"/>
-              </a:lnSpc>
-            </a:pPr>
-            <a:endParaRPr lang="en-US" sz="3200" spc="-1" smtClean="0">
-              <a:solidFill>
-                <a:srgbClr val="000000"/>
-              </a:solidFill>
-              <a:uFill>
-                <a:solidFill>
-                  <a:srgbClr val="FFFFFF"/>
-                </a:solidFill>
-              </a:uFill>
-              <a:latin typeface="Arial"/>
-            </a:endParaRPr>
-          </a:p>
-          <a:p>
-            <a:pPr>
-              <a:lnSpc>
-                <a:spcPct val="100000"/>
-              </a:lnSpc>
-            </a:pPr>
-            <a:endParaRPr lang="en-US" sz="3200" spc="-1">
-              <a:solidFill>
-                <a:srgbClr val="000000"/>
-              </a:solidFill>
-              <a:uFill>
-                <a:solidFill>
-                  <a:srgbClr val="FFFFFF"/>
-                </a:solidFill>
-              </a:uFill>
-              <a:latin typeface="Arial"/>
-            </a:endParaRPr>
-          </a:p>
-          <a:p>
-            <a:pPr>
-              <a:lnSpc>
-                <a:spcPct val="100000"/>
-              </a:lnSpc>
-            </a:pPr>
-            <a:endParaRPr lang="en-US" sz="3200" spc="-1" smtClean="0">
-              <a:solidFill>
-                <a:srgbClr val="000000"/>
-              </a:solidFill>
-              <a:uFill>
-                <a:solidFill>
-                  <a:srgbClr val="FFFFFF"/>
-                </a:solidFill>
-              </a:uFill>
-              <a:latin typeface="Arial"/>
-            </a:endParaRPr>
-          </a:p>
-          <a:p>
-            <a:pPr marL="457200" indent="-457200">
-              <a:lnSpc>
-                <a:spcPct val="100000"/>
-              </a:lnSpc>
-              <a:buFontTx/>
-              <a:buChar char="-"/>
-            </a:pPr>
-            <a:r>
-              <a:rPr lang="en-US" altLang="ko-KR" sz="3200" smtClean="0"/>
-              <a:t>55,000</a:t>
-            </a:r>
-            <a:r>
-              <a:rPr lang="ko-KR" altLang="en-US" sz="3200"/>
-              <a:t>개의 학습 </a:t>
-            </a:r>
-            <a:r>
-              <a:rPr lang="ko-KR" altLang="en-US" sz="3200" smtClean="0"/>
-              <a:t>데이터</a:t>
-            </a:r>
-            <a:endParaRPr lang="en-US" altLang="ko-KR" sz="3200" smtClean="0"/>
-          </a:p>
-          <a:p>
-            <a:pPr marL="457200" indent="-457200">
-              <a:lnSpc>
-                <a:spcPct val="100000"/>
-              </a:lnSpc>
-              <a:buFontTx/>
-              <a:buChar char="-"/>
-            </a:pPr>
-            <a:r>
-              <a:rPr lang="en-US" altLang="ko-KR" sz="3200"/>
-              <a:t>10,000</a:t>
-            </a:r>
-            <a:r>
-              <a:rPr lang="ko-KR" altLang="en-US" sz="3200"/>
-              <a:t>개의 테스트 데이터</a:t>
-            </a:r>
-            <a:endParaRPr lang="en-US" sz="3200" spc="-1" smtClean="0">
-              <a:solidFill>
-                <a:srgbClr val="000000"/>
-              </a:solidFill>
-              <a:uFill>
-                <a:solidFill>
-                  <a:srgbClr val="FFFFFF"/>
-                </a:solidFill>
-              </a:uFill>
-              <a:latin typeface="Arial"/>
-            </a:endParaRPr>
-          </a:p>
-          <a:p>
-            <a:pPr marL="457200" indent="-457200">
-              <a:lnSpc>
-                <a:spcPct val="100000"/>
-              </a:lnSpc>
-              <a:buFontTx/>
-              <a:buChar char="-"/>
-            </a:pPr>
-            <a:r>
-              <a:rPr lang="en-US" altLang="ko-KR" sz="3200" smtClean="0"/>
-              <a:t>5,000</a:t>
-            </a:r>
-            <a:r>
-              <a:rPr lang="ko-KR" altLang="en-US" sz="3200"/>
-              <a:t>개의 검증 </a:t>
-            </a:r>
-            <a:r>
-              <a:rPr lang="ko-KR" altLang="en-US" sz="3200" smtClean="0"/>
-              <a:t>데이터</a:t>
-            </a:r>
           </a:p>
         </p:txBody>
       </p:sp>
       <p:pic>
         <p:nvPicPr>
-          <p:cNvPr id="6146" name="Picture 2" descr="https://tensorflowkorea.gitbooks.io/tensorflow-kr/content/g3doc/images/MNIST.png"/>
+          <p:cNvPr id="5122" name="Picture 2" descr="D:\2018AuTURBO\notebook.png"/>
           <p:cNvPicPr>
             <a:picLocks noChangeAspect="1" noChangeArrowheads="1"/>
           </p:cNvPicPr>
@@ -3096,8 +3091,8 @@
         </p:blipFill>
         <p:spPr bwMode="auto">
           <a:xfrm>
-            <a:off x="863848" y="3347789"/>
-            <a:ext cx="6057900" cy="1514475"/>
+            <a:off x="863848" y="3635821"/>
+            <a:ext cx="6624736" cy="3193330"/>
           </a:xfrm>
           <a:prstGeom prst="rect">
             <a:avLst/>
@@ -3117,7 +3112,7 @@
     </p:spTree>
     <p:extLst>
       <p:ext uri="{BB962C8B-B14F-4D97-AF65-F5344CB8AC3E}">
-        <p14:creationId xmlns:p14="http://schemas.microsoft.com/office/powerpoint/2010/main" val="1993237318"/>
+        <p14:creationId xmlns:p14="http://schemas.microsoft.com/office/powerpoint/2010/main" val="2930127748"/>
       </p:ext>
     </p:extLst>
   </p:cSld>
@@ -3234,6 +3229,404 @@
                 </a:uFill>
                 <a:latin typeface="Arial"/>
               </a:rPr>
+              <a:t>MNIST</a:t>
+            </a:r>
+            <a:endParaRPr lang="ko-KR" sz="1800" b="0" strike="noStrike" spc="-1">
+              <a:solidFill>
+                <a:srgbClr val="000000"/>
+              </a:solidFill>
+              <a:uFill>
+                <a:solidFill>
+                  <a:srgbClr val="FFFFFF"/>
+                </a:solidFill>
+              </a:uFill>
+              <a:latin typeface="맑은 고딕"/>
+            </a:endParaRPr>
+          </a:p>
+        </p:txBody>
+      </p:sp>
+      <p:sp>
+        <p:nvSpPr>
+          <p:cNvPr id="54" name="TextShape 2"/>
+          <p:cNvSpPr txBox="1"/>
+          <p:nvPr/>
+        </p:nvSpPr>
+        <p:spPr>
+          <a:xfrm>
+            <a:off x="333720" y="1762253"/>
+            <a:ext cx="9071280" cy="5185936"/>
+          </a:xfrm>
+          <a:prstGeom prst="rect">
+            <a:avLst/>
+          </a:prstGeom>
+          <a:noFill/>
+          <a:ln>
+            <a:noFill/>
+          </a:ln>
+        </p:spPr>
+        <p:txBody>
+          <a:bodyPr lIns="0" tIns="0" rIns="0" bIns="0" anchor="ctr"/>
+          <a:lstStyle/>
+          <a:p>
+            <a:pPr marL="457200" indent="-457200">
+              <a:lnSpc>
+                <a:spcPct val="100000"/>
+              </a:lnSpc>
+              <a:buFontTx/>
+              <a:buChar char="-"/>
+            </a:pPr>
+            <a:r>
+              <a:rPr lang="ko-KR" altLang="en-US" sz="3200" smtClean="0"/>
+              <a:t>주소인식을 위해 만들어진 데이터 베이스</a:t>
+            </a:r>
+            <a:endParaRPr lang="en-US" altLang="ko-KR" sz="3200" smtClean="0"/>
+          </a:p>
+          <a:p>
+            <a:pPr marL="457200" indent="-457200">
+              <a:lnSpc>
+                <a:spcPct val="100000"/>
+              </a:lnSpc>
+              <a:buFontTx/>
+              <a:buChar char="-"/>
+            </a:pPr>
+            <a:r>
+              <a:rPr lang="en-US" altLang="ko-KR" sz="3200" smtClean="0"/>
+              <a:t>28×28 </a:t>
+            </a:r>
+            <a:r>
+              <a:rPr lang="ko-KR" altLang="en-US" sz="3200"/>
+              <a:t>크기의 </a:t>
+            </a:r>
+            <a:r>
+              <a:rPr lang="en-US" altLang="ko-KR" sz="3200"/>
+              <a:t>0~9</a:t>
+            </a:r>
+            <a:r>
+              <a:rPr lang="ko-KR" altLang="en-US" sz="3200"/>
+              <a:t>사이의 숫자 </a:t>
+            </a:r>
+            <a:r>
+              <a:rPr lang="ko-KR" altLang="en-US" sz="3200" smtClean="0"/>
+              <a:t>이미지</a:t>
+            </a:r>
+            <a:r>
+              <a:rPr lang="en-US" altLang="ko-KR" sz="3200" smtClean="0"/>
+              <a:t>, </a:t>
+            </a:r>
+            <a:r>
+              <a:rPr lang="ko-KR" altLang="en-US" sz="3200" smtClean="0"/>
+              <a:t>레이블</a:t>
+            </a:r>
+            <a:endParaRPr lang="en-US" altLang="ko-KR" sz="3200" smtClean="0"/>
+          </a:p>
+          <a:p>
+            <a:pPr marL="457200" indent="-457200">
+              <a:lnSpc>
+                <a:spcPct val="100000"/>
+              </a:lnSpc>
+              <a:buFontTx/>
+              <a:buChar char="-"/>
+            </a:pPr>
+            <a:endParaRPr lang="en-US" sz="3200" spc="-1">
+              <a:solidFill>
+                <a:srgbClr val="000000"/>
+              </a:solidFill>
+              <a:uFill>
+                <a:solidFill>
+                  <a:srgbClr val="FFFFFF"/>
+                </a:solidFill>
+              </a:uFill>
+              <a:latin typeface="Arial"/>
+            </a:endParaRPr>
+          </a:p>
+          <a:p>
+            <a:pPr>
+              <a:lnSpc>
+                <a:spcPct val="100000"/>
+              </a:lnSpc>
+            </a:pPr>
+            <a:endParaRPr lang="en-US" sz="3200" spc="-1" smtClean="0">
+              <a:solidFill>
+                <a:srgbClr val="000000"/>
+              </a:solidFill>
+              <a:uFill>
+                <a:solidFill>
+                  <a:srgbClr val="FFFFFF"/>
+                </a:solidFill>
+              </a:uFill>
+              <a:latin typeface="Arial"/>
+            </a:endParaRPr>
+          </a:p>
+          <a:p>
+            <a:pPr>
+              <a:lnSpc>
+                <a:spcPct val="100000"/>
+              </a:lnSpc>
+            </a:pPr>
+            <a:endParaRPr lang="en-US" sz="3200" spc="-1">
+              <a:solidFill>
+                <a:srgbClr val="000000"/>
+              </a:solidFill>
+              <a:uFill>
+                <a:solidFill>
+                  <a:srgbClr val="FFFFFF"/>
+                </a:solidFill>
+              </a:uFill>
+              <a:latin typeface="Arial"/>
+            </a:endParaRPr>
+          </a:p>
+          <a:p>
+            <a:pPr>
+              <a:lnSpc>
+                <a:spcPct val="100000"/>
+              </a:lnSpc>
+            </a:pPr>
+            <a:endParaRPr lang="en-US" sz="3200" spc="-1" smtClean="0">
+              <a:solidFill>
+                <a:srgbClr val="000000"/>
+              </a:solidFill>
+              <a:uFill>
+                <a:solidFill>
+                  <a:srgbClr val="FFFFFF"/>
+                </a:solidFill>
+              </a:uFill>
+              <a:latin typeface="Arial"/>
+            </a:endParaRPr>
+          </a:p>
+          <a:p>
+            <a:pPr marL="457200" indent="-457200">
+              <a:lnSpc>
+                <a:spcPct val="100000"/>
+              </a:lnSpc>
+              <a:buFontTx/>
+              <a:buChar char="-"/>
+            </a:pPr>
+            <a:r>
+              <a:rPr lang="en-US" altLang="ko-KR" sz="3200" smtClean="0"/>
+              <a:t>55,000</a:t>
+            </a:r>
+            <a:r>
+              <a:rPr lang="ko-KR" altLang="en-US" sz="3200"/>
+              <a:t>개의 학습 </a:t>
+            </a:r>
+            <a:r>
+              <a:rPr lang="ko-KR" altLang="en-US" sz="3200" smtClean="0"/>
+              <a:t>데이터</a:t>
+            </a:r>
+            <a:endParaRPr lang="en-US" altLang="ko-KR" sz="3200" smtClean="0"/>
+          </a:p>
+          <a:p>
+            <a:pPr marL="457200" indent="-457200">
+              <a:lnSpc>
+                <a:spcPct val="100000"/>
+              </a:lnSpc>
+              <a:buFontTx/>
+              <a:buChar char="-"/>
+            </a:pPr>
+            <a:r>
+              <a:rPr lang="en-US" altLang="ko-KR" sz="3200"/>
+              <a:t>10,000</a:t>
+            </a:r>
+            <a:r>
+              <a:rPr lang="ko-KR" altLang="en-US" sz="3200"/>
+              <a:t>개의 테스트 데이터</a:t>
+            </a:r>
+            <a:endParaRPr lang="en-US" sz="3200" spc="-1" smtClean="0">
+              <a:solidFill>
+                <a:srgbClr val="000000"/>
+              </a:solidFill>
+              <a:uFill>
+                <a:solidFill>
+                  <a:srgbClr val="FFFFFF"/>
+                </a:solidFill>
+              </a:uFill>
+              <a:latin typeface="Arial"/>
+            </a:endParaRPr>
+          </a:p>
+          <a:p>
+            <a:pPr marL="457200" indent="-457200">
+              <a:lnSpc>
+                <a:spcPct val="100000"/>
+              </a:lnSpc>
+              <a:buFontTx/>
+              <a:buChar char="-"/>
+            </a:pPr>
+            <a:r>
+              <a:rPr lang="en-US" altLang="ko-KR" sz="3200" smtClean="0"/>
+              <a:t>5,000</a:t>
+            </a:r>
+            <a:r>
+              <a:rPr lang="ko-KR" altLang="en-US" sz="3200"/>
+              <a:t>개의 검증 </a:t>
+            </a:r>
+            <a:r>
+              <a:rPr lang="ko-KR" altLang="en-US" sz="3200" smtClean="0"/>
+              <a:t>데이터</a:t>
+            </a:r>
+          </a:p>
+        </p:txBody>
+      </p:sp>
+      <p:pic>
+        <p:nvPicPr>
+          <p:cNvPr id="6146" name="Picture 2" descr="https://tensorflowkorea.gitbooks.io/tensorflow-kr/content/g3doc/images/MNIST.png"/>
+          <p:cNvPicPr>
+            <a:picLocks noChangeAspect="1" noChangeArrowheads="1"/>
+          </p:cNvPicPr>
+          <p:nvPr/>
+        </p:nvPicPr>
+        <p:blipFill>
+          <a:blip r:embed="rId3">
+            <a:extLst>
+              <a:ext uri="{28A0092B-C50C-407E-A947-70E740481C1C}">
+                <a14:useLocalDpi xmlns:a14="http://schemas.microsoft.com/office/drawing/2010/main" val="0"/>
+              </a:ext>
+            </a:extLst>
+          </a:blip>
+          <a:srcRect/>
+          <a:stretch>
+            <a:fillRect/>
+          </a:stretch>
+        </p:blipFill>
+        <p:spPr bwMode="auto">
+          <a:xfrm>
+            <a:off x="863848" y="3347789"/>
+            <a:ext cx="6057900" cy="1514475"/>
+          </a:xfrm>
+          <a:prstGeom prst="rect">
+            <a:avLst/>
+          </a:prstGeom>
+          <a:noFill/>
+          <a:extLst>
+            <a:ext uri="{909E8E84-426E-40DD-AFC4-6F175D3DCCD1}">
+              <a14:hiddenFill xmlns:a14="http://schemas.microsoft.com/office/drawing/2010/main">
+                <a:solidFill>
+                  <a:srgbClr val="FFFFFF"/>
+                </a:solidFill>
+              </a14:hiddenFill>
+            </a:ext>
+          </a:extLst>
+        </p:spPr>
+      </p:pic>
+    </p:spTree>
+    <p:extLst>
+      <p:ext uri="{BB962C8B-B14F-4D97-AF65-F5344CB8AC3E}">
+        <p14:creationId xmlns:p14="http://schemas.microsoft.com/office/powerpoint/2010/main" val="1993237318"/>
+      </p:ext>
+    </p:extLst>
+  </p:cSld>
+  <p:clrMapOvr>
+    <a:masterClrMapping/>
+  </p:clrMapOvr>
+  <p:timing>
+    <p:tnLst>
+      <p:par>
+        <p:cTn id="1" dur="indefinite" restart="never" nodeType="tmRoot">
+          <p:childTnLst>
+            <p:seq>
+              <p:cTn id="2" nodeType="mainSeq"/>
+              <p:prevCondLst>
+                <p:cond evt="onPrev" delay="0">
+                  <p:tgtEl>
+                    <p:sldTgt/>
+                  </p:tgtEl>
+                </p:cond>
+              </p:prevCondLst>
+              <p:nextCondLst>
+                <p:cond evt="onNext" delay="0">
+                  <p:tgtEl>
+                    <p:sldTgt/>
+                  </p:tgtEl>
+                </p:cond>
+              </p:nextCondLst>
+            </p:seq>
+          </p:childTnLst>
+        </p:cTn>
+      </p:par>
+    </p:tnLst>
+  </p:timing>
+</p:sld>
+</file>
+
+<file path=ppt/slides/slide12.xml><?xml version="1.0" encoding="utf-8"?>
+<p:sld xmlns:a="http://schemas.openxmlformats.org/drawingml/2006/main" xmlns:r="http://schemas.openxmlformats.org/officeDocument/2006/relationships" xmlns:p="http://schemas.openxmlformats.org/presentationml/2006/main">
+  <p:cSld>
+    <p:spTree>
+      <p:nvGrpSpPr>
+        <p:cNvPr id="1" name=""/>
+        <p:cNvGrpSpPr/>
+        <p:nvPr/>
+      </p:nvGrpSpPr>
+      <p:grpSpPr>
+        <a:xfrm>
+          <a:off x="0" y="0"/>
+          <a:ext cx="0" cy="0"/>
+          <a:chOff x="0" y="0"/>
+          <a:chExt cx="0" cy="0"/>
+        </a:xfrm>
+      </p:grpSpPr>
+      <p:pic>
+        <p:nvPicPr>
+          <p:cNvPr id="52" name="그림 3"/>
+          <p:cNvPicPr/>
+          <p:nvPr/>
+        </p:nvPicPr>
+        <p:blipFill>
+          <a:blip r:embed="rId2"/>
+          <a:stretch/>
+        </p:blipFill>
+        <p:spPr>
+          <a:xfrm>
+            <a:off x="8843400" y="63360"/>
+            <a:ext cx="1123200" cy="942120"/>
+          </a:xfrm>
+          <a:prstGeom prst="rect">
+            <a:avLst/>
+          </a:prstGeom>
+          <a:ln>
+            <a:noFill/>
+          </a:ln>
+        </p:spPr>
+      </p:pic>
+      <p:sp>
+        <p:nvSpPr>
+          <p:cNvPr id="53" name="TextShape 1"/>
+          <p:cNvSpPr txBox="1"/>
+          <p:nvPr/>
+        </p:nvSpPr>
+        <p:spPr>
+          <a:xfrm>
+            <a:off x="504000" y="301320"/>
+            <a:ext cx="9071280" cy="1261800"/>
+          </a:xfrm>
+          <a:prstGeom prst="rect">
+            <a:avLst/>
+          </a:prstGeom>
+          <a:noFill/>
+          <a:ln>
+            <a:noFill/>
+          </a:ln>
+        </p:spPr>
+        <p:txBody>
+          <a:bodyPr lIns="0" tIns="0" rIns="0" bIns="0" anchor="ctr"/>
+          <a:lstStyle/>
+          <a:p>
+            <a:pPr algn="ctr">
+              <a:lnSpc>
+                <a:spcPct val="100000"/>
+              </a:lnSpc>
+            </a:pPr>
+            <a:r>
+              <a:rPr lang="en-US" altLang="ko-KR" sz="4400" spc="-1" smtClean="0">
+                <a:solidFill>
+                  <a:srgbClr val="000000"/>
+                </a:solidFill>
+                <a:uFill>
+                  <a:solidFill>
+                    <a:srgbClr val="FFFFFF"/>
+                  </a:solidFill>
+                </a:uFill>
+                <a:latin typeface="Arial"/>
+              </a:rPr>
               <a:t>MNIST(NLP)</a:t>
             </a:r>
             <a:endParaRPr lang="ko-KR" sz="1800" b="0" strike="noStrike" spc="-1">
@@ -3423,7 +3816,7 @@
 </p:sld>
 </file>
 
-<file path=ppt/slides/slide12.xml><?xml version="1.0" encoding="utf-8"?>
+<file path=ppt/slides/slide13.xml><?xml version="1.0" encoding="utf-8"?>
 <p:sld xmlns:a="http://schemas.openxmlformats.org/drawingml/2006/main" xmlns:r="http://schemas.openxmlformats.org/officeDocument/2006/relationships" xmlns:p="http://schemas.openxmlformats.org/presentationml/2006/main">
   <p:cSld>
     <p:spTree>
@@ -3694,272 +4087,6 @@
     <p:extLst>
       <p:ext uri="{BB962C8B-B14F-4D97-AF65-F5344CB8AC3E}">
         <p14:creationId xmlns:p14="http://schemas.microsoft.com/office/powerpoint/2010/main" val="3935831489"/>
-      </p:ext>
-    </p:extLst>
-  </p:cSld>
-  <p:clrMapOvr>
-    <a:masterClrMapping/>
-  </p:clrMapOvr>
-  <p:timing>
-    <p:tnLst>
-      <p:par>
-        <p:cTn id="1" dur="indefinite" restart="never" nodeType="tmRoot">
-          <p:childTnLst>
-            <p:seq>
-              <p:cTn id="2" nodeType="mainSeq"/>
-              <p:prevCondLst>
-                <p:cond evt="onPrev" delay="0">
-                  <p:tgtEl>
-                    <p:sldTgt/>
-                  </p:tgtEl>
-                </p:cond>
-              </p:prevCondLst>
-              <p:nextCondLst>
-                <p:cond evt="onNext" delay="0">
-                  <p:tgtEl>
-                    <p:sldTgt/>
-                  </p:tgtEl>
-                </p:cond>
-              </p:nextCondLst>
-            </p:seq>
-          </p:childTnLst>
-        </p:cTn>
-      </p:par>
-    </p:tnLst>
-  </p:timing>
-</p:sld>
-</file>
-
-<file path=ppt/slides/slide13.xml><?xml version="1.0" encoding="utf-8"?>
-<p:sld xmlns:a="http://schemas.openxmlformats.org/drawingml/2006/main" xmlns:r="http://schemas.openxmlformats.org/officeDocument/2006/relationships" xmlns:p="http://schemas.openxmlformats.org/presentationml/2006/main">
-  <p:cSld>
-    <p:spTree>
-      <p:nvGrpSpPr>
-        <p:cNvPr id="1" name=""/>
-        <p:cNvGrpSpPr/>
-        <p:nvPr/>
-      </p:nvGrpSpPr>
-      <p:grpSpPr>
-        <a:xfrm>
-          <a:off x="0" y="0"/>
-          <a:ext cx="0" cy="0"/>
-          <a:chOff x="0" y="0"/>
-          <a:chExt cx="0" cy="0"/>
-        </a:xfrm>
-      </p:grpSpPr>
-      <p:pic>
-        <p:nvPicPr>
-          <p:cNvPr id="52" name="그림 3"/>
-          <p:cNvPicPr/>
-          <p:nvPr/>
-        </p:nvPicPr>
-        <p:blipFill>
-          <a:blip r:embed="rId2"/>
-          <a:stretch/>
-        </p:blipFill>
-        <p:spPr>
-          <a:xfrm>
-            <a:off x="8843400" y="63360"/>
-            <a:ext cx="1123200" cy="942120"/>
-          </a:xfrm>
-          <a:prstGeom prst="rect">
-            <a:avLst/>
-          </a:prstGeom>
-          <a:ln>
-            <a:noFill/>
-          </a:ln>
-        </p:spPr>
-      </p:pic>
-      <p:sp>
-        <p:nvSpPr>
-          <p:cNvPr id="53" name="TextShape 1"/>
-          <p:cNvSpPr txBox="1"/>
-          <p:nvPr/>
-        </p:nvSpPr>
-        <p:spPr>
-          <a:xfrm>
-            <a:off x="504000" y="301320"/>
-            <a:ext cx="9071280" cy="1261800"/>
-          </a:xfrm>
-          <a:prstGeom prst="rect">
-            <a:avLst/>
-          </a:prstGeom>
-          <a:noFill/>
-          <a:ln>
-            <a:noFill/>
-          </a:ln>
-        </p:spPr>
-        <p:txBody>
-          <a:bodyPr lIns="0" tIns="0" rIns="0" bIns="0" anchor="ctr"/>
-          <a:lstStyle/>
-          <a:p>
-            <a:pPr algn="ctr">
-              <a:lnSpc>
-                <a:spcPct val="100000"/>
-              </a:lnSpc>
-            </a:pPr>
-            <a:r>
-              <a:rPr lang="en-US" altLang="ko-KR" sz="4400" spc="-1" smtClean="0">
-                <a:solidFill>
-                  <a:srgbClr val="000000"/>
-                </a:solidFill>
-                <a:uFill>
-                  <a:solidFill>
-                    <a:srgbClr val="FFFFFF"/>
-                  </a:solidFill>
-                </a:uFill>
-                <a:latin typeface="Arial"/>
-              </a:rPr>
-              <a:t>MNIST(NLP)</a:t>
-            </a:r>
-            <a:endParaRPr lang="ko-KR" sz="1800" b="0" strike="noStrike" spc="-1">
-              <a:solidFill>
-                <a:srgbClr val="000000"/>
-              </a:solidFill>
-              <a:uFill>
-                <a:solidFill>
-                  <a:srgbClr val="FFFFFF"/>
-                </a:solidFill>
-              </a:uFill>
-              <a:latin typeface="맑은 고딕"/>
-            </a:endParaRPr>
-          </a:p>
-        </p:txBody>
-      </p:sp>
-      <p:sp>
-        <p:nvSpPr>
-          <p:cNvPr id="54" name="TextShape 2"/>
-          <p:cNvSpPr txBox="1"/>
-          <p:nvPr/>
-        </p:nvSpPr>
-        <p:spPr>
-          <a:xfrm>
-            <a:off x="333720" y="1762253"/>
-            <a:ext cx="9071280" cy="5185936"/>
-          </a:xfrm>
-          <a:prstGeom prst="rect">
-            <a:avLst/>
-          </a:prstGeom>
-          <a:noFill/>
-          <a:ln>
-            <a:noFill/>
-          </a:ln>
-        </p:spPr>
-        <p:txBody>
-          <a:bodyPr lIns="0" tIns="0" rIns="0" bIns="0" anchor="ctr"/>
-          <a:lstStyle/>
-          <a:p>
-            <a:r>
-              <a:rPr lang="en-US" altLang="ko-KR" smtClean="0"/>
-              <a:t>- </a:t>
-            </a:r>
-            <a:r>
-              <a:rPr lang="ko-KR" altLang="en-US" smtClean="0"/>
-              <a:t>초기화</a:t>
-            </a:r>
-            <a:endParaRPr lang="en-US" altLang="ko-KR"/>
-          </a:p>
-          <a:p>
-            <a:r>
-              <a:rPr lang="en-US" altLang="ko-KR"/>
-              <a:t>sess = tf.Session()</a:t>
-            </a:r>
-          </a:p>
-          <a:p>
-            <a:r>
-              <a:rPr lang="en-US" altLang="ko-KR"/>
-              <a:t>sess.run(tf.global_variables_initializer())</a:t>
-            </a:r>
-          </a:p>
-          <a:p>
-            <a:endParaRPr lang="en-US" altLang="ko-KR"/>
-          </a:p>
-          <a:p>
-            <a:r>
-              <a:rPr lang="en-US" altLang="ko-KR" smtClean="0"/>
-              <a:t>- </a:t>
-            </a:r>
-            <a:r>
-              <a:rPr lang="ko-KR" altLang="en-US" smtClean="0"/>
-              <a:t>학습</a:t>
-            </a:r>
-            <a:endParaRPr lang="en-US" altLang="ko-KR"/>
-          </a:p>
-          <a:p>
-            <a:r>
-              <a:rPr lang="en-US" altLang="ko-KR"/>
-              <a:t>for epoch in range(training_epochs):</a:t>
-            </a:r>
-          </a:p>
-          <a:p>
-            <a:r>
-              <a:rPr lang="en-US" altLang="ko-KR"/>
-              <a:t>    avg_cost = 0</a:t>
-            </a:r>
-          </a:p>
-          <a:p>
-            <a:r>
-              <a:rPr lang="en-US" altLang="ko-KR"/>
-              <a:t>    total_batch = int(mnist.train.num_examples / batch_size)</a:t>
-            </a:r>
-          </a:p>
-          <a:p>
-            <a:endParaRPr lang="en-US" altLang="ko-KR"/>
-          </a:p>
-          <a:p>
-            <a:r>
-              <a:rPr lang="en-US" altLang="ko-KR"/>
-              <a:t>    for i in range(total_batch):</a:t>
-            </a:r>
-          </a:p>
-          <a:p>
-            <a:r>
-              <a:rPr lang="en-US" altLang="ko-KR"/>
-              <a:t>        batch_xs, batch_ys = mnist.train.next_batch(batch_size)</a:t>
-            </a:r>
-          </a:p>
-          <a:p>
-            <a:r>
-              <a:rPr lang="en-US" altLang="ko-KR"/>
-              <a:t>        feed_dict = {X: batch_xs, Y: batch_ys}</a:t>
-            </a:r>
-          </a:p>
-          <a:p>
-            <a:r>
-              <a:rPr lang="en-US" altLang="ko-KR"/>
-              <a:t>        c, _ = sess.run([cost, optimizer], feed_dict=feed_dict)</a:t>
-            </a:r>
-          </a:p>
-          <a:p>
-            <a:r>
-              <a:rPr lang="en-US" altLang="ko-KR"/>
-              <a:t>        avg_cost += c / total_batch</a:t>
-            </a:r>
-          </a:p>
-          <a:p>
-            <a:endParaRPr lang="en-US" altLang="ko-KR"/>
-          </a:p>
-          <a:p>
-            <a:r>
-              <a:rPr lang="en-US" altLang="ko-KR"/>
-              <a:t>    print('Epoch:', '%04d' % (epoch + 1), 'cost =', '{:.9f}'.format(avg_cost))</a:t>
-            </a:r>
-          </a:p>
-          <a:p>
-            <a:endParaRPr lang="en-US" altLang="ko-KR"/>
-          </a:p>
-          <a:p>
-            <a:r>
-              <a:rPr lang="en-US" altLang="ko-KR"/>
-              <a:t>print('Learning Finished!')</a:t>
-            </a:r>
-          </a:p>
-        </p:txBody>
-      </p:sp>
-    </p:spTree>
-    <p:extLst>
-      <p:ext uri="{BB962C8B-B14F-4D97-AF65-F5344CB8AC3E}">
-        <p14:creationId xmlns:p14="http://schemas.microsoft.com/office/powerpoint/2010/main" val="695590641"/>
       </p:ext>
     </p:extLst>
   </p:cSld>
@@ -4121,59 +4248,111 @@
             </a:r>
             <a:r>
               <a:rPr lang="ko-KR" altLang="en-US" smtClean="0"/>
-              <a:t>테스트이미지를 이용한 최종 </a:t>
-            </a:r>
+              <a:t>초기화</a:t>
+            </a:r>
+            <a:endParaRPr lang="en-US" altLang="ko-KR"/>
+          </a:p>
+          <a:p>
             <a:r>
               <a:rPr lang="en-US" altLang="ko-KR"/>
-              <a:t>Accuracy</a:t>
-            </a:r>
+              <a:t>sess = tf.Session()</a:t>
+            </a:r>
+          </a:p>
+          <a:p>
+            <a:r>
+              <a:rPr lang="en-US" altLang="ko-KR"/>
+              <a:t>sess.run(tf.global_variables_initializer())</a:t>
+            </a:r>
+          </a:p>
+          <a:p>
+            <a:endParaRPr lang="en-US" altLang="ko-KR"/>
           </a:p>
           <a:p>
             <a:r>
               <a:rPr lang="en-US" altLang="ko-KR" smtClean="0"/>
-              <a:t>correct_prediction </a:t>
-            </a:r>
+              <a:t>- </a:t>
+            </a:r>
+            <a:r>
+              <a:rPr lang="ko-KR" altLang="en-US" smtClean="0"/>
+              <a:t>학습</a:t>
+            </a:r>
+            <a:endParaRPr lang="en-US" altLang="ko-KR"/>
+          </a:p>
+          <a:p>
             <a:r>
               <a:rPr lang="en-US" altLang="ko-KR"/>
-              <a:t>= tf.equal(tf.argmax(hypothesis, 1), tf.argmax(Y, 1))</a:t>
+              <a:t>for epoch in range(training_epochs):</a:t>
             </a:r>
           </a:p>
           <a:p>
             <a:r>
               <a:rPr lang="en-US" altLang="ko-KR"/>
-              <a:t>accuracy = tf.reduce_mean(tf.cast(correct_prediction, tf.float32))</a:t>
+              <a:t>    avg_cost = 0</a:t>
             </a:r>
           </a:p>
           <a:p>
             <a:r>
               <a:rPr lang="en-US" altLang="ko-KR"/>
-              <a:t>print('Accuracy:', sess.run(accuracy, feed_dict={ X: mnist.test.images, </a:t>
-            </a:r>
-            <a:endParaRPr lang="en-US" altLang="ko-KR" smtClean="0"/>
+              <a:t>    total_batch = int(mnist.train.num_examples / batch_size)</a:t>
+            </a:r>
+          </a:p>
+          <a:p>
+            <a:endParaRPr lang="en-US" altLang="ko-KR"/>
           </a:p>
           <a:p>
             <a:r>
               <a:rPr lang="en-US" altLang="ko-KR"/>
-              <a:t>	</a:t>
-            </a:r>
-            <a:r>
-              <a:rPr lang="en-US" altLang="ko-KR" smtClean="0"/>
-              <a:t>				      Y</a:t>
-            </a:r>
+              <a:t>    for i in range(total_batch):</a:t>
+            </a:r>
+          </a:p>
+          <a:p>
             <a:r>
               <a:rPr lang="en-US" altLang="ko-KR"/>
-              <a:t>: mnist.test.labels}))</a:t>
+              <a:t>        batch_xs, batch_ys = mnist.train.next_batch(batch_size)</a:t>
+            </a:r>
+          </a:p>
+          <a:p>
+            <a:r>
+              <a:rPr lang="en-US" altLang="ko-KR"/>
+              <a:t>        feed_dict = {X: batch_xs, Y: batch_ys}</a:t>
+            </a:r>
+          </a:p>
+          <a:p>
+            <a:r>
+              <a:rPr lang="en-US" altLang="ko-KR"/>
+              <a:t>        c, _ = sess.run([cost, optimizer], feed_dict=feed_dict)</a:t>
+            </a:r>
+          </a:p>
+          <a:p>
+            <a:r>
+              <a:rPr lang="en-US" altLang="ko-KR"/>
+              <a:t>        avg_cost += c / total_batch</a:t>
             </a:r>
           </a:p>
           <a:p>
             <a:endParaRPr lang="en-US" altLang="ko-KR"/>
+          </a:p>
+          <a:p>
+            <a:r>
+              <a:rPr lang="en-US" altLang="ko-KR"/>
+              <a:t>    print('Epoch:', '%04d' % (epoch + 1), 'cost =', '{:.9f}'.format(avg_cost))</a:t>
+            </a:r>
+          </a:p>
+          <a:p>
+            <a:endParaRPr lang="en-US" altLang="ko-KR"/>
+          </a:p>
+          <a:p>
+            <a:r>
+              <a:rPr lang="en-US" altLang="ko-KR"/>
+              <a:t>print('Learning Finished!')</a:t>
+            </a:r>
           </a:p>
         </p:txBody>
       </p:sp>
     </p:spTree>
     <p:extLst>
       <p:ext uri="{BB962C8B-B14F-4D97-AF65-F5344CB8AC3E}">
-        <p14:creationId xmlns:p14="http://schemas.microsoft.com/office/powerpoint/2010/main" val="1086810320"/>
+        <p14:creationId xmlns:p14="http://schemas.microsoft.com/office/powerpoint/2010/main" val="695590641"/>
       </p:ext>
     </p:extLst>
   </p:cSld>
@@ -4290,7 +4469,7 @@
                 </a:uFill>
                 <a:latin typeface="Arial"/>
               </a:rPr>
-              <a:t>MNIST(CNN)</a:t>
+              <a:t>MNIST(NLP)</a:t>
             </a:r>
             <a:endParaRPr lang="ko-KR" sz="1800" b="0" strike="noStrike" spc="-1">
               <a:solidFill>
@@ -4329,142 +4508,65 @@
           <a:bodyPr lIns="0" tIns="0" rIns="0" bIns="0" anchor="ctr"/>
           <a:lstStyle/>
           <a:p>
-            <a:pPr marL="457200" indent="-457200">
-              <a:lnSpc>
-                <a:spcPct val="100000"/>
-              </a:lnSpc>
-              <a:buFontTx/>
-              <a:buChar char="-"/>
-            </a:pPr>
-            <a:r>
-              <a:rPr lang="ko-KR" altLang="en-US" sz="2400" smtClean="0"/>
-              <a:t>선언</a:t>
-            </a:r>
-            <a:endParaRPr lang="en-US" altLang="ko-KR" sz="2400" smtClean="0"/>
-          </a:p>
-          <a:p>
-            <a:pPr>
-              <a:lnSpc>
-                <a:spcPct val="100000"/>
-              </a:lnSpc>
-            </a:pPr>
-            <a:r>
-              <a:rPr lang="en-US" altLang="ko-KR" sz="2400" smtClean="0"/>
-              <a:t>import tensorflow as tf</a:t>
-            </a:r>
-          </a:p>
-          <a:p>
-            <a:pPr>
-              <a:lnSpc>
-                <a:spcPct val="100000"/>
-              </a:lnSpc>
-            </a:pPr>
-            <a:r>
-              <a:rPr lang="en-US" altLang="ko-KR" sz="2400" smtClean="0"/>
-              <a:t>import matplotlib.pyplot as plt</a:t>
-            </a:r>
-          </a:p>
-          <a:p>
-            <a:pPr>
-              <a:lnSpc>
-                <a:spcPct val="100000"/>
-              </a:lnSpc>
-            </a:pPr>
-            <a:r>
-              <a:rPr lang="en-US" altLang="ko-KR" sz="2400" smtClean="0"/>
-              <a:t>import random</a:t>
-            </a:r>
-          </a:p>
-          <a:p>
-            <a:pPr>
-              <a:lnSpc>
-                <a:spcPct val="100000"/>
-              </a:lnSpc>
-            </a:pPr>
-            <a:endParaRPr lang="en-US" altLang="ko-KR" sz="2400" smtClean="0"/>
-          </a:p>
-          <a:p>
-            <a:pPr marL="457200" indent="-457200">
-              <a:lnSpc>
-                <a:spcPct val="100000"/>
-              </a:lnSpc>
-              <a:buFontTx/>
-              <a:buChar char="-"/>
-            </a:pPr>
-            <a:r>
-              <a:rPr lang="en-US" altLang="ko-KR" sz="2400" smtClean="0"/>
-              <a:t>Dataset </a:t>
-            </a:r>
-            <a:r>
-              <a:rPr lang="ko-KR" altLang="en-US" sz="2400" smtClean="0"/>
-              <a:t>불러오기</a:t>
-            </a:r>
-            <a:endParaRPr lang="en-US" altLang="ko-KR" sz="2400" smtClean="0"/>
-          </a:p>
-          <a:p>
-            <a:pPr>
-              <a:lnSpc>
-                <a:spcPct val="100000"/>
-              </a:lnSpc>
-            </a:pPr>
-            <a:r>
-              <a:rPr lang="en-US" altLang="ko-KR" sz="2400" smtClean="0"/>
-              <a:t>tf.set_random_seed(777)</a:t>
-            </a:r>
-          </a:p>
-          <a:p>
-            <a:r>
-              <a:rPr lang="en-US" altLang="ko-KR" sz="2400"/>
-              <a:t>from tensorflow.examples.tutorials.mnist import input_data</a:t>
-            </a:r>
-          </a:p>
-          <a:p>
-            <a:r>
-              <a:rPr lang="en-US" altLang="ko-KR" sz="2400" smtClean="0"/>
-              <a:t>mnist </a:t>
-            </a:r>
-            <a:r>
-              <a:rPr lang="en-US" altLang="ko-KR" sz="2400"/>
-              <a:t>= input_data.read_data_sets("MNIST_data/", one_hot=True)</a:t>
-            </a:r>
-          </a:p>
-          <a:p>
-            <a:r>
-              <a:rPr lang="en-US" altLang="ko-KR" sz="2400" smtClean="0"/>
-              <a:t/>
-            </a:r>
-            <a:br>
-              <a:rPr lang="en-US" altLang="ko-KR" sz="2400" smtClean="0"/>
-            </a:br>
-            <a:r>
-              <a:rPr lang="en-US" altLang="ko-KR" sz="2400" smtClean="0"/>
+            <a:r>
+              <a:rPr lang="en-US" altLang="ko-KR" smtClean="0"/>
               <a:t>- </a:t>
             </a:r>
             <a:r>
-              <a:rPr lang="ko-KR" altLang="en-US" sz="2400" smtClean="0"/>
-              <a:t>데이터 확인하기</a:t>
-            </a:r>
-            <a:endParaRPr lang="en-US" altLang="ko-KR" sz="2400" smtClean="0"/>
-          </a:p>
-          <a:p>
-            <a:r>
-              <a:rPr lang="en-US" altLang="ko-KR" sz="2400" smtClean="0"/>
-              <a:t>img = mnist.train.images[0].reshape(28,28)</a:t>
-            </a:r>
-          </a:p>
-          <a:p>
-            <a:r>
-              <a:rPr lang="en-US" altLang="ko-KR" sz="2400" smtClean="0"/>
-              <a:t>plt.imshow(img, cmap=‘gray’)</a:t>
-            </a:r>
-            <a:endParaRPr lang="ko-KR" altLang="en-US" sz="2400" smtClean="0"/>
+              <a:rPr lang="ko-KR" altLang="en-US" smtClean="0"/>
+              <a:t>테스트이미지를 이용한 최종 </a:t>
+            </a:r>
+            <a:r>
+              <a:rPr lang="en-US" altLang="ko-KR"/>
+              <a:t>Accuracy</a:t>
+            </a:r>
+          </a:p>
+          <a:p>
+            <a:r>
+              <a:rPr lang="en-US" altLang="ko-KR" smtClean="0"/>
+              <a:t>correct_prediction </a:t>
+            </a:r>
+            <a:r>
+              <a:rPr lang="en-US" altLang="ko-KR"/>
+              <a:t>= tf.equal(tf.argmax(hypothesis, 1), tf.argmax(Y, 1))</a:t>
+            </a:r>
+          </a:p>
+          <a:p>
+            <a:r>
+              <a:rPr lang="en-US" altLang="ko-KR"/>
+              <a:t>accuracy = tf.reduce_mean(tf.cast(correct_prediction, tf.float32))</a:t>
+            </a:r>
+          </a:p>
+          <a:p>
+            <a:r>
+              <a:rPr lang="en-US" altLang="ko-KR"/>
+              <a:t>print('Accuracy:', sess.run(accuracy, feed_dict={ X: mnist.test.images, </a:t>
+            </a:r>
+            <a:endParaRPr lang="en-US" altLang="ko-KR" smtClean="0"/>
+          </a:p>
+          <a:p>
+            <a:r>
+              <a:rPr lang="en-US" altLang="ko-KR"/>
+              <a:t>	</a:t>
+            </a:r>
+            <a:r>
+              <a:rPr lang="en-US" altLang="ko-KR" smtClean="0"/>
+              <a:t>				      Y</a:t>
+            </a:r>
+            <a:r>
+              <a:rPr lang="en-US" altLang="ko-KR"/>
+              <a:t>: mnist.test.labels}))</a:t>
+            </a:r>
+          </a:p>
+          <a:p>
+            <a:endParaRPr lang="en-US" altLang="ko-KR"/>
           </a:p>
         </p:txBody>
       </p:sp>
     </p:spTree>
     <p:extLst>
       <p:ext uri="{BB962C8B-B14F-4D97-AF65-F5344CB8AC3E}">
-        <p14:creationId xmlns:p14="http://schemas.microsoft.com/office/powerpoint/2010/main" val="1452826275"/>
+        <p14:creationId xmlns:p14="http://schemas.microsoft.com/office/powerpoint/2010/main" val="1086810320"/>
       </p:ext>
     </p:extLst>
   </p:cSld>
@@ -4620,158 +4722,142 @@
           <a:bodyPr lIns="0" tIns="0" rIns="0" bIns="0" anchor="ctr"/>
           <a:lstStyle/>
           <a:p>
-            <a:r>
-              <a:rPr lang="en-US" altLang="ko-KR" smtClean="0"/>
+            <a:pPr marL="457200" indent="-457200">
+              <a:lnSpc>
+                <a:spcPct val="100000"/>
+              </a:lnSpc>
+              <a:buFontTx/>
+              <a:buChar char="-"/>
+            </a:pPr>
+            <a:r>
+              <a:rPr lang="ko-KR" altLang="en-US" sz="2400" smtClean="0"/>
+              <a:t>선언</a:t>
+            </a:r>
+            <a:endParaRPr lang="en-US" altLang="ko-KR" sz="2400" smtClean="0"/>
+          </a:p>
+          <a:p>
+            <a:pPr>
+              <a:lnSpc>
+                <a:spcPct val="100000"/>
+              </a:lnSpc>
+            </a:pPr>
+            <a:r>
+              <a:rPr lang="en-US" altLang="ko-KR" sz="2400" smtClean="0"/>
+              <a:t>import tensorflow as tf</a:t>
+            </a:r>
+          </a:p>
+          <a:p>
+            <a:pPr>
+              <a:lnSpc>
+                <a:spcPct val="100000"/>
+              </a:lnSpc>
+            </a:pPr>
+            <a:r>
+              <a:rPr lang="en-US" altLang="ko-KR" sz="2400" smtClean="0"/>
+              <a:t>import matplotlib.pyplot as plt</a:t>
+            </a:r>
+          </a:p>
+          <a:p>
+            <a:pPr>
+              <a:lnSpc>
+                <a:spcPct val="100000"/>
+              </a:lnSpc>
+            </a:pPr>
+            <a:r>
+              <a:rPr lang="en-US" altLang="ko-KR" sz="2400" smtClean="0"/>
+              <a:t>import random</a:t>
+            </a:r>
+          </a:p>
+          <a:p>
+            <a:pPr>
+              <a:lnSpc>
+                <a:spcPct val="100000"/>
+              </a:lnSpc>
+            </a:pPr>
+            <a:endParaRPr lang="en-US" altLang="ko-KR" sz="2400" smtClean="0"/>
+          </a:p>
+          <a:p>
+            <a:pPr marL="457200" indent="-457200">
+              <a:lnSpc>
+                <a:spcPct val="100000"/>
+              </a:lnSpc>
+              <a:buFontTx/>
+              <a:buChar char="-"/>
+            </a:pPr>
+            <a:r>
+              <a:rPr lang="en-US" altLang="ko-KR" sz="2400" smtClean="0"/>
+              <a:t>Dataset </a:t>
+            </a:r>
+            <a:r>
+              <a:rPr lang="ko-KR" altLang="en-US" sz="2400" smtClean="0"/>
+              <a:t>불러오기</a:t>
+            </a:r>
+            <a:endParaRPr lang="en-US" altLang="ko-KR" sz="2400" smtClean="0"/>
+          </a:p>
+          <a:p>
+            <a:pPr>
+              <a:lnSpc>
+                <a:spcPct val="100000"/>
+              </a:lnSpc>
+            </a:pPr>
+            <a:r>
+              <a:rPr lang="en-US" altLang="ko-KR" sz="2400" smtClean="0"/>
+              <a:t>tf.set_random_seed(777)</a:t>
+            </a:r>
+          </a:p>
+          <a:p>
+            <a:r>
+              <a:rPr lang="en-US" altLang="ko-KR" sz="2400"/>
+              <a:t>from tensorflow.examples.tutorials.mnist import input_data</a:t>
+            </a:r>
+          </a:p>
+          <a:p>
+            <a:r>
+              <a:rPr lang="en-US" altLang="ko-KR" sz="2400" smtClean="0"/>
+              <a:t>mnist </a:t>
+            </a:r>
+            <a:r>
+              <a:rPr lang="en-US" altLang="ko-KR" sz="2400"/>
+              <a:t>= input_data.read_data_sets("MNIST_data/", one_hot=True)</a:t>
+            </a:r>
+          </a:p>
+          <a:p>
+            <a:r>
+              <a:rPr lang="en-US" altLang="ko-KR" sz="2400" smtClean="0"/>
+              <a:t/>
+            </a:r>
+            <a:br>
+              <a:rPr lang="en-US" altLang="ko-KR" sz="2400" smtClean="0"/>
+            </a:br>
+            <a:r>
+              <a:rPr lang="en-US" altLang="ko-KR" sz="2400" smtClean="0"/>
               <a:t>- </a:t>
             </a:r>
             <a:r>
-              <a:rPr lang="ko-KR" altLang="en-US" smtClean="0"/>
-              <a:t>상수 정의</a:t>
-            </a:r>
-            <a:endParaRPr lang="en-US" altLang="ko-KR" smtClean="0"/>
-          </a:p>
-          <a:p>
-            <a:r>
-              <a:rPr lang="en-US" altLang="ko-KR" smtClean="0"/>
-              <a:t>learning_rate </a:t>
-            </a:r>
-            <a:r>
-              <a:rPr lang="en-US" altLang="ko-KR"/>
-              <a:t>= 0.001</a:t>
-            </a:r>
-          </a:p>
-          <a:p>
-            <a:r>
-              <a:rPr lang="en-US" altLang="ko-KR"/>
-              <a:t>training_epochs = </a:t>
-            </a:r>
-            <a:r>
-              <a:rPr lang="en-US" altLang="ko-KR" smtClean="0"/>
-              <a:t>1000</a:t>
-            </a:r>
-            <a:endParaRPr lang="en-US" altLang="ko-KR"/>
-          </a:p>
-          <a:p>
-            <a:r>
-              <a:rPr lang="en-US" altLang="ko-KR"/>
-              <a:t>batch_size = 100</a:t>
-            </a:r>
-          </a:p>
-          <a:p>
-            <a:endParaRPr lang="en-US" altLang="ko-KR" smtClean="0"/>
-          </a:p>
-          <a:p>
-            <a:r>
-              <a:rPr lang="en-US" altLang="ko-KR" smtClean="0"/>
-              <a:t>- </a:t>
-            </a:r>
-            <a:r>
-              <a:rPr lang="ko-KR" altLang="en-US" smtClean="0"/>
-              <a:t>데이터 매핑</a:t>
-            </a:r>
-            <a:endParaRPr lang="en-US" altLang="ko-KR"/>
-          </a:p>
-          <a:p>
-            <a:r>
-              <a:rPr lang="en-US" altLang="ko-KR"/>
-              <a:t>X = tf.placeholder(tf.float32, [None, 784])</a:t>
-            </a:r>
-          </a:p>
-          <a:p>
-            <a:r>
-              <a:rPr lang="en-US" altLang="ko-KR"/>
-              <a:t>X_img = tf.reshape(X, [-1, 28, 28, 1])   # img 28x28x1 (black/white)</a:t>
-            </a:r>
-          </a:p>
-          <a:p>
-            <a:r>
-              <a:rPr lang="en-US" altLang="ko-KR"/>
-              <a:t>Y = tf.placeholder(tf.float32, [None, 10])</a:t>
-            </a:r>
-          </a:p>
-          <a:p>
-            <a:endParaRPr lang="en-US" altLang="ko-KR" smtClean="0"/>
-          </a:p>
-          <a:p>
-            <a:r>
-              <a:rPr lang="en-US" altLang="ko-KR" smtClean="0"/>
-              <a:t>- weight </a:t>
-            </a:r>
-            <a:r>
-              <a:rPr lang="ko-KR" altLang="en-US" smtClean="0"/>
-              <a:t>변수 초기화</a:t>
-            </a:r>
-            <a:endParaRPr lang="en-US" altLang="ko-KR" smtClean="0"/>
-          </a:p>
-          <a:p>
-            <a:r>
-              <a:rPr lang="en-US" altLang="ko-KR" smtClean="0"/>
-              <a:t>W1 </a:t>
-            </a:r>
-            <a:r>
-              <a:rPr lang="en-US" altLang="ko-KR"/>
-              <a:t>= tf.Variable(tf.random_normal([3, 3, 1, 32], stddev=0.01))</a:t>
-            </a:r>
-          </a:p>
-          <a:p>
-            <a:endParaRPr lang="en-US" altLang="ko-KR" smtClean="0"/>
-          </a:p>
-          <a:p>
-            <a:r>
-              <a:rPr lang="en-US" altLang="ko-KR" smtClean="0"/>
-              <a:t>- </a:t>
-            </a:r>
-            <a:r>
-              <a:rPr lang="ko-KR" altLang="en-US" smtClean="0"/>
-              <a:t>입력 </a:t>
-            </a:r>
-            <a:r>
-              <a:rPr lang="en-US" altLang="ko-KR" smtClean="0"/>
-              <a:t>Convolution</a:t>
-            </a:r>
-          </a:p>
-          <a:p>
-            <a:r>
-              <a:rPr lang="en-US" altLang="ko-KR" smtClean="0"/>
-              <a:t>#</a:t>
-            </a:r>
-            <a:r>
-              <a:rPr lang="en-US" altLang="ko-KR"/>
-              <a:t>    Conv     -&gt; (?, 28, 28, 32</a:t>
-            </a:r>
-            <a:r>
-              <a:rPr lang="en-US" altLang="ko-KR" smtClean="0"/>
-              <a:t>), #</a:t>
-            </a:r>
-            <a:r>
-              <a:rPr lang="en-US" altLang="ko-KR"/>
-              <a:t>    Pool     -&gt; (?, 14, 14, 32)</a:t>
-            </a:r>
-          </a:p>
-          <a:p>
-            <a:r>
-              <a:rPr lang="en-US" altLang="ko-KR"/>
-              <a:t>L1 = tf.nn.conv2d(X_img, W1, strides=[1, 1, 1, 1], padding='SAME')</a:t>
-            </a:r>
-          </a:p>
-          <a:p>
-            <a:r>
-              <a:rPr lang="en-US" altLang="ko-KR"/>
-              <a:t>L1 = tf.nn.relu(L1)</a:t>
-            </a:r>
-          </a:p>
-          <a:p>
-            <a:r>
-              <a:rPr lang="en-US" altLang="ko-KR"/>
-              <a:t>L1 = tf.nn.max_pool(L1, ksize=[1, 2, 2, 1], strides=[1, 2, 2, 1], padding='SAME')</a:t>
-            </a:r>
+              <a:rPr lang="ko-KR" altLang="en-US" sz="2400" smtClean="0"/>
+              <a:t>데이터 확인하기</a:t>
+            </a:r>
+            <a:endParaRPr lang="en-US" altLang="ko-KR" sz="2400" smtClean="0"/>
+          </a:p>
+          <a:p>
+            <a:r>
+              <a:rPr lang="en-US" altLang="ko-KR" sz="2400" smtClean="0"/>
+              <a:t>img = mnist.train.images[0].reshape(28,28)</a:t>
+            </a:r>
+          </a:p>
+          <a:p>
+            <a:r>
+              <a:rPr lang="en-US" altLang="ko-KR" sz="2400" smtClean="0"/>
+              <a:t>plt.imshow(img, cmap=‘gray’)</a:t>
+            </a:r>
+            <a:endParaRPr lang="ko-KR" altLang="en-US" sz="2400" smtClean="0"/>
           </a:p>
         </p:txBody>
       </p:sp>
     </p:spTree>
     <p:extLst>
       <p:ext uri="{BB962C8B-B14F-4D97-AF65-F5344CB8AC3E}">
-        <p14:creationId xmlns:p14="http://schemas.microsoft.com/office/powerpoint/2010/main" val="1939184143"/>
+        <p14:creationId xmlns:p14="http://schemas.microsoft.com/office/powerpoint/2010/main" val="1452826275"/>
       </p:ext>
     </p:extLst>
   </p:cSld>
@@ -4929,22 +5015,39 @@
           <a:p>
             <a:r>
               <a:rPr lang="en-US" altLang="ko-KR" smtClean="0"/>
-              <a:t>- Weight </a:t>
+              <a:t>- </a:t>
             </a:r>
             <a:r>
               <a:rPr lang="ko-KR" altLang="en-US" smtClean="0"/>
-              <a:t>초기</a:t>
-            </a:r>
-            <a:r>
-              <a:rPr lang="ko-KR" altLang="en-US"/>
-              <a:t>화</a:t>
+              <a:t>상수 정의</a:t>
+            </a:r>
+            <a:endParaRPr lang="en-US" altLang="ko-KR" smtClean="0"/>
+          </a:p>
+          <a:p>
+            <a:r>
+              <a:rPr lang="en-US" altLang="ko-KR" smtClean="0"/>
+              <a:t>learning_rate </a:t>
+            </a:r>
+            <a:r>
+              <a:rPr lang="en-US" altLang="ko-KR"/>
+              <a:t>= 0.001</a:t>
+            </a:r>
+          </a:p>
+          <a:p>
+            <a:r>
+              <a:rPr lang="en-US" altLang="ko-KR"/>
+              <a:t>training_epochs = </a:t>
+            </a:r>
+            <a:r>
+              <a:rPr lang="en-US" altLang="ko-KR" smtClean="0"/>
+              <a:t>1000</a:t>
             </a:r>
             <a:endParaRPr lang="en-US" altLang="ko-KR"/>
           </a:p>
           <a:p>
             <a:r>
               <a:rPr lang="en-US" altLang="ko-KR"/>
-              <a:t>W2 = tf.Variable(tf.random_normal([3, 3, 32, 64], stddev=0.01))</a:t>
+              <a:t>batch_size = 100</a:t>
             </a:r>
           </a:p>
           <a:p>
@@ -4953,141 +5056,115 @@
           <a:p>
             <a:r>
               <a:rPr lang="en-US" altLang="ko-KR" smtClean="0"/>
-              <a:t>- hidden convolution </a:t>
-            </a:r>
+              <a:t>- </a:t>
+            </a:r>
+            <a:r>
+              <a:rPr lang="ko-KR" altLang="en-US" smtClean="0"/>
+              <a:t>데이터 매핑</a:t>
+            </a:r>
+            <a:endParaRPr lang="en-US" altLang="ko-KR"/>
           </a:p>
           <a:p>
             <a:r>
               <a:rPr lang="en-US" altLang="ko-KR"/>
-              <a:t>-</a:t>
-            </a:r>
+              <a:t>X = tf.placeholder(tf.float32, [None, 784])</a:t>
+            </a:r>
+          </a:p>
+          <a:p>
             <a:r>
               <a:rPr lang="en-US" altLang="ko-KR"/>
-              <a:t>    Conv      -&gt;(?, 14, 14, </a:t>
-            </a:r>
+              <a:t>X_img = tf.reshape(X, [-1, 28, 28, 1])   # img 28x28x1 (black/white)</a:t>
+            </a:r>
+          </a:p>
+          <a:p>
+            <a:r>
+              <a:rPr lang="en-US" altLang="ko-KR"/>
+              <a:t>Y = tf.placeholder(tf.float32, [None, 10])</a:t>
+            </a:r>
+          </a:p>
+          <a:p>
+            <a:endParaRPr lang="en-US" altLang="ko-KR" smtClean="0"/>
+          </a:p>
+          <a:p>
             <a:r>
               <a:rPr lang="en-US" altLang="ko-KR" smtClean="0"/>
-              <a:t>64),	Pool</a:t>
+              <a:t>- weight </a:t>
+            </a:r>
+            <a:r>
+              <a:rPr lang="ko-KR" altLang="en-US" smtClean="0"/>
+              <a:t>변수 초기화</a:t>
+            </a:r>
+            <a:endParaRPr lang="en-US" altLang="ko-KR" smtClean="0"/>
+          </a:p>
+          <a:p>
+            <a:r>
+              <a:rPr lang="en-US" altLang="ko-KR" smtClean="0"/>
+              <a:t>W1 </a:t>
             </a:r>
             <a:r>
               <a:rPr lang="en-US" altLang="ko-KR"/>
-              <a:t>      -&gt;(?, 7, 7, 64)</a:t>
-            </a:r>
-          </a:p>
-          <a:p>
+              <a:t>= tf.Variable(tf.random_normal([3, 3, 1, 32], stddev=0.01))</a:t>
+            </a:r>
+          </a:p>
+          <a:p>
+            <a:endParaRPr lang="en-US" altLang="ko-KR" smtClean="0"/>
+          </a:p>
+          <a:p>
+            <a:r>
+              <a:rPr lang="en-US" altLang="ko-KR" smtClean="0"/>
+              <a:t>- </a:t>
+            </a:r>
+            <a:r>
+              <a:rPr lang="ko-KR" altLang="en-US" smtClean="0"/>
+              <a:t>입력 </a:t>
+            </a:r>
+            <a:r>
+              <a:rPr lang="en-US" altLang="ko-KR" smtClean="0"/>
+              <a:t>Convolution</a:t>
+            </a:r>
+          </a:p>
+          <a:p>
+            <a:r>
+              <a:rPr lang="en-US" altLang="ko-KR" smtClean="0"/>
+              <a:t>#</a:t>
+            </a:r>
             <a:r>
               <a:rPr lang="en-US" altLang="ko-KR"/>
-              <a:t>L2 = tf.nn.conv2d(L1, W2, strides=[1, 1, 1, 1], padding='SAME')</a:t>
-            </a:r>
-          </a:p>
-          <a:p>
+              <a:t>    Conv     -&gt; (?, 28, 28, 32</a:t>
+            </a:r>
+            <a:r>
+              <a:rPr lang="en-US" altLang="ko-KR" smtClean="0"/>
+              <a:t>), #</a:t>
+            </a:r>
             <a:r>
               <a:rPr lang="en-US" altLang="ko-KR"/>
-              <a:t>L2 = tf.nn.relu(L2)</a:t>
+              <a:t>    Pool     -&gt; (?, 14, 14, 32)</a:t>
             </a:r>
           </a:p>
           <a:p>
             <a:r>
               <a:rPr lang="en-US" altLang="ko-KR"/>
-              <a:t>L2 = tf.nn.max_pool(L2, ksize=[1, 2, 2, 1], strides=[1, 2, 2, 1], padding='SAME')</a:t>
+              <a:t>L1 = tf.nn.conv2d(X_img, W1, strides=[1, 1, 1, 1], padding='SAME')</a:t>
             </a:r>
           </a:p>
           <a:p>
             <a:r>
               <a:rPr lang="en-US" altLang="ko-KR"/>
-              <a:t>L2_flat = tf.reshape(L2, [-1, 7 * 7 * 64])</a:t>
-            </a:r>
-          </a:p>
-          <a:p>
-            <a:endParaRPr lang="en-US" altLang="ko-KR"/>
+              <a:t>L1 = tf.nn.relu(L1)</a:t>
+            </a:r>
           </a:p>
           <a:p>
             <a:r>
               <a:rPr lang="en-US" altLang="ko-KR"/>
-              <a:t>-</a:t>
-            </a:r>
-            <a:r>
-              <a:rPr lang="en-US" altLang="ko-KR" smtClean="0"/>
-              <a:t> </a:t>
-            </a:r>
-            <a:r>
-              <a:rPr lang="en-US" altLang="ko-KR"/>
-              <a:t>Final FC 7x7x64 inputs -&gt; 10 outputs</a:t>
-            </a:r>
-          </a:p>
-          <a:p>
-            <a:r>
-              <a:rPr lang="en-US" altLang="ko-KR"/>
-              <a:t>W3 = tf.get_variable("W3", shape=[7 * 7 * 64, 10], </a:t>
-            </a:r>
-            <a:r>
-              <a:rPr lang="en-US" altLang="ko-KR" smtClean="0"/>
-              <a:t>									initializer=tf.contrib.layers.xavier_initializer</a:t>
-            </a:r>
-            <a:r>
-              <a:rPr lang="en-US" altLang="ko-KR"/>
-              <a:t>())</a:t>
-            </a:r>
-          </a:p>
-          <a:p>
-            <a:r>
-              <a:rPr lang="en-US" altLang="ko-KR"/>
-              <a:t>b = tf.Variable(tf.random_normal([10]))</a:t>
-            </a:r>
-          </a:p>
-          <a:p>
-            <a:r>
-              <a:rPr lang="en-US" altLang="ko-KR"/>
-              <a:t>logits = tf.matmul(L2_flat, W3) + </a:t>
-            </a:r>
-            <a:r>
-              <a:rPr lang="en-US" altLang="ko-KR" smtClean="0"/>
-              <a:t>b</a:t>
-            </a:r>
-          </a:p>
-          <a:p>
-            <a:endParaRPr lang="en-US" altLang="ko-KR"/>
-          </a:p>
-          <a:p>
-            <a:r>
-              <a:rPr lang="en-US" altLang="ko-KR"/>
-              <a:t>-</a:t>
-            </a:r>
-            <a:r>
-              <a:rPr lang="en-US" altLang="ko-KR" smtClean="0"/>
-              <a:t> </a:t>
-            </a:r>
-            <a:r>
-              <a:rPr lang="en-US" altLang="ko-KR"/>
-              <a:t>define cost/loss &amp; optimizer</a:t>
-            </a:r>
-          </a:p>
-          <a:p>
-            <a:r>
-              <a:rPr lang="en-US" altLang="ko-KR"/>
-              <a:t>cost = tf.reduce_mean(tf.nn.softmax_cross_entropy_with_logits(logits=logits, labels=Y))</a:t>
-            </a:r>
-          </a:p>
-          <a:p>
-            <a:r>
-              <a:rPr lang="en-US" altLang="ko-KR"/>
-              <a:t>optimizer = tf.train.AdamOptimizer(learning_rate=learning_rate).minimize(cost</a:t>
-            </a:r>
-            <a:r>
-              <a:rPr lang="en-US" altLang="ko-KR" smtClean="0"/>
-              <a:t>)</a:t>
-            </a:r>
-            <a:br>
-              <a:rPr lang="en-US" altLang="ko-KR" smtClean="0"/>
-            </a:br>
-            <a:endParaRPr lang="en-US" altLang="ko-KR"/>
+              <a:t>L1 = tf.nn.max_pool(L1, ksize=[1, 2, 2, 1], strides=[1, 2, 2, 1], padding='SAME')</a:t>
+            </a:r>
           </a:p>
         </p:txBody>
       </p:sp>
     </p:spTree>
     <p:extLst>
       <p:ext uri="{BB962C8B-B14F-4D97-AF65-F5344CB8AC3E}">
-        <p14:creationId xmlns:p14="http://schemas.microsoft.com/office/powerpoint/2010/main" val="1931463927"/>
+        <p14:creationId xmlns:p14="http://schemas.microsoft.com/office/powerpoint/2010/main" val="1939184143"/>
       </p:ext>
     </p:extLst>
   </p:cSld>
@@ -5245,139 +5322,154 @@
           <a:p>
             <a:r>
               <a:rPr lang="en-US" altLang="ko-KR" smtClean="0"/>
-              <a:t>- </a:t>
+              <a:t>- Weight </a:t>
             </a:r>
             <a:r>
               <a:rPr lang="ko-KR" altLang="en-US" smtClean="0"/>
-              <a:t>초기화</a:t>
+              <a:t>초기</a:t>
+            </a:r>
+            <a:r>
+              <a:rPr lang="ko-KR" altLang="en-US"/>
+              <a:t>화</a:t>
             </a:r>
             <a:endParaRPr lang="en-US" altLang="ko-KR"/>
           </a:p>
           <a:p>
             <a:r>
               <a:rPr lang="en-US" altLang="ko-KR"/>
-              <a:t>sess = tf.Session()</a:t>
+              <a:t>W2 = tf.Variable(tf.random_normal([3, 3, 32, 64], stddev=0.01))</a:t>
+            </a:r>
+          </a:p>
+          <a:p>
+            <a:endParaRPr lang="en-US" altLang="ko-KR" smtClean="0"/>
+          </a:p>
+          <a:p>
+            <a:r>
+              <a:rPr lang="en-US" altLang="ko-KR" smtClean="0"/>
+              <a:t>- hidden convolution </a:t>
             </a:r>
           </a:p>
           <a:p>
             <a:r>
               <a:rPr lang="en-US" altLang="ko-KR"/>
-              <a:t>sess.run(tf.global_variables_initializer())</a:t>
-            </a:r>
-          </a:p>
-          <a:p>
-            <a:endParaRPr lang="en-US" altLang="ko-KR" smtClean="0"/>
-          </a:p>
-          <a:p>
+              <a:t>-    Conv      -&gt;(?, 14, 14, </a:t>
+            </a:r>
             <a:r>
               <a:rPr lang="en-US" altLang="ko-KR" smtClean="0"/>
-              <a:t>- </a:t>
-            </a:r>
-            <a:r>
-              <a:rPr lang="ko-KR" altLang="en-US" smtClean="0"/>
-              <a:t>학습</a:t>
-            </a:r>
+              <a:t>64),	Pool</a:t>
+            </a:r>
+            <a:r>
+              <a:rPr lang="en-US" altLang="ko-KR"/>
+              <a:t>      -&gt;(?, 7, 7, 64)</a:t>
+            </a:r>
+          </a:p>
+          <a:p>
+            <a:r>
+              <a:rPr lang="en-US" altLang="ko-KR"/>
+              <a:t>L2 = tf.nn.conv2d(L1, W2, strides=[1, 1, 1, 1], padding='SAME')</a:t>
+            </a:r>
+          </a:p>
+          <a:p>
+            <a:r>
+              <a:rPr lang="en-US" altLang="ko-KR"/>
+              <a:t>L2 = tf.nn.relu(L2)</a:t>
+            </a:r>
+          </a:p>
+          <a:p>
+            <a:r>
+              <a:rPr lang="en-US" altLang="ko-KR"/>
+              <a:t>L2 = tf.nn.max_pool(L2, ksize=[1, 2, 2, 1], strides=[1, 2, 2, 1], padding='SAME')</a:t>
+            </a:r>
+          </a:p>
+          <a:p>
+            <a:r>
+              <a:rPr lang="en-US" altLang="ko-KR"/>
+              <a:t>L2_flat = tf.reshape(L2, [-1, 7 * 7 * 64])</a:t>
+            </a:r>
+          </a:p>
+          <a:p>
             <a:endParaRPr lang="en-US" altLang="ko-KR"/>
           </a:p>
           <a:p>
             <a:r>
               <a:rPr lang="en-US" altLang="ko-KR"/>
-              <a:t>print('Learning started</a:t>
+              <a:t>-</a:t>
             </a:r>
             <a:r>
               <a:rPr lang="en-US" altLang="ko-KR" smtClean="0"/>
-              <a:t>.')</a:t>
-            </a:r>
+              <a:t> </a:t>
+            </a:r>
+            <a:r>
+              <a:rPr lang="en-US" altLang="ko-KR"/>
+              <a:t>Final FC 7x7x64 inputs -&gt; 10 outputs</a:t>
+            </a:r>
+          </a:p>
+          <a:p>
+            <a:r>
+              <a:rPr lang="en-US" altLang="ko-KR"/>
+              <a:t>W3 = tf.get_variable("W3", shape=[7 * 7 * 64, 10], </a:t>
+            </a:r>
+            <a:r>
+              <a:rPr lang="en-US" altLang="ko-KR" smtClean="0"/>
+              <a:t>									initializer=tf.contrib.layers.xavier_initializer</a:t>
+            </a:r>
+            <a:r>
+              <a:rPr lang="en-US" altLang="ko-KR"/>
+              <a:t>())</a:t>
+            </a:r>
+          </a:p>
+          <a:p>
+            <a:r>
+              <a:rPr lang="en-US" altLang="ko-KR"/>
+              <a:t>b = tf.Variable(tf.random_normal([10]))</a:t>
+            </a:r>
+          </a:p>
+          <a:p>
+            <a:r>
+              <a:rPr lang="en-US" altLang="ko-KR"/>
+              <a:t>logits = tf.matmul(L2_flat, W3) + </a:t>
+            </a:r>
+            <a:r>
+              <a:rPr lang="en-US" altLang="ko-KR" smtClean="0"/>
+              <a:t>b</a:t>
+            </a:r>
+          </a:p>
+          <a:p>
             <a:endParaRPr lang="en-US" altLang="ko-KR"/>
           </a:p>
           <a:p>
             <a:r>
               <a:rPr lang="en-US" altLang="ko-KR"/>
-              <a:t>for epoch in range(training_epochs):</a:t>
-            </a:r>
-          </a:p>
-          <a:p>
+              <a:t>-</a:t>
+            </a:r>
+            <a:r>
+              <a:rPr lang="en-US" altLang="ko-KR" smtClean="0"/>
+              <a:t> </a:t>
+            </a:r>
             <a:r>
               <a:rPr lang="en-US" altLang="ko-KR"/>
-              <a:t>    avg_cost = 0</a:t>
+              <a:t>define cost/loss &amp; optimizer</a:t>
             </a:r>
           </a:p>
           <a:p>
             <a:r>
               <a:rPr lang="en-US" altLang="ko-KR"/>
-              <a:t>    total_batch = int(mnist.train.num_examples / batch_size</a:t>
+              <a:t>cost = tf.reduce_mean(tf.nn.softmax_cross_entropy_with_logits(logits=logits, labels=Y))</a:t>
+            </a:r>
+          </a:p>
+          <a:p>
+            <a:r>
+              <a:rPr lang="en-US" altLang="ko-KR"/>
+              <a:t>optimizer = tf.train.AdamOptimizer(learning_rate=learning_rate).minimize(cost</a:t>
             </a:r>
             <a:r>
               <a:rPr lang="en-US" altLang="ko-KR" smtClean="0"/>
               <a:t>)</a:t>
             </a:r>
-            <a:r>
-              <a:rPr lang="en-US" altLang="ko-KR"/>
-              <a:t/>
-            </a:r>
             <a:br>
-              <a:rPr lang="en-US" altLang="ko-KR"/>
+              <a:rPr lang="en-US" altLang="ko-KR" smtClean="0"/>
             </a:br>
             <a:endParaRPr lang="en-US" altLang="ko-KR"/>
-          </a:p>
-          <a:p>
-            <a:r>
-              <a:rPr lang="en-US" altLang="ko-KR"/>
-              <a:t>    for i in range(total_batch):</a:t>
-            </a:r>
-          </a:p>
-          <a:p>
-            <a:r>
-              <a:rPr lang="en-US" altLang="ko-KR"/>
-              <a:t>        batch_xs, batch_ys = mnist.train.next_batch(batch_size)</a:t>
-            </a:r>
-          </a:p>
-          <a:p>
-            <a:r>
-              <a:rPr lang="en-US" altLang="ko-KR"/>
-              <a:t>        feed_dict = {X: batch_xs, Y: batch_ys}</a:t>
-            </a:r>
-          </a:p>
-          <a:p>
-            <a:r>
-              <a:rPr lang="en-US" altLang="ko-KR"/>
-              <a:t>        c, _ = sess.run([cost, optimizer], feed_dict=feed_dict)</a:t>
-            </a:r>
-          </a:p>
-          <a:p>
-            <a:r>
-              <a:rPr lang="en-US" altLang="ko-KR"/>
-              <a:t>        avg_cost += c / total_batch</a:t>
-            </a:r>
-          </a:p>
-          <a:p>
-            <a:endParaRPr lang="en-US" altLang="ko-KR"/>
-          </a:p>
-          <a:p>
-            <a:r>
-              <a:rPr lang="en-US" altLang="ko-KR"/>
-              <a:t>    print('Epoch:', '%04d' % (epoch + 1), 'cost =', '{:.9f}'.format(avg_cost</a:t>
-            </a:r>
-            <a:r>
-              <a:rPr lang="en-US" altLang="ko-KR" smtClean="0"/>
-              <a:t>))</a:t>
-            </a:r>
-          </a:p>
-          <a:p>
-            <a:r>
-              <a:rPr lang="en-US" altLang="ko-KR"/>
-              <a:t>print('Learning Finished</a:t>
-            </a:r>
-            <a:r>
-              <a:rPr lang="en-US" altLang="ko-KR" smtClean="0"/>
-              <a:t>!')</a:t>
-            </a:r>
-          </a:p>
-          <a:p>
-            <a:r>
-              <a:rPr lang="en-US" altLang="ko-KR" smtClean="0"/>
-              <a:t>save_path = saver.save(sess, "model/model.ckpt")</a:t>
-            </a:r>
           </a:p>
         </p:txBody>
       </p:sp>
@@ -5541,61 +5633,139 @@
           <a:lstStyle/>
           <a:p>
             <a:r>
+              <a:rPr lang="en-US" altLang="ko-KR" smtClean="0"/>
+              <a:t>- </a:t>
+            </a:r>
+            <a:r>
+              <a:rPr lang="ko-KR" altLang="en-US" smtClean="0"/>
+              <a:t>초기화</a:t>
+            </a:r>
+            <a:endParaRPr lang="en-US" altLang="ko-KR"/>
+          </a:p>
+          <a:p>
+            <a:r>
               <a:rPr lang="en-US" altLang="ko-KR"/>
-              <a:t>-</a:t>
-            </a:r>
+              <a:t>sess = tf.Session()</a:t>
+            </a:r>
+          </a:p>
+          <a:p>
+            <a:r>
+              <a:rPr lang="en-US" altLang="ko-KR"/>
+              <a:t>sess.run(tf.global_variables_initializer())</a:t>
+            </a:r>
+          </a:p>
+          <a:p>
+            <a:endParaRPr lang="en-US" altLang="ko-KR" smtClean="0"/>
+          </a:p>
+          <a:p>
             <a:r>
               <a:rPr lang="en-US" altLang="ko-KR" smtClean="0"/>
-              <a:t> </a:t>
-            </a:r>
-            <a:r>
-              <a:rPr lang="ko-KR" altLang="en-US"/>
-              <a:t>테스트이미지를 이용한 최종 </a:t>
-            </a:r>
+              <a:t>- </a:t>
+            </a:r>
+            <a:r>
+              <a:rPr lang="ko-KR" altLang="en-US" smtClean="0"/>
+              <a:t>학습</a:t>
+            </a:r>
+            <a:endParaRPr lang="en-US" altLang="ko-KR"/>
+          </a:p>
+          <a:p>
             <a:r>
               <a:rPr lang="en-US" altLang="ko-KR"/>
-              <a:t>Accuracy</a:t>
-            </a:r>
-          </a:p>
-          <a:p>
+              <a:t>print('Learning started</a:t>
+            </a:r>
             <a:r>
               <a:rPr lang="en-US" altLang="ko-KR" smtClean="0"/>
-              <a:t>correct_prediction </a:t>
-            </a:r>
+              <a:t>.')</a:t>
+            </a:r>
+            <a:endParaRPr lang="en-US" altLang="ko-KR"/>
+          </a:p>
+          <a:p>
             <a:r>
               <a:rPr lang="en-US" altLang="ko-KR"/>
-              <a:t>= tf.equal(tf.argmax(logits, 1), tf.argmax(Y, 1))</a:t>
+              <a:t>for epoch in range(training_epochs):</a:t>
             </a:r>
           </a:p>
           <a:p>
             <a:r>
               <a:rPr lang="en-US" altLang="ko-KR"/>
-              <a:t>accuracy = tf.reduce_mean(tf.cast(correct_prediction, tf.float32))</a:t>
+              <a:t>    avg_cost = 0</a:t>
             </a:r>
           </a:p>
           <a:p>
             <a:r>
               <a:rPr lang="en-US" altLang="ko-KR"/>
-              <a:t>print('Accuracy:', sess.run(accuracy, feed_dict={X: mnist.test.images, </a:t>
-            </a:r>
-            <a:endParaRPr lang="en-US" altLang="ko-KR" smtClean="0"/>
-          </a:p>
-          <a:p>
+              <a:t>    total_batch = int(mnist.train.num_examples / batch_size</a:t>
+            </a:r>
+            <a:r>
+              <a:rPr lang="en-US" altLang="ko-KR" smtClean="0"/>
+              <a:t>)</a:t>
+            </a:r>
             <a:r>
               <a:rPr lang="en-US" altLang="ko-KR"/>
-              <a:t>	</a:t>
+              <a:t/>
+            </a:r>
+            <a:br>
+              <a:rPr lang="en-US" altLang="ko-KR"/>
+            </a:br>
+            <a:endParaRPr lang="en-US" altLang="ko-KR"/>
+          </a:p>
+          <a:p>
+            <a:r>
+              <a:rPr lang="en-US" altLang="ko-KR"/>
+              <a:t>    for i in range(total_batch):</a:t>
+            </a:r>
+          </a:p>
+          <a:p>
+            <a:r>
+              <a:rPr lang="en-US" altLang="ko-KR"/>
+              <a:t>        batch_xs, batch_ys = mnist.train.next_batch(batch_size)</a:t>
+            </a:r>
+          </a:p>
+          <a:p>
+            <a:r>
+              <a:rPr lang="en-US" altLang="ko-KR"/>
+              <a:t>        feed_dict = {X: batch_xs, Y: batch_ys}</a:t>
+            </a:r>
+          </a:p>
+          <a:p>
+            <a:r>
+              <a:rPr lang="en-US" altLang="ko-KR"/>
+              <a:t>        c, _ = sess.run([cost, optimizer], feed_dict=feed_dict)</a:t>
+            </a:r>
+          </a:p>
+          <a:p>
+            <a:r>
+              <a:rPr lang="en-US" altLang="ko-KR"/>
+              <a:t>        avg_cost += c / total_batch</a:t>
+            </a:r>
+          </a:p>
+          <a:p>
+            <a:endParaRPr lang="en-US" altLang="ko-KR"/>
+          </a:p>
+          <a:p>
+            <a:r>
+              <a:rPr lang="en-US" altLang="ko-KR"/>
+              <a:t>    print('Epoch:', '%04d' % (epoch + 1), 'cost =', '{:.9f}'.format(avg_cost</a:t>
             </a:r>
             <a:r>
               <a:rPr lang="en-US" altLang="ko-KR" smtClean="0"/>
-              <a:t>				     Y</a:t>
-            </a:r>
+              <a:t>))</a:t>
+            </a:r>
+          </a:p>
+          <a:p>
             <a:r>
               <a:rPr lang="en-US" altLang="ko-KR"/>
-              <a:t>: mnist.test.labels</a:t>
+              <a:t>print('Learning Finished</a:t>
             </a:r>
             <a:r>
               <a:rPr lang="en-US" altLang="ko-KR" smtClean="0"/>
-              <a:t>}))</a:t>
+              <a:t>!')</a:t>
+            </a:r>
+          </a:p>
+          <a:p>
+            <a:r>
+              <a:rPr lang="en-US" altLang="ko-KR" smtClean="0"/>
+              <a:t>save_path = saver.save(sess, "model/model.ckpt")</a:t>
             </a:r>
           </a:p>
         </p:txBody>
@@ -5603,7 +5773,7 @@
     </p:spTree>
     <p:extLst>
       <p:ext uri="{BB962C8B-B14F-4D97-AF65-F5344CB8AC3E}">
-        <p14:creationId xmlns:p14="http://schemas.microsoft.com/office/powerpoint/2010/main" val="688468961"/>
+        <p14:creationId xmlns:p14="http://schemas.microsoft.com/office/powerpoint/2010/main" val="1931463927"/>
       </p:ext>
     </p:extLst>
   </p:cSld>
@@ -5989,35 +6159,7 @@
                 </a:uFill>
                 <a:latin typeface="Arial"/>
               </a:rPr>
-              <a:t>MNIST(ROS </a:t>
-            </a:r>
-            <a:r>
-              <a:rPr lang="ko-KR" altLang="en-US" sz="4400" spc="-1" smtClean="0">
-                <a:solidFill>
-                  <a:srgbClr val="000000"/>
-                </a:solidFill>
-                <a:uFill>
-                  <a:solidFill>
-                    <a:srgbClr val="FFFFFF"/>
-                  </a:solidFill>
-                </a:uFill>
-                <a:latin typeface="Arial"/>
-              </a:rPr>
-              <a:t>연동</a:t>
-            </a:r>
-            <a:r>
-              <a:rPr lang="en-US" altLang="ko-KR" sz="4400" spc="-1" smtClean="0">
-                <a:solidFill>
-                  <a:srgbClr val="000000"/>
-                </a:solidFill>
-                <a:uFill>
-                  <a:solidFill>
-                    <a:srgbClr val="FFFFFF"/>
-                  </a:solidFill>
-                </a:uFill>
-                <a:latin typeface="Arial"/>
-              </a:rPr>
-              <a:t>)</a:t>
+              <a:t>MNIST(CNN)</a:t>
             </a:r>
             <a:endParaRPr lang="ko-KR" sz="1800" b="0" strike="noStrike" spc="-1">
               <a:solidFill>
@@ -6056,137 +6198,70 @@
           <a:bodyPr lIns="0" tIns="0" rIns="0" bIns="0" anchor="ctr"/>
           <a:lstStyle/>
           <a:p>
+            <a:r>
+              <a:rPr lang="en-US" altLang="ko-KR"/>
+              <a:t>-</a:t>
+            </a:r>
+            <a:r>
+              <a:rPr lang="en-US" altLang="ko-KR" smtClean="0"/>
+              <a:t> </a:t>
+            </a:r>
+            <a:r>
+              <a:rPr lang="ko-KR" altLang="en-US"/>
+              <a:t>테스트이미지를 이용한 최종 </a:t>
+            </a:r>
+            <a:r>
+              <a:rPr lang="en-US" altLang="ko-KR"/>
+              <a:t>Accuracy</a:t>
+            </a:r>
+          </a:p>
+          <a:p>
+            <a:r>
+              <a:rPr lang="en-US" altLang="ko-KR" smtClean="0"/>
+              <a:t>correct_prediction </a:t>
+            </a:r>
+            <a:r>
+              <a:rPr lang="en-US" altLang="ko-KR"/>
+              <a:t>= tf.equal(tf.argmax(logits, 1), tf.argmax(Y, 1))</a:t>
+            </a:r>
+          </a:p>
+          <a:p>
+            <a:r>
+              <a:rPr lang="en-US" altLang="ko-KR"/>
+              <a:t>accuracy = tf.reduce_mean(tf.cast(correct_prediction, tf.float32))</a:t>
+            </a:r>
+          </a:p>
+          <a:p>
+            <a:r>
+              <a:rPr lang="en-US" altLang="ko-KR"/>
+              <a:t>print('Accuracy:', sess.run(accuracy, feed_dict={X: mnist.test.images, </a:t>
+            </a:r>
             <a:endParaRPr lang="en-US" altLang="ko-KR" smtClean="0"/>
           </a:p>
           <a:p>
-            <a:endParaRPr lang="en-US" altLang="ko-KR"/>
-          </a:p>
-          <a:p>
-            <a:endParaRPr lang="en-US" altLang="ko-KR" smtClean="0"/>
-          </a:p>
-          <a:p>
-            <a:endParaRPr lang="en-US" altLang="ko-KR"/>
-          </a:p>
-          <a:p>
-            <a:endParaRPr lang="en-US" altLang="ko-KR" smtClean="0"/>
-          </a:p>
-          <a:p>
-            <a:endParaRPr lang="en-US" altLang="ko-KR"/>
-          </a:p>
-          <a:p>
-            <a:endParaRPr lang="en-US" altLang="ko-KR" smtClean="0"/>
-          </a:p>
-          <a:p>
-            <a:endParaRPr lang="en-US" altLang="ko-KR"/>
-          </a:p>
-          <a:p>
-            <a:endParaRPr lang="en-US" altLang="ko-KR" smtClean="0"/>
-          </a:p>
-          <a:p>
-            <a:endParaRPr lang="en-US" altLang="ko-KR"/>
-          </a:p>
-          <a:p>
+            <a:r>
+              <a:rPr lang="en-US" altLang="ko-KR"/>
+              <a:t>	</a:t>
+            </a:r>
             <a:r>
               <a:rPr lang="en-US" altLang="ko-KR" smtClean="0"/>
-              <a:t>- </a:t>
-            </a:r>
-            <a:r>
-              <a:rPr lang="ko-KR" altLang="en-US" smtClean="0"/>
-              <a:t>선언</a:t>
-            </a:r>
-            <a:endParaRPr lang="en-US" altLang="ko-KR" smtClean="0"/>
-          </a:p>
-          <a:p>
+              <a:t>				     Y</a:t>
+            </a:r>
+            <a:r>
+              <a:rPr lang="en-US" altLang="ko-KR"/>
+              <a:t>: mnist.test.labels</a:t>
+            </a:r>
             <a:r>
               <a:rPr lang="en-US" altLang="ko-KR" smtClean="0"/>
-              <a:t>import rospy</a:t>
-            </a:r>
-          </a:p>
-          <a:p>
-            <a:r>
-              <a:rPr lang="en-US" altLang="ko-KR" smtClean="0"/>
-              <a:t>from sensor_msgs.msg import Image</a:t>
-            </a:r>
-          </a:p>
-          <a:p>
-            <a:r>
-              <a:rPr lang="en-US" altLang="ko-KR" smtClean="0"/>
-              <a:t>from std_msgs.msg import Int16</a:t>
-            </a:r>
-          </a:p>
-          <a:p>
-            <a:r>
-              <a:rPr lang="en-US" altLang="ko-KR" smtClean="0"/>
-              <a:t>from cv_bridge import CvBridge</a:t>
-            </a:r>
-          </a:p>
-          <a:p>
-            <a:r>
-              <a:rPr lang="en-US" altLang="ko-KR" smtClean="0"/>
-              <a:t>import cv2</a:t>
-            </a:r>
-          </a:p>
-          <a:p>
-            <a:r>
-              <a:rPr lang="en-US" altLang="ko-KR" smtClean="0"/>
-              <a:t>import numpy as np</a:t>
-            </a:r>
-          </a:p>
-          <a:p>
-            <a:r>
-              <a:rPr lang="en-US" altLang="ko-KR" smtClean="0"/>
-              <a:t>import tensorflow as tf</a:t>
+              <a:t>}))</a:t>
             </a:r>
           </a:p>
         </p:txBody>
       </p:sp>
-      <p:pic>
-        <p:nvPicPr>
-          <p:cNvPr id="10242" name="Picture 2" descr="https://camo.githubusercontent.com/39d9ad676ba2acc6ce5c3ae2fc1902309fff247e/68747470733a2f2f71696974612d696d6167652d73746f72652e73332e616d617a6f6e6177732e636f6d2f302f3133343336382f30316261383038632d323836372d353030382d373733642d3835666431313436346561392e706e67">
-            <a:hlinkClick r:id="rId3"/>
-          </p:cNvPr>
-          <p:cNvPicPr>
-            <a:picLocks noChangeAspect="1" noChangeArrowheads="1"/>
-          </p:cNvPicPr>
-          <p:nvPr/>
-        </p:nvPicPr>
-        <p:blipFill>
-          <a:blip r:embed="rId4">
-            <a:extLst>
-              <a:ext uri="{28A0092B-C50C-407E-A947-70E740481C1C}">
-                <a14:useLocalDpi xmlns:a14="http://schemas.microsoft.com/office/drawing/2010/main" val="0"/>
-              </a:ext>
-            </a:extLst>
-          </a:blip>
-          <a:srcRect/>
-          <a:stretch>
-            <a:fillRect/>
-          </a:stretch>
-        </p:blipFill>
-        <p:spPr bwMode="auto">
-          <a:xfrm>
-            <a:off x="481184" y="1331564"/>
-            <a:ext cx="5112568" cy="2952191"/>
-          </a:xfrm>
-          <a:prstGeom prst="rect">
-            <a:avLst/>
-          </a:prstGeom>
-          <a:noFill/>
-          <a:extLst>
-            <a:ext uri="{909E8E84-426E-40DD-AFC4-6F175D3DCCD1}">
-              <a14:hiddenFill xmlns:a14="http://schemas.microsoft.com/office/drawing/2010/main">
-                <a:solidFill>
-                  <a:srgbClr val="FFFFFF"/>
-                </a:solidFill>
-              </a14:hiddenFill>
-            </a:ext>
-          </a:extLst>
-        </p:spPr>
-      </p:pic>
     </p:spTree>
     <p:extLst>
       <p:ext uri="{BB962C8B-B14F-4D97-AF65-F5344CB8AC3E}">
-        <p14:creationId xmlns:p14="http://schemas.microsoft.com/office/powerpoint/2010/main" val="186384396"/>
+        <p14:creationId xmlns:p14="http://schemas.microsoft.com/office/powerpoint/2010/main" val="688468961"/>
       </p:ext>
     </p:extLst>
   </p:cSld>
@@ -6370,96 +6445,137 @@
           <a:bodyPr lIns="0" tIns="0" rIns="0" bIns="0" anchor="ctr"/>
           <a:lstStyle/>
           <a:p>
+            <a:endParaRPr lang="en-US" altLang="ko-KR" smtClean="0"/>
+          </a:p>
+          <a:p>
+            <a:endParaRPr lang="en-US" altLang="ko-KR"/>
+          </a:p>
+          <a:p>
+            <a:endParaRPr lang="en-US" altLang="ko-KR" smtClean="0"/>
+          </a:p>
+          <a:p>
+            <a:endParaRPr lang="en-US" altLang="ko-KR"/>
+          </a:p>
+          <a:p>
+            <a:endParaRPr lang="en-US" altLang="ko-KR" smtClean="0"/>
+          </a:p>
+          <a:p>
+            <a:endParaRPr lang="en-US" altLang="ko-KR"/>
+          </a:p>
+          <a:p>
+            <a:endParaRPr lang="en-US" altLang="ko-KR" smtClean="0"/>
+          </a:p>
+          <a:p>
+            <a:endParaRPr lang="en-US" altLang="ko-KR"/>
+          </a:p>
+          <a:p>
+            <a:endParaRPr lang="en-US" altLang="ko-KR" smtClean="0"/>
+          </a:p>
+          <a:p>
+            <a:endParaRPr lang="en-US" altLang="ko-KR"/>
+          </a:p>
+          <a:p>
             <a:r>
               <a:rPr lang="en-US" altLang="ko-KR" smtClean="0"/>
               <a:t>- </a:t>
             </a:r>
             <a:r>
               <a:rPr lang="ko-KR" altLang="en-US" smtClean="0"/>
-              <a:t>함수선언</a:t>
+              <a:t>선언</a:t>
             </a:r>
             <a:endParaRPr lang="en-US" altLang="ko-KR" smtClean="0"/>
           </a:p>
           <a:p>
             <a:r>
               <a:rPr lang="en-US" altLang="ko-KR" smtClean="0"/>
-              <a:t>def </a:t>
-            </a:r>
+              <a:t>import rospy</a:t>
+            </a:r>
+          </a:p>
+          <a:p>
             <a:r>
               <a:rPr lang="en-US" altLang="ko-KR" smtClean="0"/>
-              <a:t>weight_variable(shape):</a:t>
+              <a:t>from sensor_msgs.msg import Image</a:t>
             </a:r>
           </a:p>
           <a:p>
             <a:r>
               <a:rPr lang="en-US" altLang="ko-KR" smtClean="0"/>
-              <a:t>  initial = tf.truncated_normal(shape, stddev=0.1)</a:t>
+              <a:t>from std_msgs.msg import Int16</a:t>
             </a:r>
           </a:p>
           <a:p>
             <a:r>
               <a:rPr lang="en-US" altLang="ko-KR" smtClean="0"/>
-              <a:t>  return tf.Variable(initial)</a:t>
-            </a:r>
-          </a:p>
-          <a:p>
-            <a:endParaRPr lang="en-US" altLang="ko-KR" smtClean="0"/>
+              <a:t>from cv_bridge import CvBridge</a:t>
+            </a:r>
           </a:p>
           <a:p>
             <a:r>
               <a:rPr lang="en-US" altLang="ko-KR" smtClean="0"/>
-              <a:t>def bias_variable(shape):</a:t>
+              <a:t>import cv2</a:t>
             </a:r>
           </a:p>
           <a:p>
             <a:r>
               <a:rPr lang="en-US" altLang="ko-KR" smtClean="0"/>
-              <a:t>  initial = tf.constant(0.1, shape=shape)</a:t>
+              <a:t>import numpy as np</a:t>
             </a:r>
           </a:p>
           <a:p>
             <a:r>
               <a:rPr lang="en-US" altLang="ko-KR" smtClean="0"/>
-              <a:t>  return tf.Variable(initial)</a:t>
-            </a:r>
-          </a:p>
-          <a:p>
-            <a:endParaRPr lang="en-US" altLang="ko-KR" smtClean="0"/>
-          </a:p>
-          <a:p>
-            <a:r>
-              <a:rPr lang="en-US" altLang="ko-KR" smtClean="0"/>
-              <a:t>def conv2d(x, W):</a:t>
-            </a:r>
-          </a:p>
-          <a:p>
-            <a:r>
-              <a:rPr lang="en-US" altLang="ko-KR" smtClean="0"/>
-              <a:t>  return tf.nn.conv2d(x, W, strides=[1, 1, 1, 1], padding='SAME')</a:t>
-            </a:r>
-          </a:p>
-          <a:p>
-            <a:endParaRPr lang="en-US" altLang="ko-KR" smtClean="0"/>
-          </a:p>
-          <a:p>
-            <a:r>
-              <a:rPr lang="en-US" altLang="ko-KR" smtClean="0"/>
-              <a:t>def max_pool_2x2(x):</a:t>
-            </a:r>
-          </a:p>
-          <a:p>
-            <a:r>
-              <a:rPr lang="en-US" altLang="ko-KR" smtClean="0"/>
-              <a:t>  return tf.nn.max_pool(x, ksize=[1, 2, 2, 1], strides=[1, 2, 2, 1], padding='SAME')</a:t>
-            </a:r>
-            <a:endParaRPr lang="en-US" altLang="ko-KR"/>
+              <a:t>import tensorflow as tf</a:t>
+            </a:r>
           </a:p>
         </p:txBody>
       </p:sp>
+      <p:pic>
+        <p:nvPicPr>
+          <p:cNvPr id="10242" name="Picture 2" descr="https://camo.githubusercontent.com/39d9ad676ba2acc6ce5c3ae2fc1902309fff247e/68747470733a2f2f71696974612d696d6167652d73746f72652e73332e616d617a6f6e6177732e636f6d2f302f3133343336382f30316261383038632d323836372d353030382d373733642d3835666431313436346561392e706e67">
+            <a:hlinkClick r:id="rId3"/>
+          </p:cNvPr>
+          <p:cNvPicPr>
+            <a:picLocks noChangeAspect="1" noChangeArrowheads="1"/>
+          </p:cNvPicPr>
+          <p:nvPr/>
+        </p:nvPicPr>
+        <p:blipFill>
+          <a:blip r:embed="rId4">
+            <a:extLst>
+              <a:ext uri="{28A0092B-C50C-407E-A947-70E740481C1C}">
+                <a14:useLocalDpi xmlns:a14="http://schemas.microsoft.com/office/drawing/2010/main" val="0"/>
+              </a:ext>
+            </a:extLst>
+          </a:blip>
+          <a:srcRect/>
+          <a:stretch>
+            <a:fillRect/>
+          </a:stretch>
+        </p:blipFill>
+        <p:spPr bwMode="auto">
+          <a:xfrm>
+            <a:off x="481184" y="1331564"/>
+            <a:ext cx="5112568" cy="2952191"/>
+          </a:xfrm>
+          <a:prstGeom prst="rect">
+            <a:avLst/>
+          </a:prstGeom>
+          <a:noFill/>
+          <a:extLst>
+            <a:ext uri="{909E8E84-426E-40DD-AFC4-6F175D3DCCD1}">
+              <a14:hiddenFill xmlns:a14="http://schemas.microsoft.com/office/drawing/2010/main">
+                <a:solidFill>
+                  <a:srgbClr val="FFFFFF"/>
+                </a:solidFill>
+              </a14:hiddenFill>
+            </a:ext>
+          </a:extLst>
+        </p:spPr>
+      </p:pic>
     </p:spTree>
     <p:extLst>
       <p:ext uri="{BB962C8B-B14F-4D97-AF65-F5344CB8AC3E}">
-        <p14:creationId xmlns:p14="http://schemas.microsoft.com/office/powerpoint/2010/main" val="2462081660"/>
+        <p14:creationId xmlns:p14="http://schemas.microsoft.com/office/powerpoint/2010/main" val="186384396"/>
       </p:ext>
     </p:extLst>
   </p:cSld>
@@ -6628,8 +6744,8 @@
         </p:nvSpPr>
         <p:spPr>
           <a:xfrm>
-            <a:off x="361520" y="1762253"/>
-            <a:ext cx="9071280" cy="5401960"/>
+            <a:off x="333720" y="1762253"/>
+            <a:ext cx="9071280" cy="5185936"/>
           </a:xfrm>
           <a:prstGeom prst="rect">
             <a:avLst/>
@@ -6644,149 +6760,91 @@
           <a:lstStyle/>
           <a:p>
             <a:r>
-              <a:rPr lang="en-US" altLang="ko-KR" sz="1600" smtClean="0"/>
-              <a:t>- CNN </a:t>
-            </a:r>
-            <a:r>
-              <a:rPr lang="ko-KR" altLang="en-US" sz="1600" smtClean="0"/>
-              <a:t>정의</a:t>
-            </a:r>
-            <a:endParaRPr lang="en-US" altLang="ko-KR" sz="1600" smtClean="0"/>
-          </a:p>
-          <a:p>
-            <a:r>
-              <a:rPr lang="en-US" altLang="ko-KR" sz="1600" smtClean="0"/>
-              <a:t>def </a:t>
-            </a:r>
-            <a:r>
-              <a:rPr lang="en-US" altLang="ko-KR" sz="1600" smtClean="0"/>
-              <a:t>makeCNN(x,keep_prob):</a:t>
-            </a:r>
-          </a:p>
-          <a:p>
-            <a:r>
-              <a:rPr lang="en-US" altLang="ko-KR" sz="1600" smtClean="0"/>
-              <a:t>    W_conv1 = weight_variable([5, 5, 1, 32])</a:t>
-            </a:r>
-          </a:p>
-          <a:p>
-            <a:r>
-              <a:rPr lang="en-US" altLang="ko-KR" sz="1600" smtClean="0"/>
-              <a:t>    b_conv1 = bias_variable([32])</a:t>
-            </a:r>
-          </a:p>
-          <a:p>
-            <a:r>
-              <a:rPr lang="en-US" altLang="ko-KR" sz="1600" smtClean="0"/>
-              <a:t>    h_conv1 = tf.nn.relu(conv2d(x, W_conv1) + b_conv1)</a:t>
-            </a:r>
-          </a:p>
-          <a:p>
-            <a:r>
-              <a:rPr lang="en-US" altLang="ko-KR" sz="1600" smtClean="0"/>
-              <a:t>    h_pool1 = max_pool_2x2(h_conv1)</a:t>
-            </a:r>
-          </a:p>
-          <a:p>
-            <a:endParaRPr lang="en-US" altLang="ko-KR" sz="1600" smtClean="0"/>
-          </a:p>
-          <a:p>
-            <a:r>
-              <a:rPr lang="en-US" altLang="ko-KR" sz="1600" smtClean="0"/>
-              <a:t>    W_conv2 = weight_variable([3, 3, 32, 64])</a:t>
-            </a:r>
-          </a:p>
-          <a:p>
-            <a:r>
-              <a:rPr lang="en-US" altLang="ko-KR" sz="1600" smtClean="0"/>
-              <a:t>    b_conv2 = bias_variable([64])</a:t>
-            </a:r>
-          </a:p>
-          <a:p>
-            <a:r>
-              <a:rPr lang="en-US" altLang="ko-KR" sz="1600" smtClean="0"/>
-              <a:t>    h_conv2 = tf.nn.relu(conv2d(h_pool1, W_conv2) + b_conv2)</a:t>
-            </a:r>
-          </a:p>
-          <a:p>
-            <a:r>
-              <a:rPr lang="en-US" altLang="ko-KR" sz="1600" smtClean="0"/>
-              <a:t>    h_pool2 = max_pool_2x2(h_conv2)</a:t>
-            </a:r>
-          </a:p>
-          <a:p>
-            <a:endParaRPr lang="en-US" altLang="ko-KR" sz="1600" smtClean="0"/>
-          </a:p>
-          <a:p>
-            <a:r>
-              <a:rPr lang="en-US" altLang="ko-KR" sz="1600" smtClean="0"/>
-              <a:t>    W_fc1 = weight_variable([7 * 7 * 64, 1024])</a:t>
-            </a:r>
-          </a:p>
-          <a:p>
-            <a:r>
-              <a:rPr lang="en-US" altLang="ko-KR" sz="1600" smtClean="0"/>
-              <a:t>    b_fc1 = bias_variable([1024])</a:t>
-            </a:r>
-          </a:p>
-          <a:p>
-            <a:r>
-              <a:rPr lang="en-US" altLang="ko-KR" sz="1600" smtClean="0"/>
-              <a:t>    h_pool2_flat = tf.reshape(h_pool2, [-1, 7 * 7 * 64])</a:t>
-            </a:r>
-          </a:p>
-          <a:p>
-            <a:r>
-              <a:rPr lang="en-US" altLang="ko-KR" sz="1600" smtClean="0"/>
-              <a:t>    h_fc1 = tf.nn.relu(tf.matmul(h_pool2_flat, W_fc1) + b_fc1)</a:t>
-            </a:r>
-          </a:p>
-          <a:p>
-            <a:r>
-              <a:rPr lang="en-US" altLang="ko-KR" sz="1600" smtClean="0"/>
-              <a:t>    h_fc1_drop = tf.nn.dropout(h_fc1, keep_prob)</a:t>
-            </a:r>
-          </a:p>
-          <a:p>
-            <a:endParaRPr lang="en-US" altLang="ko-KR" sz="1600" smtClean="0"/>
-          </a:p>
-          <a:p>
-            <a:r>
-              <a:rPr lang="en-US" altLang="ko-KR" sz="1600" smtClean="0"/>
-              <a:t>    W_fc2 = weight_variable([1024, 10])</a:t>
-            </a:r>
-          </a:p>
-          <a:p>
-            <a:r>
-              <a:rPr lang="en-US" altLang="ko-KR" sz="1600" smtClean="0"/>
-              <a:t>    b_fc2 = bias_variable([10])</a:t>
-            </a:r>
-          </a:p>
-          <a:p>
-            <a:r>
-              <a:rPr lang="en-US" altLang="ko-KR" sz="1600" smtClean="0"/>
-              <a:t>    y_conv = tf.nn.softmax(tf.matmul(h_fc1_drop, W_fc2) + b_fc2)</a:t>
-            </a:r>
-          </a:p>
-          <a:p>
-            <a:r>
-              <a:rPr lang="en-US" altLang="ko-KR" sz="1600" smtClean="0"/>
-              <a:t> </a:t>
-            </a:r>
-          </a:p>
-          <a:p>
-            <a:r>
-              <a:rPr lang="en-US" altLang="ko-KR" sz="1600" smtClean="0"/>
-              <a:t>    return y_conv</a:t>
-            </a:r>
-            <a:endParaRPr lang="en-US" altLang="ko-KR" sz="1600"/>
+              <a:rPr lang="en-US" altLang="ko-KR" smtClean="0"/>
+              <a:t>- </a:t>
+            </a:r>
+            <a:r>
+              <a:rPr lang="ko-KR" altLang="en-US" smtClean="0"/>
+              <a:t>함수선언</a:t>
+            </a:r>
+            <a:endParaRPr lang="en-US" altLang="ko-KR" smtClean="0"/>
+          </a:p>
+          <a:p>
+            <a:r>
+              <a:rPr lang="en-US" altLang="ko-KR" smtClean="0"/>
+              <a:t>def weight_variable(shape):</a:t>
+            </a:r>
+          </a:p>
+          <a:p>
+            <a:r>
+              <a:rPr lang="en-US" altLang="ko-KR" smtClean="0"/>
+              <a:t>  initial = tf.truncated_normal(shape, stddev=0.1)</a:t>
+            </a:r>
+          </a:p>
+          <a:p>
+            <a:r>
+              <a:rPr lang="en-US" altLang="ko-KR" smtClean="0"/>
+              <a:t>  return tf.Variable(initial)</a:t>
+            </a:r>
+          </a:p>
+          <a:p>
+            <a:endParaRPr lang="en-US" altLang="ko-KR" smtClean="0"/>
+          </a:p>
+          <a:p>
+            <a:r>
+              <a:rPr lang="en-US" altLang="ko-KR" smtClean="0"/>
+              <a:t>def bias_variable(shape):</a:t>
+            </a:r>
+          </a:p>
+          <a:p>
+            <a:r>
+              <a:rPr lang="en-US" altLang="ko-KR" smtClean="0"/>
+              <a:t>  initial = tf.constant(0.1, shape=shape)</a:t>
+            </a:r>
+          </a:p>
+          <a:p>
+            <a:r>
+              <a:rPr lang="en-US" altLang="ko-KR" smtClean="0"/>
+              <a:t>  return tf.Variable(initial)</a:t>
+            </a:r>
+          </a:p>
+          <a:p>
+            <a:endParaRPr lang="en-US" altLang="ko-KR" smtClean="0"/>
+          </a:p>
+          <a:p>
+            <a:r>
+              <a:rPr lang="en-US" altLang="ko-KR" smtClean="0"/>
+              <a:t>def conv2d(x, W):</a:t>
+            </a:r>
+          </a:p>
+          <a:p>
+            <a:r>
+              <a:rPr lang="en-US" altLang="ko-KR" smtClean="0"/>
+              <a:t>  return tf.nn.conv2d(x, W, strides=[1, 1, 1, 1], padding='SAME')</a:t>
+            </a:r>
+          </a:p>
+          <a:p>
+            <a:endParaRPr lang="en-US" altLang="ko-KR" smtClean="0"/>
+          </a:p>
+          <a:p>
+            <a:r>
+              <a:rPr lang="en-US" altLang="ko-KR" smtClean="0"/>
+              <a:t>def max_pool_2x2(x):</a:t>
+            </a:r>
+          </a:p>
+          <a:p>
+            <a:r>
+              <a:rPr lang="en-US" altLang="ko-KR" smtClean="0"/>
+              <a:t>  return tf.nn.max_pool(x, ksize=[1, 2, 2, 1], strides=[1, 2, 2, 1], padding='SAME')</a:t>
+            </a:r>
+            <a:endParaRPr lang="en-US" altLang="ko-KR"/>
           </a:p>
         </p:txBody>
       </p:sp>
     </p:spTree>
     <p:extLst>
       <p:ext uri="{BB962C8B-B14F-4D97-AF65-F5344CB8AC3E}">
-        <p14:creationId xmlns:p14="http://schemas.microsoft.com/office/powerpoint/2010/main" val="1168216663"/>
+        <p14:creationId xmlns:p14="http://schemas.microsoft.com/office/powerpoint/2010/main" val="2462081660"/>
       </p:ext>
     </p:extLst>
   </p:cSld>
@@ -6955,8 +7013,8 @@
         </p:nvSpPr>
         <p:spPr>
           <a:xfrm>
-            <a:off x="333720" y="1762253"/>
-            <a:ext cx="9071280" cy="5185936"/>
+            <a:off x="361520" y="1762253"/>
+            <a:ext cx="9071280" cy="5401960"/>
           </a:xfrm>
           <a:prstGeom prst="rect">
             <a:avLst/>
@@ -6971,115 +7029,138 @@
           <a:lstStyle/>
           <a:p>
             <a:r>
-              <a:rPr lang="en-US" altLang="ko-KR" smtClean="0"/>
-              <a:t>- </a:t>
-            </a:r>
-            <a:r>
-              <a:rPr lang="ko-KR" altLang="en-US" smtClean="0"/>
-              <a:t>클래스 선언</a:t>
-            </a:r>
-            <a:endParaRPr lang="en-US" altLang="ko-KR" smtClean="0"/>
-          </a:p>
-          <a:p>
-            <a:r>
-              <a:rPr lang="en-US" altLang="ko-KR" smtClean="0"/>
-              <a:t>class </a:t>
-            </a:r>
-            <a:r>
-              <a:rPr lang="en-US" altLang="ko-KR" smtClean="0"/>
-              <a:t>RosTensorFlow():</a:t>
-            </a:r>
-          </a:p>
-          <a:p>
-            <a:r>
-              <a:rPr lang="en-US" altLang="ko-KR" smtClean="0"/>
-              <a:t>    def __init__(self):</a:t>
-            </a:r>
-          </a:p>
-          <a:p>
-            <a:r>
-              <a:rPr lang="en-US" altLang="ko-KR" smtClean="0"/>
-              <a:t>        self._cv_bridge = CvBridge()</a:t>
-            </a:r>
-          </a:p>
-          <a:p>
-            <a:endParaRPr lang="en-US" altLang="ko-KR" smtClean="0"/>
-          </a:p>
-          <a:p>
-            <a:r>
-              <a:rPr lang="en-US" altLang="ko-KR" smtClean="0"/>
-              <a:t>        self.x = tf.placeholder(tf.float32, [None,28,28,1], name="x")</a:t>
-            </a:r>
-          </a:p>
-          <a:p>
-            <a:r>
-              <a:rPr lang="en-US" altLang="ko-KR" smtClean="0"/>
-              <a:t>        self.keep_prob = tf.placeholder("float")</a:t>
-            </a:r>
-          </a:p>
-          <a:p>
-            <a:r>
-              <a:rPr lang="en-US" altLang="ko-KR" smtClean="0"/>
-              <a:t>        self.y_conv = makeCNN(self.x,self.keep_prob)</a:t>
-            </a:r>
-          </a:p>
-          <a:p>
-            <a:endParaRPr lang="en-US" altLang="ko-KR" smtClean="0"/>
-          </a:p>
-          <a:p>
-            <a:r>
-              <a:rPr lang="en-US" altLang="ko-KR" smtClean="0"/>
-              <a:t>        self._saver = tf.train.Saver()</a:t>
-            </a:r>
-          </a:p>
-          <a:p>
-            <a:r>
-              <a:rPr lang="en-US" altLang="ko-KR" smtClean="0"/>
-              <a:t>        self._session = tf.InteractiveSession()</a:t>
-            </a:r>
-          </a:p>
-          <a:p>
-            <a:r>
-              <a:rPr lang="en-US" altLang="ko-KR" smtClean="0"/>
-              <a:t>        </a:t>
-            </a:r>
-          </a:p>
-          <a:p>
-            <a:r>
-              <a:rPr lang="en-US" altLang="ko-KR" smtClean="0"/>
-              <a:t>        init_op = tf.global_variables_initializer()</a:t>
-            </a:r>
-          </a:p>
-          <a:p>
-            <a:r>
-              <a:rPr lang="en-US" altLang="ko-KR" smtClean="0"/>
-              <a:t>        self._session.run(init_op)</a:t>
-            </a:r>
-          </a:p>
-          <a:p>
-            <a:endParaRPr lang="en-US" altLang="ko-KR" smtClean="0"/>
-          </a:p>
-          <a:p>
-            <a:r>
-              <a:rPr lang="en-US" altLang="ko-KR" smtClean="0"/>
-              <a:t>        self._saver.restore(self._session, "model/model.ckpt")</a:t>
-            </a:r>
-          </a:p>
-          <a:p>
-            <a:endParaRPr lang="en-US" altLang="ko-KR" smtClean="0"/>
-          </a:p>
-          <a:p>
-            <a:r>
-              <a:rPr lang="en-US" altLang="ko-KR" smtClean="0"/>
-              <a:t>        self._sub = rospy.Subscriber('image', Image, self.callback, queue_size=1)</a:t>
-            </a:r>
-          </a:p>
-          <a:p>
-            <a:r>
-              <a:rPr lang="en-US" altLang="ko-KR" smtClean="0"/>
-              <a:t>        self._pub = rospy.Publisher('result', Int16, queue_size=1)</a:t>
-            </a:r>
-            <a:endParaRPr lang="en-US" altLang="ko-KR"/>
+              <a:rPr lang="en-US" altLang="ko-KR" sz="1600" smtClean="0"/>
+              <a:t>- CNN </a:t>
+            </a:r>
+            <a:r>
+              <a:rPr lang="ko-KR" altLang="en-US" sz="1600" smtClean="0"/>
+              <a:t>정의</a:t>
+            </a:r>
+            <a:endParaRPr lang="en-US" altLang="ko-KR" sz="1600" smtClean="0"/>
+          </a:p>
+          <a:p>
+            <a:r>
+              <a:rPr lang="en-US" altLang="ko-KR" sz="1600" smtClean="0"/>
+              <a:t>def makeCNN(x,keep_prob):</a:t>
+            </a:r>
+          </a:p>
+          <a:p>
+            <a:r>
+              <a:rPr lang="en-US" altLang="ko-KR" sz="1600" smtClean="0"/>
+              <a:t>    W_conv1 = weight_variable([5, 5, 1, 32])</a:t>
+            </a:r>
+          </a:p>
+          <a:p>
+            <a:r>
+              <a:rPr lang="en-US" altLang="ko-KR" sz="1600" smtClean="0"/>
+              <a:t>    b_conv1 = bias_variable([32])</a:t>
+            </a:r>
+          </a:p>
+          <a:p>
+            <a:r>
+              <a:rPr lang="en-US" altLang="ko-KR" sz="1600" smtClean="0"/>
+              <a:t>    h_conv1 = tf.nn.relu(conv2d(x, W_conv1) + b_conv1)</a:t>
+            </a:r>
+          </a:p>
+          <a:p>
+            <a:r>
+              <a:rPr lang="en-US" altLang="ko-KR" sz="1600" smtClean="0"/>
+              <a:t>    h_pool1 = max_pool_2x2(h_conv1)</a:t>
+            </a:r>
+          </a:p>
+          <a:p>
+            <a:endParaRPr lang="en-US" altLang="ko-KR" sz="1600" smtClean="0"/>
+          </a:p>
+          <a:p>
+            <a:r>
+              <a:rPr lang="en-US" altLang="ko-KR" sz="1600" smtClean="0"/>
+              <a:t>    W_conv2 = weight_variable([3, 3, 32, 64])</a:t>
+            </a:r>
+          </a:p>
+          <a:p>
+            <a:r>
+              <a:rPr lang="en-US" altLang="ko-KR" sz="1600" smtClean="0"/>
+              <a:t>    b_conv2 = bias_variable([64])</a:t>
+            </a:r>
+          </a:p>
+          <a:p>
+            <a:r>
+              <a:rPr lang="en-US" altLang="ko-KR" sz="1600" smtClean="0"/>
+              <a:t>    h_conv2 = tf.nn.relu(conv2d(h_pool1, W_conv2) + b_conv2)</a:t>
+            </a:r>
+          </a:p>
+          <a:p>
+            <a:r>
+              <a:rPr lang="en-US" altLang="ko-KR" sz="1600" smtClean="0"/>
+              <a:t>    h_pool2 = max_pool_2x2(h_conv2)</a:t>
+            </a:r>
+          </a:p>
+          <a:p>
+            <a:endParaRPr lang="en-US" altLang="ko-KR" sz="1600" smtClean="0"/>
+          </a:p>
+          <a:p>
+            <a:r>
+              <a:rPr lang="en-US" altLang="ko-KR" sz="1600" smtClean="0"/>
+              <a:t>    W_fc1 = weight_variable([7 * 7 * 64, 1024])</a:t>
+            </a:r>
+          </a:p>
+          <a:p>
+            <a:r>
+              <a:rPr lang="en-US" altLang="ko-KR" sz="1600" smtClean="0"/>
+              <a:t>    b_fc1 = bias_variable([1024])</a:t>
+            </a:r>
+          </a:p>
+          <a:p>
+            <a:r>
+              <a:rPr lang="en-US" altLang="ko-KR" sz="1600" smtClean="0"/>
+              <a:t>    h_pool2_flat = tf.reshape(h_pool2, [-1, 7 * 7 * 64])</a:t>
+            </a:r>
+          </a:p>
+          <a:p>
+            <a:r>
+              <a:rPr lang="en-US" altLang="ko-KR" sz="1600" smtClean="0"/>
+              <a:t>    h_fc1 = tf.nn.relu(tf.matmul(h_pool2_flat, W_fc1) + b_fc1)</a:t>
+            </a:r>
+          </a:p>
+          <a:p>
+            <a:r>
+              <a:rPr lang="en-US" altLang="ko-KR" sz="1600" smtClean="0"/>
+              <a:t>    h_fc1_drop = tf.nn.dropout(h_fc1, keep_prob)</a:t>
+            </a:r>
+          </a:p>
+          <a:p>
+            <a:endParaRPr lang="en-US" altLang="ko-KR" sz="1600" smtClean="0"/>
+          </a:p>
+          <a:p>
+            <a:r>
+              <a:rPr lang="en-US" altLang="ko-KR" sz="1600" smtClean="0"/>
+              <a:t>    W_fc2 = weight_variable([1024, 10])</a:t>
+            </a:r>
+          </a:p>
+          <a:p>
+            <a:r>
+              <a:rPr lang="en-US" altLang="ko-KR" sz="1600" smtClean="0"/>
+              <a:t>    b_fc2 = bias_variable([10])</a:t>
+            </a:r>
+          </a:p>
+          <a:p>
+            <a:r>
+              <a:rPr lang="en-US" altLang="ko-KR" sz="1600" smtClean="0"/>
+              <a:t>    y_conv = tf.nn.softmax(tf.matmul(h_fc1_drop, W_fc2) + b_fc2)</a:t>
+            </a:r>
+          </a:p>
+          <a:p>
+            <a:r>
+              <a:rPr lang="en-US" altLang="ko-KR" sz="1600" smtClean="0"/>
+              <a:t> </a:t>
+            </a:r>
+          </a:p>
+          <a:p>
+            <a:r>
+              <a:rPr lang="en-US" altLang="ko-KR" sz="1600" smtClean="0"/>
+              <a:t>    return y_conv</a:t>
+            </a:r>
+            <a:endParaRPr lang="en-US" altLang="ko-KR" sz="1600"/>
           </a:p>
         </p:txBody>
       </p:sp>
@@ -7276,75 +7357,89 @@
             </a:r>
             <a:r>
               <a:rPr lang="ko-KR" altLang="en-US" smtClean="0"/>
-              <a:t>영상처리</a:t>
-            </a:r>
+              <a:t>클래스 선언</a:t>
+            </a:r>
+            <a:endParaRPr lang="en-US" altLang="ko-KR" smtClean="0"/>
+          </a:p>
+          <a:p>
             <a:r>
               <a:rPr lang="en-US" altLang="ko-KR" smtClean="0"/>
-              <a:t>  </a:t>
+              <a:t>class RosTensorFlow():</a:t>
             </a:r>
           </a:p>
           <a:p>
             <a:r>
               <a:rPr lang="en-US" altLang="ko-KR" smtClean="0"/>
-              <a:t>    </a:t>
-            </a:r>
+              <a:t>    def __init__(self):</a:t>
+            </a:r>
+          </a:p>
+          <a:p>
             <a:r>
               <a:rPr lang="en-US" altLang="ko-KR" smtClean="0"/>
-              <a:t>def callback(self, image_msg):</a:t>
-            </a:r>
+              <a:t>        self._cv_bridge = CvBridge()</a:t>
+            </a:r>
+          </a:p>
+          <a:p>
+            <a:endParaRPr lang="en-US" altLang="ko-KR" smtClean="0"/>
           </a:p>
           <a:p>
             <a:r>
               <a:rPr lang="en-US" altLang="ko-KR" smtClean="0"/>
-              <a:t>        cv_image = self._cv_bridge.imgmsg_to_cv2(image_msg, "bgr8")</a:t>
+              <a:t>        self.x = tf.placeholder(tf.float32, [None,28,28,1], name="x")</a:t>
             </a:r>
           </a:p>
           <a:p>
             <a:r>
               <a:rPr lang="en-US" altLang="ko-KR" smtClean="0"/>
-              <a:t>        cv_image_gray = cv2.cvtColor(cv_image, cv2.COLOR_RGB2GRAY)</a:t>
+              <a:t>        self.keep_prob = tf.placeholder("float")</a:t>
             </a:r>
           </a:p>
           <a:p>
             <a:r>
               <a:rPr lang="en-US" altLang="ko-KR" smtClean="0"/>
-              <a:t>        ret,cv_image_binary = cv2.threshold(cv_image_gray,128,255, 							cv2.THRESH_BINARY_INV)</a:t>
-            </a:r>
+              <a:t>        self.y_conv = makeCNN(self.x,self.keep_prob)</a:t>
+            </a:r>
+          </a:p>
+          <a:p>
+            <a:endParaRPr lang="en-US" altLang="ko-KR" smtClean="0"/>
           </a:p>
           <a:p>
             <a:r>
               <a:rPr lang="en-US" altLang="ko-KR" smtClean="0"/>
-              <a:t>        cv_image_28 = cv2.resize(cv_image_binary,(28,28))</a:t>
+              <a:t>        self._saver = tf.train.Saver()</a:t>
             </a:r>
           </a:p>
           <a:p>
             <a:r>
               <a:rPr lang="en-US" altLang="ko-KR" smtClean="0"/>
-              <a:t>        np_image = np.reshape(cv_image_28,(1,28,28,1))</a:t>
+              <a:t>        self._session = tf.InteractiveSession()</a:t>
             </a:r>
           </a:p>
           <a:p>
             <a:r>
               <a:rPr lang="en-US" altLang="ko-KR" smtClean="0"/>
-              <a:t>        predict_num = self._session.run(self.y_conv, 								feed_dict={self.x:np_image,self.keep_prob:1.0})</a:t>
+              <a:t>        </a:t>
             </a:r>
           </a:p>
           <a:p>
             <a:r>
               <a:rPr lang="en-US" altLang="ko-KR" smtClean="0"/>
-              <a:t>        answer = np.argmax(predict_num,1)</a:t>
+              <a:t>        init_op = tf.global_variables_initializer()</a:t>
             </a:r>
           </a:p>
           <a:p>
             <a:r>
               <a:rPr lang="en-US" altLang="ko-KR" smtClean="0"/>
-              <a:t>        rospy.loginfo('%d' % answer)</a:t>
-            </a:r>
+              <a:t>        self._session.run(init_op)</a:t>
+            </a:r>
+          </a:p>
+          <a:p>
+            <a:endParaRPr lang="en-US" altLang="ko-KR" smtClean="0"/>
           </a:p>
           <a:p>
             <a:r>
               <a:rPr lang="en-US" altLang="ko-KR" smtClean="0"/>
-              <a:t>        self._pub.publish(answer)</a:t>
+              <a:t>        self._saver.restore(self._session, "model/model.ckpt")</a:t>
             </a:r>
           </a:p>
           <a:p>
@@ -7353,40 +7448,13 @@
           <a:p>
             <a:r>
               <a:rPr lang="en-US" altLang="ko-KR" smtClean="0"/>
-              <a:t>    def main(self):</a:t>
+              <a:t>        self._sub = rospy.Subscriber('image', Image, self.callback, queue_size=1)</a:t>
             </a:r>
           </a:p>
           <a:p>
             <a:r>
               <a:rPr lang="en-US" altLang="ko-KR" smtClean="0"/>
-              <a:t>        rospy.spin()</a:t>
-            </a:r>
-          </a:p>
-          <a:p>
-            <a:endParaRPr lang="en-US" altLang="ko-KR" smtClean="0"/>
-          </a:p>
-          <a:p>
-            <a:r>
-              <a:rPr lang="en-US" altLang="ko-KR" smtClean="0"/>
-              <a:t>if __name__ == '__main__':</a:t>
-            </a:r>
-          </a:p>
-          <a:p>
-            <a:r>
-              <a:rPr lang="en-US" altLang="ko-KR" smtClean="0"/>
-              <a:t>    rospy.init_node('rostensorflow')</a:t>
-            </a:r>
-          </a:p>
-          <a:p>
-            <a:r>
-              <a:rPr lang="en-US" altLang="ko-KR" smtClean="0"/>
-              <a:t>    tensor = RosTensorFlow()</a:t>
-            </a:r>
-          </a:p>
-          <a:p>
-            <a:r>
-              <a:rPr lang="en-US" altLang="ko-KR" smtClean="0"/>
-              <a:t>    tensor.main()</a:t>
+              <a:t>        self._pub = rospy.Publisher('result', Int16, queue_size=1)</a:t>
             </a:r>
             <a:endParaRPr lang="en-US" altLang="ko-KR"/>
           </a:p>
@@ -7395,7 +7463,7 @@
     </p:spTree>
     <p:extLst>
       <p:ext uri="{BB962C8B-B14F-4D97-AF65-F5344CB8AC3E}">
-        <p14:creationId xmlns:p14="http://schemas.microsoft.com/office/powerpoint/2010/main" val="517905043"/>
+        <p14:creationId xmlns:p14="http://schemas.microsoft.com/office/powerpoint/2010/main" val="1168216663"/>
       </p:ext>
     </p:extLst>
   </p:cSld>
@@ -7512,7 +7580,7 @@
                 </a:uFill>
                 <a:latin typeface="Arial"/>
               </a:rPr>
-              <a:t>MNIST(ROS</a:t>
+              <a:t>MNIST(ROS </a:t>
             </a:r>
             <a:r>
               <a:rPr lang="ko-KR" altLang="en-US" sz="4400" spc="-1" smtClean="0">
@@ -7581,6 +7649,311 @@
           <a:p>
             <a:r>
               <a:rPr lang="en-US" altLang="ko-KR" smtClean="0"/>
+              <a:t>- </a:t>
+            </a:r>
+            <a:r>
+              <a:rPr lang="ko-KR" altLang="en-US" smtClean="0"/>
+              <a:t>영상처리</a:t>
+            </a:r>
+            <a:r>
+              <a:rPr lang="en-US" altLang="ko-KR" smtClean="0"/>
+              <a:t>  </a:t>
+            </a:r>
+          </a:p>
+          <a:p>
+            <a:r>
+              <a:rPr lang="en-US" altLang="ko-KR" smtClean="0"/>
+              <a:t>    def callback(self, image_msg):</a:t>
+            </a:r>
+          </a:p>
+          <a:p>
+            <a:r>
+              <a:rPr lang="en-US" altLang="ko-KR" smtClean="0"/>
+              <a:t>        cv_image = self._cv_bridge.imgmsg_to_cv2(image_msg, "bgr8")</a:t>
+            </a:r>
+          </a:p>
+          <a:p>
+            <a:r>
+              <a:rPr lang="en-US" altLang="ko-KR" smtClean="0"/>
+              <a:t>        cv_image_gray = cv2.cvtColor(cv_image, cv2.COLOR_RGB2GRAY)</a:t>
+            </a:r>
+          </a:p>
+          <a:p>
+            <a:r>
+              <a:rPr lang="en-US" altLang="ko-KR" smtClean="0"/>
+              <a:t>        ret,cv_image_binary = cv2.threshold(cv_image_gray,128,255, 							cv2.THRESH_BINARY_INV)</a:t>
+            </a:r>
+          </a:p>
+          <a:p>
+            <a:r>
+              <a:rPr lang="en-US" altLang="ko-KR" smtClean="0"/>
+              <a:t>        cv_image_28 = cv2.resize(cv_image_binary,(28,28))</a:t>
+            </a:r>
+          </a:p>
+          <a:p>
+            <a:r>
+              <a:rPr lang="en-US" altLang="ko-KR" smtClean="0"/>
+              <a:t>        np_image = np.reshape(cv_image_28,(1,28,28,1))</a:t>
+            </a:r>
+          </a:p>
+          <a:p>
+            <a:r>
+              <a:rPr lang="en-US" altLang="ko-KR" smtClean="0"/>
+              <a:t>        predict_num = self._session.run(self.y_conv, 								feed_dict={self.x:np_image,self.keep_prob:1.0})</a:t>
+            </a:r>
+          </a:p>
+          <a:p>
+            <a:r>
+              <a:rPr lang="en-US" altLang="ko-KR" smtClean="0"/>
+              <a:t>        answer = np.argmax(predict_num,1)</a:t>
+            </a:r>
+          </a:p>
+          <a:p>
+            <a:r>
+              <a:rPr lang="en-US" altLang="ko-KR" smtClean="0"/>
+              <a:t>        rospy.loginfo('%d' % answer)</a:t>
+            </a:r>
+          </a:p>
+          <a:p>
+            <a:r>
+              <a:rPr lang="en-US" altLang="ko-KR" smtClean="0"/>
+              <a:t>        self._pub.publish(answer)</a:t>
+            </a:r>
+          </a:p>
+          <a:p>
+            <a:endParaRPr lang="en-US" altLang="ko-KR" smtClean="0"/>
+          </a:p>
+          <a:p>
+            <a:r>
+              <a:rPr lang="en-US" altLang="ko-KR" smtClean="0"/>
+              <a:t>    def main(self):</a:t>
+            </a:r>
+          </a:p>
+          <a:p>
+            <a:r>
+              <a:rPr lang="en-US" altLang="ko-KR" smtClean="0"/>
+              <a:t>        rospy.spin()</a:t>
+            </a:r>
+          </a:p>
+          <a:p>
+            <a:endParaRPr lang="en-US" altLang="ko-KR" smtClean="0"/>
+          </a:p>
+          <a:p>
+            <a:r>
+              <a:rPr lang="en-US" altLang="ko-KR" smtClean="0"/>
+              <a:t>if __name__ == '__main__':</a:t>
+            </a:r>
+          </a:p>
+          <a:p>
+            <a:r>
+              <a:rPr lang="en-US" altLang="ko-KR" smtClean="0"/>
+              <a:t>    rospy.init_node('rostensorflow')</a:t>
+            </a:r>
+          </a:p>
+          <a:p>
+            <a:r>
+              <a:rPr lang="en-US" altLang="ko-KR" smtClean="0"/>
+              <a:t>    tensor = RosTensorFlow()</a:t>
+            </a:r>
+          </a:p>
+          <a:p>
+            <a:r>
+              <a:rPr lang="en-US" altLang="ko-KR" smtClean="0"/>
+              <a:t>    tensor.main()</a:t>
+            </a:r>
+            <a:endParaRPr lang="en-US" altLang="ko-KR"/>
+          </a:p>
+        </p:txBody>
+      </p:sp>
+    </p:spTree>
+    <p:extLst>
+      <p:ext uri="{BB962C8B-B14F-4D97-AF65-F5344CB8AC3E}">
+        <p14:creationId xmlns:p14="http://schemas.microsoft.com/office/powerpoint/2010/main" val="517905043"/>
+      </p:ext>
+    </p:extLst>
+  </p:cSld>
+  <p:clrMapOvr>
+    <a:masterClrMapping/>
+  </p:clrMapOvr>
+  <p:timing>
+    <p:tnLst>
+      <p:par>
+        <p:cTn id="1" dur="indefinite" restart="never" nodeType="tmRoot">
+          <p:childTnLst>
+            <p:seq>
+              <p:cTn id="2" nodeType="mainSeq"/>
+              <p:prevCondLst>
+                <p:cond evt="onPrev" delay="0">
+                  <p:tgtEl>
+                    <p:sldTgt/>
+                  </p:tgtEl>
+                </p:cond>
+              </p:prevCondLst>
+              <p:nextCondLst>
+                <p:cond evt="onNext" delay="0">
+                  <p:tgtEl>
+                    <p:sldTgt/>
+                  </p:tgtEl>
+                </p:cond>
+              </p:nextCondLst>
+            </p:seq>
+          </p:childTnLst>
+        </p:cTn>
+      </p:par>
+    </p:tnLst>
+  </p:timing>
+</p:sld>
+</file>
+
+<file path=ppt/slides/slide26.xml><?xml version="1.0" encoding="utf-8"?>
+<p:sld xmlns:a="http://schemas.openxmlformats.org/drawingml/2006/main" xmlns:r="http://schemas.openxmlformats.org/officeDocument/2006/relationships" xmlns:p="http://schemas.openxmlformats.org/presentationml/2006/main">
+  <p:cSld>
+    <p:spTree>
+      <p:nvGrpSpPr>
+        <p:cNvPr id="1" name=""/>
+        <p:cNvGrpSpPr/>
+        <p:nvPr/>
+      </p:nvGrpSpPr>
+      <p:grpSpPr>
+        <a:xfrm>
+          <a:off x="0" y="0"/>
+          <a:ext cx="0" cy="0"/>
+          <a:chOff x="0" y="0"/>
+          <a:chExt cx="0" cy="0"/>
+        </a:xfrm>
+      </p:grpSpPr>
+      <p:pic>
+        <p:nvPicPr>
+          <p:cNvPr id="52" name="그림 3"/>
+          <p:cNvPicPr/>
+          <p:nvPr/>
+        </p:nvPicPr>
+        <p:blipFill>
+          <a:blip r:embed="rId2"/>
+          <a:stretch/>
+        </p:blipFill>
+        <p:spPr>
+          <a:xfrm>
+            <a:off x="8843400" y="63360"/>
+            <a:ext cx="1123200" cy="942120"/>
+          </a:xfrm>
+          <a:prstGeom prst="rect">
+            <a:avLst/>
+          </a:prstGeom>
+          <a:ln>
+            <a:noFill/>
+          </a:ln>
+        </p:spPr>
+      </p:pic>
+      <p:sp>
+        <p:nvSpPr>
+          <p:cNvPr id="53" name="TextShape 1"/>
+          <p:cNvSpPr txBox="1"/>
+          <p:nvPr/>
+        </p:nvSpPr>
+        <p:spPr>
+          <a:xfrm>
+            <a:off x="504000" y="301320"/>
+            <a:ext cx="9071280" cy="1261800"/>
+          </a:xfrm>
+          <a:prstGeom prst="rect">
+            <a:avLst/>
+          </a:prstGeom>
+          <a:noFill/>
+          <a:ln>
+            <a:noFill/>
+          </a:ln>
+        </p:spPr>
+        <p:txBody>
+          <a:bodyPr lIns="0" tIns="0" rIns="0" bIns="0" anchor="ctr"/>
+          <a:lstStyle/>
+          <a:p>
+            <a:pPr algn="ctr">
+              <a:lnSpc>
+                <a:spcPct val="100000"/>
+              </a:lnSpc>
+            </a:pPr>
+            <a:r>
+              <a:rPr lang="en-US" altLang="ko-KR" sz="4400" spc="-1" smtClean="0">
+                <a:solidFill>
+                  <a:srgbClr val="000000"/>
+                </a:solidFill>
+                <a:uFill>
+                  <a:solidFill>
+                    <a:srgbClr val="FFFFFF"/>
+                  </a:solidFill>
+                </a:uFill>
+                <a:latin typeface="Arial"/>
+              </a:rPr>
+              <a:t>MNIST(ROS</a:t>
+            </a:r>
+            <a:r>
+              <a:rPr lang="ko-KR" altLang="en-US" sz="4400" spc="-1" smtClean="0">
+                <a:solidFill>
+                  <a:srgbClr val="000000"/>
+                </a:solidFill>
+                <a:uFill>
+                  <a:solidFill>
+                    <a:srgbClr val="FFFFFF"/>
+                  </a:solidFill>
+                </a:uFill>
+                <a:latin typeface="Arial"/>
+              </a:rPr>
+              <a:t>연동</a:t>
+            </a:r>
+            <a:r>
+              <a:rPr lang="en-US" altLang="ko-KR" sz="4400" spc="-1" smtClean="0">
+                <a:solidFill>
+                  <a:srgbClr val="000000"/>
+                </a:solidFill>
+                <a:uFill>
+                  <a:solidFill>
+                    <a:srgbClr val="FFFFFF"/>
+                  </a:solidFill>
+                </a:uFill>
+                <a:latin typeface="Arial"/>
+              </a:rPr>
+              <a:t>)</a:t>
+            </a:r>
+            <a:endParaRPr lang="ko-KR" sz="1800" b="0" strike="noStrike" spc="-1">
+              <a:solidFill>
+                <a:srgbClr val="000000"/>
+              </a:solidFill>
+              <a:uFill>
+                <a:solidFill>
+                  <a:srgbClr val="FFFFFF"/>
+                </a:solidFill>
+              </a:uFill>
+              <a:latin typeface="맑은 고딕"/>
+            </a:endParaRPr>
+          </a:p>
+        </p:txBody>
+      </p:sp>
+      <p:sp>
+        <p:nvSpPr>
+          <p:cNvPr id="54" name="TextShape 2"/>
+          <p:cNvSpPr txBox="1"/>
+          <p:nvPr/>
+        </p:nvSpPr>
+        <p:spPr>
+          <a:xfrm>
+            <a:off x="333720" y="1762253"/>
+            <a:ext cx="9071280" cy="5185936"/>
+          </a:xfrm>
+          <a:prstGeom prst="rect">
+            <a:avLst/>
+          </a:prstGeom>
+          <a:noFill/>
+          <a:ln>
+            <a:noFill/>
+          </a:ln>
+        </p:spPr>
+        <p:txBody>
+          <a:bodyPr lIns="0" tIns="0" rIns="0" bIns="0" anchor="ctr"/>
+          <a:lstStyle/>
+          <a:p>
+            <a:r>
+              <a:rPr lang="en-US" altLang="ko-KR" smtClean="0"/>
               <a:t>-</a:t>
             </a:r>
             <a:r>
@@ -7604,11 +7977,7 @@
             </a:pPr>
             <a:r>
               <a:rPr lang="en-US" altLang="ko-KR"/>
-              <a:t>rosrun </a:t>
-            </a:r>
-            <a:r>
-              <a:rPr lang="en-US" altLang="ko-KR"/>
-              <a:t>usb_cam </a:t>
+              <a:t>rosrun usb_cam </a:t>
             </a:r>
             <a:r>
               <a:rPr lang="en-US" altLang="ko-KR" smtClean="0"/>
@@ -7757,7 +8126,63 @@
                 </a:uFill>
                 <a:latin typeface="Arial"/>
               </a:rPr>
-              <a:t>Tensorflow install(GPU version)</a:t>
+              <a:t>Tensorflow </a:t>
+            </a:r>
+            <a:r>
+              <a:rPr lang="ko-KR" sz="4400" b="0" strike="noStrike" spc="-1" smtClean="0">
+                <a:solidFill>
+                  <a:srgbClr val="000000"/>
+                </a:solidFill>
+                <a:uFill>
+                  <a:solidFill>
+                    <a:srgbClr val="FFFFFF"/>
+                  </a:solidFill>
+                </a:uFill>
+                <a:latin typeface="Arial"/>
+              </a:rPr>
+              <a:t>install(</a:t>
+            </a:r>
+            <a:r>
+              <a:rPr lang="en-US" altLang="ko-KR" sz="4400" b="0" strike="noStrike" spc="-1" smtClean="0">
+                <a:solidFill>
+                  <a:srgbClr val="000000"/>
+                </a:solidFill>
+                <a:uFill>
+                  <a:solidFill>
+                    <a:srgbClr val="FFFFFF"/>
+                  </a:solidFill>
+                </a:uFill>
+                <a:latin typeface="Arial"/>
+              </a:rPr>
+              <a:t>1.4.0 </a:t>
+            </a:r>
+            <a:r>
+              <a:rPr lang="ko-KR" sz="4400" b="0" strike="noStrike" spc="-1" smtClean="0">
+                <a:solidFill>
+                  <a:srgbClr val="000000"/>
+                </a:solidFill>
+                <a:uFill>
+                  <a:solidFill>
+                    <a:srgbClr val="FFFFFF"/>
+                  </a:solidFill>
+                </a:uFill>
+                <a:latin typeface="Arial"/>
+              </a:rPr>
+              <a:t>GPU </a:t>
+            </a:r>
+            <a:r>
+              <a:rPr lang="ko-KR" sz="4400" b="0" strike="noStrike" spc="-1">
+                <a:solidFill>
+                  <a:srgbClr val="000000"/>
+                </a:solidFill>
+                <a:uFill>
+                  <a:solidFill>
+                    <a:srgbClr val="FFFFFF"/>
+                  </a:solidFill>
+                </a:uFill>
+                <a:latin typeface="Arial"/>
+              </a:rPr>
+              <a:t>version)</a:t>
             </a:r>
             <a:endParaRPr lang="ko-KR" sz="1800" b="0" strike="noStrike" spc="-1">
               <a:solidFill>
@@ -8209,7 +8634,7 @@
                 <a:latin typeface="Arial"/>
                 <a:ea typeface="Noto Sans CJK SC Regular"/>
               </a:rPr>
-              <a:t>cudnn-8.0-linux-x64-v5.1.tgz</a:t>
+              <a:t>cudnn-8.0-linux-x64-v6.0.tgz</a:t>
             </a:r>
             <a:endParaRPr lang="en-US" sz="2000" b="0" strike="noStrike" spc="-1">
               <a:uFill>
@@ -8291,15 +8716,35 @@
                 <a:latin typeface="Arial"/>
                 <a:ea typeface="Noto Sans CJK SC Regular"/>
               </a:rPr>
-              <a:t>~$ echo “</a:t>
+              <a:t>~$ echo </a:t>
+            </a:r>
+            <a:r>
+              <a:rPr lang="en-US" sz="2000" spc="-1" smtClean="0">
+                <a:uFill>
+                  <a:solidFill>
+                    <a:srgbClr val="FFFFFF"/>
+                  </a:solidFill>
+                </a:uFill>
+                <a:latin typeface="Arial"/>
+                <a:ea typeface="Noto Sans CJK SC Regular"/>
+              </a:rPr>
+              <a:t>‘</a:t>
+            </a:r>
+            <a:r>
+              <a:rPr lang="en-US" altLang="ko-KR" sz="2000" smtClean="0"/>
+              <a:t>export </a:t>
             </a:r>
             <a:r>
               <a:rPr lang="en-US" altLang="ko-KR" sz="2000"/>
-              <a:t>export LD_LIBRARY_PATH=${LD_LIBRARY_PATH}:/</a:t>
+              <a:t>LD_LIBRARY_PATH=${LD_LIBRARY_PATH}:/</a:t>
             </a:r>
             <a:r>
               <a:rPr lang="en-US" altLang="ko-KR" sz="2000" smtClean="0"/>
-              <a:t>usr/local/cuda/lib64” &gt;&gt; ~/.bashrc</a:t>
+              <a:t>usr/local/cuda/lib64’ </a:t>
+            </a:r>
+            <a:r>
+              <a:rPr lang="en-US" altLang="ko-KR" sz="2000" smtClean="0"/>
+              <a:t>&gt;&gt; ~/.bashrc</a:t>
             </a:r>
           </a:p>
           <a:p>
@@ -8318,7 +8763,55 @@
                 <a:latin typeface="Arial"/>
                 <a:ea typeface="Noto Sans CJK SC Regular"/>
               </a:rPr>
-              <a:t>~$ echo “export CUDA_HOME=/usr/local/cuda” &gt;&gt; ~/.bashrc   </a:t>
+              <a:t>~$ echo </a:t>
+            </a:r>
+            <a:r>
+              <a:rPr lang="en-US" sz="2000" b="0" strike="noStrike" spc="-1" smtClean="0">
+                <a:uFill>
+                  <a:solidFill>
+                    <a:srgbClr val="FFFFFF"/>
+                  </a:solidFill>
+                </a:uFill>
+                <a:latin typeface="Arial"/>
+                <a:ea typeface="Noto Sans CJK SC Regular"/>
+              </a:rPr>
+              <a:t>‘export </a:t>
+            </a:r>
+            <a:r>
+              <a:rPr lang="en-US" sz="2000" b="0" strike="noStrike" spc="-1" smtClean="0">
+                <a:uFill>
+                  <a:solidFill>
+                    <a:srgbClr val="FFFFFF"/>
+                  </a:solidFill>
+                </a:uFill>
+                <a:latin typeface="Arial"/>
+                <a:ea typeface="Noto Sans CJK SC Regular"/>
+              </a:rPr>
+              <a:t>CUDA_HOME=/</a:t>
+            </a:r>
+            <a:r>
+              <a:rPr lang="en-US" sz="2000" b="0" strike="noStrike" spc="-1" smtClean="0">
+                <a:uFill>
+                  <a:solidFill>
+                    <a:srgbClr val="FFFFFF"/>
+                  </a:solidFill>
+                </a:uFill>
+                <a:latin typeface="Arial"/>
+                <a:ea typeface="Noto Sans CJK SC Regular"/>
+              </a:rPr>
+              <a:t>usr/local/cuda’ </a:t>
+            </a:r>
+            <a:r>
+              <a:rPr lang="en-US" sz="2000" b="0" strike="noStrike" spc="-1" smtClean="0">
+                <a:uFill>
+                  <a:solidFill>
+                    <a:srgbClr val="FFFFFF"/>
+                  </a:solidFill>
+                </a:uFill>
+                <a:latin typeface="Arial"/>
+                <a:ea typeface="Noto Sans CJK SC Regular"/>
+              </a:rPr>
+              <a:t>&gt;&gt; ~/.bashrc   </a:t>
             </a:r>
             <a:endParaRPr lang="en-US" sz="2000" b="0" strike="noStrike" spc="-1">
               <a:uFill>
@@ -8514,7 +9007,7 @@
       </p:grpSpPr>
       <p:pic>
         <p:nvPicPr>
-          <p:cNvPr id="48" name="그림 3"/>
+          <p:cNvPr id="45" name="그림 3"/>
           <p:cNvPicPr/>
           <p:nvPr/>
         </p:nvPicPr>
@@ -8537,7 +9030,7 @@
       </p:pic>
       <p:sp>
         <p:nvSpPr>
-          <p:cNvPr id="49" name="TextShape 1"/>
+          <p:cNvPr id="46" name="TextShape 1"/>
           <p:cNvSpPr txBox="1"/>
           <p:nvPr/>
         </p:nvSpPr>
@@ -8575,7 +9068,63 @@
                 </a:uFill>
                 <a:latin typeface="Arial"/>
               </a:rPr>
-              <a:t>Tensorflow</a:t>
+              <a:t>Tensorflow </a:t>
+            </a:r>
+            <a:r>
+              <a:rPr lang="ko-KR" sz="4400" b="0" strike="noStrike" spc="-1" smtClean="0">
+                <a:solidFill>
+                  <a:srgbClr val="000000"/>
+                </a:solidFill>
+                <a:uFill>
+                  <a:solidFill>
+                    <a:srgbClr val="FFFFFF"/>
+                  </a:solidFill>
+                </a:uFill>
+                <a:latin typeface="Arial"/>
+              </a:rPr>
+              <a:t>install(</a:t>
+            </a:r>
+            <a:r>
+              <a:rPr lang="en-US" altLang="ko-KR" sz="4400" b="0" strike="noStrike" spc="-1" smtClean="0">
+                <a:solidFill>
+                  <a:srgbClr val="000000"/>
+                </a:solidFill>
+                <a:uFill>
+                  <a:solidFill>
+                    <a:srgbClr val="FFFFFF"/>
+                  </a:solidFill>
+                </a:uFill>
+                <a:latin typeface="Arial"/>
+              </a:rPr>
+              <a:t>1.7.0 </a:t>
+            </a:r>
+            <a:r>
+              <a:rPr lang="ko-KR" sz="4400" b="0" strike="noStrike" spc="-1" smtClean="0">
+                <a:solidFill>
+                  <a:srgbClr val="000000"/>
+                </a:solidFill>
+                <a:uFill>
+                  <a:solidFill>
+                    <a:srgbClr val="FFFFFF"/>
+                  </a:solidFill>
+                </a:uFill>
+                <a:latin typeface="Arial"/>
+              </a:rPr>
+              <a:t>GPU </a:t>
+            </a:r>
+            <a:r>
+              <a:rPr lang="ko-KR" sz="4400" b="0" strike="noStrike" spc="-1">
+                <a:solidFill>
+                  <a:srgbClr val="000000"/>
+                </a:solidFill>
+                <a:uFill>
+                  <a:solidFill>
+                    <a:srgbClr val="FFFFFF"/>
+                  </a:solidFill>
+                </a:uFill>
+                <a:latin typeface="Arial"/>
+              </a:rPr>
+              <a:t>version)</a:t>
             </a:r>
             <a:endParaRPr lang="ko-KR" sz="1800" b="0" strike="noStrike" spc="-1">
               <a:solidFill>
@@ -8593,14 +9142,14 @@
       </p:sp>
       <p:sp>
         <p:nvSpPr>
-          <p:cNvPr id="50" name="TextShape 2"/>
+          <p:cNvPr id="47" name="TextShape 2"/>
           <p:cNvSpPr txBox="1"/>
           <p:nvPr/>
         </p:nvSpPr>
         <p:spPr>
           <a:xfrm>
-            <a:off x="504360" y="1769040"/>
-            <a:ext cx="4463640" cy="4384080"/>
+            <a:off x="504360" y="1769039"/>
+            <a:ext cx="9071280" cy="5395174"/>
           </a:xfrm>
           <a:prstGeom prst="rect">
             <a:avLst/>
@@ -8620,7 +9169,7 @@
               </a:lnSpc>
             </a:pPr>
             <a:r>
-              <a:rPr lang="en-US" sz="3200" b="0" strike="noStrike" spc="-1">
+              <a:rPr lang="en-US" sz="2000" b="0" strike="noStrike" spc="-1">
                 <a:solidFill>
                   <a:srgbClr val="000000"/>
                 </a:solidFill>
@@ -8632,13 +9181,10 @@
                 <a:latin typeface="Arial"/>
                 <a:ea typeface="Noto Sans CJK SC Regular"/>
               </a:rPr>
-              <a:t>tensor </a:t>
-            </a:r>
-            <a:r>
-              <a:rPr lang="en-US" sz="3200" b="0" strike="noStrike" spc="-1" smtClean="0">
-                <a:solidFill>
-                  <a:srgbClr val="000000"/>
-                </a:solidFill>
+              <a:t>1. </a:t>
+            </a:r>
+            <a:r>
+              <a:rPr lang="en-US" sz="2000" b="0" u="sng" strike="noStrike" spc="-1">
                 <a:uFill>
                   <a:solidFill>
                     <a:srgbClr val="FFFFFF"/>
@@ -8646,21 +9192,495 @@
                 </a:uFill>
                 <a:latin typeface="Arial"/>
                 <a:ea typeface="Noto Sans CJK SC Regular"/>
-              </a:rPr>
-              <a:t>= </a:t>
-            </a:r>
-            <a:r>
-              <a:rPr lang="ko-KR" altLang="en-US" sz="3200" smtClean="0"/>
-              <a:t>데이터를 </a:t>
-            </a:r>
-            <a:r>
-              <a:rPr lang="ko-KR" altLang="en-US" sz="3200"/>
-              <a:t>표현</a:t>
-            </a:r>
-            <a:endParaRPr lang="en-US" sz="3200" b="0" strike="noStrike" spc="-1" smtClean="0">
-              <a:solidFill>
-                <a:srgbClr val="000000"/>
-              </a:solidFill>
+                <a:hlinkClick r:id="rId3"/>
+              </a:rPr>
+              <a:t>cuda </a:t>
+            </a:r>
+            <a:r>
+              <a:rPr lang="en-US" sz="2000" u="sng" spc="-1">
+                <a:uFill>
+                  <a:solidFill>
+                    <a:srgbClr val="FFFFFF"/>
+                  </a:solidFill>
+                </a:uFill>
+                <a:latin typeface="Arial"/>
+                <a:ea typeface="Noto Sans CJK SC Regular"/>
+                <a:hlinkClick r:id="rId3"/>
+              </a:rPr>
+              <a:t>9</a:t>
+            </a:r>
+            <a:r>
+              <a:rPr lang="en-US" sz="2000" b="0" u="sng" strike="noStrike" spc="-1" smtClean="0">
+                <a:uFill>
+                  <a:solidFill>
+                    <a:srgbClr val="FFFFFF"/>
+                  </a:solidFill>
+                </a:uFill>
+                <a:latin typeface="Arial"/>
+                <a:ea typeface="Noto Sans CJK SC Regular"/>
+                <a:hlinkClick r:id="rId3"/>
+              </a:rPr>
+              <a:t>.0</a:t>
+            </a:r>
+            <a:r>
+              <a:rPr lang="en-US" sz="2000" b="0" strike="noStrike" spc="-1" smtClean="0">
+                <a:uFill>
+                  <a:solidFill>
+                    <a:srgbClr val="FFFFFF"/>
+                  </a:solidFill>
+                </a:uFill>
+                <a:latin typeface="Arial"/>
+                <a:ea typeface="Noto Sans CJK SC Regular"/>
+              </a:rPr>
+              <a:t> </a:t>
+            </a:r>
+            <a:r>
+              <a:rPr lang="en-US" sz="2000" b="0" strike="noStrike" spc="-1" smtClean="0">
+                <a:uFill>
+                  <a:solidFill>
+                    <a:srgbClr val="FFFFFF"/>
+                  </a:solidFill>
+                </a:uFill>
+                <a:latin typeface="Arial"/>
+                <a:ea typeface="Noto Sans CJK SC Regular"/>
+              </a:rPr>
+              <a:t>Download</a:t>
+            </a:r>
+            <a:endParaRPr lang="en-US" sz="2000" b="0" strike="noStrike" spc="-1">
+              <a:uFill>
+                <a:solidFill>
+                  <a:srgbClr val="FFFFFF"/>
+                </a:solidFill>
+              </a:uFill>
+              <a:latin typeface="Arial"/>
+            </a:endParaRPr>
+          </a:p>
+          <a:p>
+            <a:pPr>
+              <a:lnSpc>
+                <a:spcPct val="100000"/>
+              </a:lnSpc>
+            </a:pPr>
+            <a:r>
+              <a:rPr lang="en-US" sz="2000" b="0" strike="noStrike" spc="-1">
+                <a:uFill>
+                  <a:solidFill>
+                    <a:srgbClr val="FFFFFF"/>
+                  </a:solidFill>
+                </a:uFill>
+                <a:latin typeface="Arial"/>
+                <a:ea typeface="Noto Sans CJK SC Regular"/>
+              </a:rPr>
+              <a:t>2. </a:t>
+            </a:r>
+            <a:r>
+              <a:rPr lang="en-US" sz="2000" b="0" u="sng" strike="noStrike" spc="-1">
+                <a:uFill>
+                  <a:solidFill>
+                    <a:srgbClr val="FFFFFF"/>
+                  </a:solidFill>
+                </a:uFill>
+                <a:latin typeface="Arial"/>
+                <a:ea typeface="Noto Sans CJK SC Regular"/>
+                <a:hlinkClick r:id="rId4"/>
+              </a:rPr>
+              <a:t>cudnn </a:t>
+            </a:r>
+            <a:r>
+              <a:rPr lang="en-US" sz="2000" b="0" u="sng" strike="noStrike" spc="-1" smtClean="0">
+                <a:uFill>
+                  <a:solidFill>
+                    <a:srgbClr val="FFFFFF"/>
+                  </a:solidFill>
+                </a:uFill>
+                <a:latin typeface="Arial"/>
+                <a:ea typeface="Noto Sans CJK SC Regular"/>
+                <a:hlinkClick r:id="rId4"/>
+              </a:rPr>
+              <a:t>7.1.2</a:t>
+            </a:r>
+            <a:r>
+              <a:rPr lang="en-US" sz="2000" b="0" strike="noStrike" spc="-1" smtClean="0">
+                <a:uFill>
+                  <a:solidFill>
+                    <a:srgbClr val="FFFFFF"/>
+                  </a:solidFill>
+                </a:uFill>
+                <a:latin typeface="Arial"/>
+                <a:ea typeface="Noto Sans CJK SC Regular"/>
+              </a:rPr>
+              <a:t> </a:t>
+            </a:r>
+            <a:r>
+              <a:rPr lang="en-US" sz="2000" b="0" strike="noStrike" spc="-1">
+                <a:uFill>
+                  <a:solidFill>
+                    <a:srgbClr val="FFFFFF"/>
+                  </a:solidFill>
+                </a:uFill>
+                <a:latin typeface="Arial"/>
+                <a:ea typeface="Noto Sans CJK SC Regular"/>
+              </a:rPr>
+              <a:t>Download</a:t>
+            </a:r>
+            <a:endParaRPr lang="en-US" sz="2000" b="0" strike="noStrike" spc="-1">
+              <a:uFill>
+                <a:solidFill>
+                  <a:srgbClr val="FFFFFF"/>
+                </a:solidFill>
+              </a:uFill>
+              <a:latin typeface="Arial"/>
+            </a:endParaRPr>
+          </a:p>
+          <a:p>
+            <a:pPr>
+              <a:lnSpc>
+                <a:spcPct val="100000"/>
+              </a:lnSpc>
+            </a:pPr>
+            <a:r>
+              <a:rPr lang="en-US" sz="2000" b="0" strike="noStrike" spc="-1">
+                <a:uFill>
+                  <a:solidFill>
+                    <a:srgbClr val="FFFFFF"/>
+                  </a:solidFill>
+                </a:uFill>
+                <a:latin typeface="Arial"/>
+                <a:ea typeface="Noto Sans CJK SC Regular"/>
+              </a:rPr>
+              <a:t>~$ cd ~/Download</a:t>
+            </a:r>
+            <a:endParaRPr lang="en-US" sz="2000" b="0" strike="noStrike" spc="-1">
+              <a:uFill>
+                <a:solidFill>
+                  <a:srgbClr val="FFFFFF"/>
+                </a:solidFill>
+              </a:uFill>
+              <a:latin typeface="Arial"/>
+            </a:endParaRPr>
+          </a:p>
+          <a:p>
+            <a:pPr>
+              <a:lnSpc>
+                <a:spcPct val="100000"/>
+              </a:lnSpc>
+            </a:pPr>
+            <a:r>
+              <a:rPr lang="en-US" sz="2000" b="0" strike="noStrike" spc="-1">
+                <a:uFill>
+                  <a:solidFill>
+                    <a:srgbClr val="FFFFFF"/>
+                  </a:solidFill>
+                </a:uFill>
+                <a:latin typeface="Arial"/>
+                <a:ea typeface="Noto Sans CJK SC Regular"/>
+              </a:rPr>
+              <a:t>~$ chmod +x </a:t>
+            </a:r>
+            <a:r>
+              <a:rPr lang="en-US" sz="2000" b="0" strike="noStrike" spc="-1" smtClean="0">
+                <a:uFill>
+                  <a:solidFill>
+                    <a:srgbClr val="FFFFFF"/>
+                  </a:solidFill>
+                </a:uFill>
+                <a:latin typeface="Arial"/>
+                <a:ea typeface="Noto Sans CJK SC Regular"/>
+              </a:rPr>
+              <a:t>cuda_9.0.176_384_linux.run</a:t>
+            </a:r>
+            <a:endParaRPr lang="en-US" sz="2000" b="0" strike="noStrike" spc="-1">
+              <a:uFill>
+                <a:solidFill>
+                  <a:srgbClr val="FFFFFF"/>
+                </a:solidFill>
+              </a:uFill>
+              <a:latin typeface="Arial"/>
+            </a:endParaRPr>
+          </a:p>
+          <a:p>
+            <a:pPr>
+              <a:lnSpc>
+                <a:spcPct val="100000"/>
+              </a:lnSpc>
+            </a:pPr>
+            <a:r>
+              <a:rPr lang="en-US" sz="2000" b="0" strike="noStrike" spc="-1">
+                <a:uFill>
+                  <a:solidFill>
+                    <a:srgbClr val="FFFFFF"/>
+                  </a:solidFill>
+                </a:uFill>
+                <a:latin typeface="Arial"/>
+                <a:ea typeface="Noto Sans CJK SC Regular"/>
+              </a:rPr>
+              <a:t>~$ ./</a:t>
+            </a:r>
+            <a:r>
+              <a:rPr lang="en-US" sz="2000" b="0" strike="noStrike" spc="-1" smtClean="0">
+                <a:uFill>
+                  <a:solidFill>
+                    <a:srgbClr val="FFFFFF"/>
+                  </a:solidFill>
+                </a:uFill>
+                <a:latin typeface="Arial"/>
+                <a:ea typeface="Noto Sans CJK SC Regular"/>
+              </a:rPr>
+              <a:t>cuda_</a:t>
+            </a:r>
+            <a:r>
+              <a:rPr lang="en-US" altLang="ko-KR" sz="2000" spc="-1">
+                <a:uFill>
+                  <a:solidFill>
+                    <a:srgbClr val="FFFFFF"/>
+                  </a:solidFill>
+                </a:uFill>
+                <a:ea typeface="Noto Sans CJK SC Regular"/>
+              </a:rPr>
+              <a:t>9.0.176_384</a:t>
+            </a:r>
+            <a:r>
+              <a:rPr lang="en-US" sz="2000" b="0" strike="noStrike" spc="-1" smtClean="0">
+                <a:uFill>
+                  <a:solidFill>
+                    <a:srgbClr val="FFFFFF"/>
+                  </a:solidFill>
+                </a:uFill>
+                <a:latin typeface="Arial"/>
+                <a:ea typeface="Noto Sans CJK SC Regular"/>
+              </a:rPr>
+              <a:t>_linux.run</a:t>
+            </a:r>
+            <a:endParaRPr lang="en-US" sz="2000" b="0" strike="noStrike" spc="-1">
+              <a:uFill>
+                <a:solidFill>
+                  <a:srgbClr val="FFFFFF"/>
+                </a:solidFill>
+              </a:uFill>
+              <a:latin typeface="Arial"/>
+            </a:endParaRPr>
+          </a:p>
+          <a:p>
+            <a:pPr>
+              <a:lnSpc>
+                <a:spcPct val="100000"/>
+              </a:lnSpc>
+            </a:pPr>
+            <a:r>
+              <a:rPr lang="en-US" sz="2000" spc="-1">
+                <a:uFill>
+                  <a:solidFill>
+                    <a:srgbClr val="FFFFFF"/>
+                  </a:solidFill>
+                </a:uFill>
+                <a:latin typeface="Arial"/>
+                <a:ea typeface="Noto Sans CJK SC Regular"/>
+              </a:rPr>
+              <a:t> </a:t>
+            </a:r>
+            <a:r>
+              <a:rPr lang="en-US" sz="2000" spc="-1" smtClean="0">
+                <a:uFill>
+                  <a:solidFill>
+                    <a:srgbClr val="FFFFFF"/>
+                  </a:solidFill>
+                </a:uFill>
+                <a:latin typeface="Arial"/>
+                <a:ea typeface="Noto Sans CJK SC Regular"/>
+              </a:rPr>
+              <a:t>   </a:t>
+            </a:r>
+            <a:r>
+              <a:rPr lang="en-US" sz="2000" b="0" strike="noStrike" spc="-1" smtClean="0">
+                <a:uFill>
+                  <a:solidFill>
+                    <a:srgbClr val="FFFFFF"/>
+                  </a:solidFill>
+                </a:uFill>
+                <a:latin typeface="Arial"/>
+                <a:ea typeface="Noto Sans CJK SC Regular"/>
+              </a:rPr>
+              <a:t>accept </a:t>
+            </a:r>
+            <a:r>
+              <a:rPr lang="en-US" sz="2000" b="0" strike="noStrike" spc="-1">
+                <a:uFill>
+                  <a:solidFill>
+                    <a:srgbClr val="FFFFFF"/>
+                  </a:solidFill>
+                </a:uFill>
+                <a:latin typeface="Arial"/>
+                <a:ea typeface="Noto Sans CJK SC Regular"/>
+              </a:rPr>
+              <a:t>→ enter </a:t>
+            </a:r>
+            <a:endParaRPr lang="en-US" sz="2000" b="0" strike="noStrike" spc="-1">
+              <a:uFill>
+                <a:solidFill>
+                  <a:srgbClr val="FFFFFF"/>
+                </a:solidFill>
+              </a:uFill>
+              <a:latin typeface="Arial"/>
+            </a:endParaRPr>
+          </a:p>
+          <a:p>
+            <a:pPr>
+              <a:lnSpc>
+                <a:spcPct val="100000"/>
+              </a:lnSpc>
+            </a:pPr>
+            <a:r>
+              <a:rPr lang="en-US" sz="2000" b="0" strike="noStrike" spc="-1">
+                <a:uFill>
+                  <a:solidFill>
+                    <a:srgbClr val="FFFFFF"/>
+                  </a:solidFill>
+                </a:uFill>
+                <a:latin typeface="Arial"/>
+                <a:ea typeface="Noto Sans CJK SC Regular"/>
+              </a:rPr>
+              <a:t>    n → enter</a:t>
+            </a:r>
+            <a:endParaRPr lang="en-US" sz="2000" b="0" strike="noStrike" spc="-1">
+              <a:uFill>
+                <a:solidFill>
+                  <a:srgbClr val="FFFFFF"/>
+                </a:solidFill>
+              </a:uFill>
+              <a:latin typeface="Arial"/>
+            </a:endParaRPr>
+          </a:p>
+          <a:p>
+            <a:pPr>
+              <a:lnSpc>
+                <a:spcPct val="100000"/>
+              </a:lnSpc>
+            </a:pPr>
+            <a:r>
+              <a:rPr lang="en-US" sz="2000" b="0" strike="noStrike" spc="-1">
+                <a:uFill>
+                  <a:solidFill>
+                    <a:srgbClr val="FFFFFF"/>
+                  </a:solidFill>
+                </a:uFill>
+                <a:latin typeface="Arial"/>
+                <a:ea typeface="Noto Sans CJK SC Regular"/>
+              </a:rPr>
+              <a:t>    y → enter → enter →y →  password → enter  → y → enter → n → </a:t>
+            </a:r>
+            <a:r>
+              <a:rPr lang="en-US" sz="2000" b="0" strike="noStrike" spc="-1" smtClean="0">
+                <a:uFill>
+                  <a:solidFill>
+                    <a:srgbClr val="FFFFFF"/>
+                  </a:solidFill>
+                </a:uFill>
+                <a:latin typeface="Arial"/>
+                <a:ea typeface="Noto Sans CJK SC Regular"/>
+              </a:rPr>
+              <a:t>enter</a:t>
+            </a:r>
+          </a:p>
+          <a:p>
+            <a:pPr>
+              <a:lnSpc>
+                <a:spcPct val="100000"/>
+              </a:lnSpc>
+            </a:pPr>
+            <a:endParaRPr lang="en-US" sz="2000" b="0" strike="noStrike" spc="-1">
+              <a:uFill>
+                <a:solidFill>
+                  <a:srgbClr val="FFFFFF"/>
+                </a:solidFill>
+              </a:uFill>
+              <a:latin typeface="Arial"/>
+            </a:endParaRPr>
+          </a:p>
+          <a:p>
+            <a:pPr>
+              <a:lnSpc>
+                <a:spcPct val="100000"/>
+              </a:lnSpc>
+            </a:pPr>
+            <a:r>
+              <a:rPr lang="en-US" sz="2000" b="0" strike="noStrike" spc="-1">
+                <a:uFill>
+                  <a:solidFill>
+                    <a:srgbClr val="FFFFFF"/>
+                  </a:solidFill>
+                </a:uFill>
+                <a:latin typeface="Arial"/>
+                <a:ea typeface="Noto Sans CJK SC Regular"/>
+              </a:rPr>
+              <a:t>~$ tar xvfz </a:t>
+            </a:r>
+            <a:r>
+              <a:rPr lang="en-US" sz="2000" b="0" strike="noStrike" spc="-1" smtClean="0">
+                <a:uFill>
+                  <a:solidFill>
+                    <a:srgbClr val="FFFFFF"/>
+                  </a:solidFill>
+                </a:uFill>
+                <a:latin typeface="Arial"/>
+                <a:ea typeface="Noto Sans CJK SC Regular"/>
+              </a:rPr>
+              <a:t>cudnn-9.0-linux-x64-v7.1.tgz</a:t>
+            </a:r>
+            <a:endParaRPr lang="en-US" sz="2000" b="0" strike="noStrike" spc="-1">
+              <a:uFill>
+                <a:solidFill>
+                  <a:srgbClr val="FFFFFF"/>
+                </a:solidFill>
+              </a:uFill>
+              <a:latin typeface="Arial"/>
+            </a:endParaRPr>
+          </a:p>
+          <a:p>
+            <a:pPr>
+              <a:lnSpc>
+                <a:spcPct val="100000"/>
+              </a:lnSpc>
+            </a:pPr>
+            <a:r>
+              <a:rPr lang="en-US" sz="2000" b="0" strike="noStrike" spc="-1">
+                <a:uFill>
+                  <a:solidFill>
+                    <a:srgbClr val="FFFFFF"/>
+                  </a:solidFill>
+                </a:uFill>
+                <a:latin typeface="Arial"/>
+                <a:ea typeface="Noto Sans CJK SC Regular"/>
+              </a:rPr>
+              <a:t>~$ sudo mv cuda/include/* /usr/local/cuda/include</a:t>
+            </a:r>
+            <a:endParaRPr lang="en-US" sz="2000" b="0" strike="noStrike" spc="-1">
+              <a:uFill>
+                <a:solidFill>
+                  <a:srgbClr val="FFFFFF"/>
+                </a:solidFill>
+              </a:uFill>
+              <a:latin typeface="Arial"/>
+            </a:endParaRPr>
+          </a:p>
+          <a:p>
+            <a:pPr>
+              <a:lnSpc>
+                <a:spcPct val="100000"/>
+              </a:lnSpc>
+            </a:pPr>
+            <a:r>
+              <a:rPr lang="en-US" sz="2000" b="0" strike="noStrike" spc="-1">
+                <a:uFill>
+                  <a:solidFill>
+                    <a:srgbClr val="FFFFFF"/>
+                  </a:solidFill>
+                </a:uFill>
+                <a:latin typeface="Arial"/>
+                <a:ea typeface="Noto Sans CJK SC Regular"/>
+              </a:rPr>
+              <a:t>~$ sudo mv cuda/lib64/* /usr/local/cuda/lib64 </a:t>
+            </a:r>
+            <a:endParaRPr lang="en-US" sz="2000" b="0" strike="noStrike" spc="-1" smtClean="0">
               <a:uFill>
                 <a:solidFill>
                   <a:srgbClr val="FFFFFF"/>
@@ -8676,10 +9696,114 @@
                 <a:spcPct val="100000"/>
               </a:lnSpc>
             </a:pPr>
-            <a:endParaRPr lang="en-US" sz="3200" b="0" strike="noStrike" spc="-1">
-              <a:solidFill>
-                <a:srgbClr val="000000"/>
-              </a:solidFill>
+            <a:r>
+              <a:rPr lang="en-US" sz="2000" spc="-1" smtClean="0">
+                <a:uFill>
+                  <a:solidFill>
+                    <a:srgbClr val="FFFFFF"/>
+                  </a:solidFill>
+                </a:uFill>
+                <a:latin typeface="Arial"/>
+                <a:ea typeface="Noto Sans CJK SC Regular"/>
+              </a:rPr>
+              <a:t>~$ echo </a:t>
+            </a:r>
+            <a:r>
+              <a:rPr lang="en-US" sz="2000" spc="-1" smtClean="0">
+                <a:uFill>
+                  <a:solidFill>
+                    <a:srgbClr val="FFFFFF"/>
+                  </a:solidFill>
+                </a:uFill>
+                <a:latin typeface="Arial"/>
+                <a:ea typeface="Noto Sans CJK SC Regular"/>
+              </a:rPr>
+              <a:t>‘</a:t>
+            </a:r>
+            <a:r>
+              <a:rPr lang="en-US" altLang="ko-KR" sz="2000" smtClean="0"/>
+              <a:t>export </a:t>
+            </a:r>
+            <a:r>
+              <a:rPr lang="en-US" altLang="ko-KR" sz="2000"/>
+              <a:t>LD_LIBRARY_PATH=${LD_LIBRARY_PATH}:/</a:t>
+            </a:r>
+            <a:r>
+              <a:rPr lang="en-US" altLang="ko-KR" sz="2000" smtClean="0"/>
+              <a:t>usr/local/cuda/lib64’ </a:t>
+            </a:r>
+            <a:r>
+              <a:rPr lang="en-US" altLang="ko-KR" sz="2000" smtClean="0"/>
+              <a:t>&gt;&gt; ~/.bashrc</a:t>
+            </a:r>
+          </a:p>
+          <a:p>
+            <a:pPr>
+              <a:lnSpc>
+                <a:spcPct val="100000"/>
+              </a:lnSpc>
+            </a:pPr>
+            <a:r>
+              <a:rPr lang="en-US" sz="2000" b="0" strike="noStrike" spc="-1" smtClean="0">
+                <a:uFill>
+                  <a:solidFill>
+                    <a:srgbClr val="FFFFFF"/>
+                  </a:solidFill>
+                </a:uFill>
+                <a:latin typeface="Arial"/>
+                <a:ea typeface="Noto Sans CJK SC Regular"/>
+              </a:rPr>
+              <a:t>~$ echo </a:t>
+            </a:r>
+            <a:r>
+              <a:rPr lang="en-US" sz="2000" b="0" strike="noStrike" spc="-1" smtClean="0">
+                <a:uFill>
+                  <a:solidFill>
+                    <a:srgbClr val="FFFFFF"/>
+                  </a:solidFill>
+                </a:uFill>
+                <a:latin typeface="Arial"/>
+                <a:ea typeface="Noto Sans CJK SC Regular"/>
+              </a:rPr>
+              <a:t>‘export </a:t>
+            </a:r>
+            <a:r>
+              <a:rPr lang="en-US" sz="2000" b="0" strike="noStrike" spc="-1" smtClean="0">
+                <a:uFill>
+                  <a:solidFill>
+                    <a:srgbClr val="FFFFFF"/>
+                  </a:solidFill>
+                </a:uFill>
+                <a:latin typeface="Arial"/>
+                <a:ea typeface="Noto Sans CJK SC Regular"/>
+              </a:rPr>
+              <a:t>CUDA_HOME=/</a:t>
+            </a:r>
+            <a:r>
+              <a:rPr lang="en-US" sz="2000" b="0" strike="noStrike" spc="-1" smtClean="0">
+                <a:uFill>
+                  <a:solidFill>
+                    <a:srgbClr val="FFFFFF"/>
+                  </a:solidFill>
+                </a:uFill>
+                <a:latin typeface="Arial"/>
+                <a:ea typeface="Noto Sans CJK SC Regular"/>
+              </a:rPr>
+              <a:t>usr/local/cuda’ </a:t>
+            </a:r>
+            <a:r>
+              <a:rPr lang="en-US" sz="2000" b="0" strike="noStrike" spc="-1" smtClean="0">
+                <a:uFill>
+                  <a:solidFill>
+                    <a:srgbClr val="FFFFFF"/>
+                  </a:solidFill>
+                </a:uFill>
+                <a:latin typeface="Arial"/>
+                <a:ea typeface="Noto Sans CJK SC Regular"/>
+              </a:rPr>
+              <a:t>&gt;&gt; ~/.bashrc   </a:t>
+            </a:r>
+            <a:endParaRPr lang="en-US" sz="2000" b="0" strike="noStrike" spc="-1">
               <a:uFill>
                 <a:solidFill>
                   <a:srgbClr val="FFFFFF"/>
@@ -8694,10 +9818,31 @@
                 <a:spcPct val="100000"/>
               </a:lnSpc>
             </a:pPr>
-            <a:endParaRPr lang="en-US" sz="3200" b="0" strike="noStrike" spc="-1">
-              <a:solidFill>
-                <a:srgbClr val="000000"/>
-              </a:solidFill>
+            <a:r>
+              <a:rPr lang="en-US" sz="2000" b="0" strike="noStrike" spc="-1">
+                <a:uFill>
+                  <a:solidFill>
+                    <a:srgbClr val="FFFFFF"/>
+                  </a:solidFill>
+                </a:uFill>
+                <a:latin typeface="Arial"/>
+                <a:ea typeface="Noto Sans CJK SC Regular"/>
+              </a:rPr>
+              <a:t>~$ sudo apt-get install </a:t>
+            </a:r>
+            <a:r>
+              <a:rPr lang="en-US" sz="2000" b="0" strike="noStrike" spc="-1" smtClean="0">
+                <a:uFill>
+                  <a:solidFill>
+                    <a:srgbClr val="FFFFFF"/>
+                  </a:solidFill>
+                </a:uFill>
+                <a:latin typeface="Arial"/>
+                <a:ea typeface="Noto Sans CJK SC Regular"/>
+              </a:rPr>
+              <a:t>python3-pip</a:t>
+            </a:r>
+            <a:endParaRPr lang="en-US" sz="2000" b="0" strike="noStrike" spc="-1">
               <a:uFill>
                 <a:solidFill>
                   <a:srgbClr val="FFFFFF"/>
@@ -8712,10 +9857,67 @@
                 <a:spcPct val="100000"/>
               </a:lnSpc>
             </a:pPr>
-            <a:endParaRPr lang="en-US" sz="3200" b="0" strike="noStrike" spc="-1">
-              <a:solidFill>
-                <a:srgbClr val="000000"/>
-              </a:solidFill>
+            <a:r>
+              <a:rPr lang="en-US" sz="2000" b="0" strike="noStrike" spc="-1">
+                <a:uFill>
+                  <a:solidFill>
+                    <a:srgbClr val="FFFFFF"/>
+                  </a:solidFill>
+                </a:uFill>
+                <a:latin typeface="Arial"/>
+                <a:ea typeface="Noto Sans CJK SC Regular"/>
+              </a:rPr>
+              <a:t>~$ sudo </a:t>
+            </a:r>
+            <a:r>
+              <a:rPr lang="en-US" sz="2000" b="0" strike="noStrike" spc="-1" smtClean="0">
+                <a:uFill>
+                  <a:solidFill>
+                    <a:srgbClr val="FFFFFF"/>
+                  </a:solidFill>
+                </a:uFill>
+                <a:latin typeface="Arial"/>
+                <a:ea typeface="Noto Sans CJK SC Regular"/>
+              </a:rPr>
+              <a:t>pip3 </a:t>
+            </a:r>
+            <a:r>
+              <a:rPr lang="en-US" sz="2000" b="0" strike="noStrike" spc="-1">
+                <a:uFill>
+                  <a:solidFill>
+                    <a:srgbClr val="FFFFFF"/>
+                  </a:solidFill>
+                </a:uFill>
+                <a:latin typeface="Arial"/>
+                <a:ea typeface="Noto Sans CJK SC Regular"/>
+              </a:rPr>
+              <a:t>install --upgrade </a:t>
+            </a:r>
+            <a:r>
+              <a:rPr lang="en-US" sz="2000" spc="-1" smtClean="0">
+                <a:uFill>
+                  <a:solidFill>
+                    <a:srgbClr val="FFFFFF"/>
+                  </a:solidFill>
+                </a:uFill>
+                <a:latin typeface="Arial"/>
+                <a:ea typeface="Noto Sans CJK SC Regular"/>
+              </a:rPr>
+              <a:t>setuptools </a:t>
+            </a:r>
+            <a:r>
+              <a:rPr lang="en-US" sz="2000" b="0" strike="noStrike" spc="-1" smtClean="0">
+                <a:uFill>
+                  <a:solidFill>
+                    <a:srgbClr val="FFFFFF"/>
+                  </a:solidFill>
+                </a:uFill>
+                <a:latin typeface="Arial"/>
+                <a:ea typeface="Noto Sans CJK SC Regular"/>
+              </a:rPr>
+              <a:t>pip</a:t>
+            </a:r>
+            <a:endParaRPr lang="en-US" sz="2000" b="0" strike="noStrike" spc="-1">
               <a:uFill>
                 <a:solidFill>
                   <a:srgbClr val="FFFFFF"/>
@@ -8730,65 +9932,8 @@
                 <a:spcPct val="100000"/>
               </a:lnSpc>
             </a:pPr>
-            <a:endParaRPr lang="en-US" sz="3200" b="0" strike="noStrike" spc="-1">
-              <a:solidFill>
-                <a:srgbClr val="000000"/>
-              </a:solidFill>
-              <a:uFill>
-                <a:solidFill>
-                  <a:srgbClr val="FFFFFF"/>
-                </a:solidFill>
-              </a:uFill>
-              <a:latin typeface="Arial"/>
-            </a:endParaRPr>
-          </a:p>
-          <a:p>
-            <a:pPr>
-              <a:lnSpc>
-                <a:spcPct val="100000"/>
-              </a:lnSpc>
-            </a:pPr>
-            <a:endParaRPr lang="en-US" sz="3200" b="0" strike="noStrike" spc="-1">
-              <a:solidFill>
-                <a:srgbClr val="000000"/>
-              </a:solidFill>
-              <a:uFill>
-                <a:solidFill>
-                  <a:srgbClr val="FFFFFF"/>
-                </a:solidFill>
-              </a:uFill>
-              <a:latin typeface="Arial"/>
-            </a:endParaRPr>
-          </a:p>
-          <a:p>
-            <a:pPr>
-              <a:lnSpc>
-                <a:spcPct val="100000"/>
-              </a:lnSpc>
-            </a:pPr>
-            <a:endParaRPr lang="en-US" sz="3200" b="0" strike="noStrike" spc="-1">
-              <a:solidFill>
-                <a:srgbClr val="000000"/>
-              </a:solidFill>
-              <a:uFill>
-                <a:solidFill>
-                  <a:srgbClr val="FFFFFF"/>
-                </a:solidFill>
-              </a:uFill>
-              <a:latin typeface="Arial"/>
-            </a:endParaRPr>
-          </a:p>
-          <a:p>
-            <a:pPr>
-              <a:lnSpc>
-                <a:spcPct val="100000"/>
-              </a:lnSpc>
-            </a:pPr>
-            <a:r>
-              <a:rPr lang="en-US" sz="3200" b="0" strike="noStrike" spc="-1">
-                <a:solidFill>
-                  <a:srgbClr val="000000"/>
-                </a:solidFill>
+            <a:r>
+              <a:rPr lang="en-US" sz="2000" b="0" strike="noStrike" spc="-1">
                 <a:uFill>
                   <a:solidFill>
                     <a:srgbClr val="FFFFFF"/>
@@ -8797,86 +9942,10 @@
                 <a:latin typeface="Arial"/>
                 <a:ea typeface="Noto Sans CJK SC Regular"/>
               </a:rPr>
-              <a:t> </a:t>
-            </a:r>
-            <a:endParaRPr lang="en-US" sz="3200" b="0" strike="noStrike" spc="-1" smtClean="0">
-              <a:solidFill>
-                <a:srgbClr val="000000"/>
-              </a:solidFill>
-              <a:uFill>
-                <a:solidFill>
-                  <a:srgbClr val="FFFFFF"/>
-                </a:solidFill>
-              </a:uFill>
-              <a:latin typeface="Arial"/>
-              <a:ea typeface="Noto Sans CJK SC Regular"/>
-            </a:endParaRPr>
-          </a:p>
-          <a:p>
-            <a:pPr>
-              <a:lnSpc>
-                <a:spcPct val="100000"/>
-              </a:lnSpc>
-            </a:pPr>
-            <a:endParaRPr lang="en-US" sz="3200" b="0" strike="noStrike" spc="-1">
-              <a:solidFill>
-                <a:srgbClr val="000000"/>
-              </a:solidFill>
-              <a:uFill>
-                <a:solidFill>
-                  <a:srgbClr val="FFFFFF"/>
-                </a:solidFill>
-              </a:uFill>
-              <a:latin typeface="Arial"/>
-            </a:endParaRPr>
-          </a:p>
-        </p:txBody>
-      </p:sp>
-      <p:sp>
-        <p:nvSpPr>
-          <p:cNvPr id="51" name="CustomShape 3"/>
-          <p:cNvSpPr/>
-          <p:nvPr/>
-        </p:nvSpPr>
-        <p:spPr>
-          <a:xfrm>
-            <a:off x="5112359" y="1763640"/>
-            <a:ext cx="4968265" cy="4384080"/>
-          </a:xfrm>
-          <a:prstGeom prst="rect">
-            <a:avLst/>
-          </a:prstGeom>
-          <a:noFill/>
-          <a:ln>
-            <a:noFill/>
-          </a:ln>
-        </p:spPr>
-        <p:style>
-          <a:lnRef idx="0">
-            <a:scrgbClr r="0" g="0" b="0"/>
-          </a:lnRef>
-          <a:fillRef idx="0">
-            <a:scrgbClr r="0" g="0" b="0"/>
-          </a:fillRef>
-          <a:effectRef idx="0">
-            <a:scrgbClr r="0" g="0" b="0"/>
-          </a:effectRef>
-          <a:fontRef idx="minor"/>
-        </p:style>
-        <p:txBody>
-          <a:bodyPr lIns="0" tIns="0" rIns="0" bIns="0" anchor="ctr"/>
-          <a:lstStyle/>
-          <a:p>
-            <a:pPr>
-              <a:lnSpc>
-                <a:spcPct val="100000"/>
-              </a:lnSpc>
-            </a:pPr>
-            <a:r>
-              <a:rPr lang="en-US" sz="3200" b="0" strike="noStrike" spc="-1">
-                <a:solidFill>
-                  <a:srgbClr val="000000"/>
-                </a:solidFill>
+              <a:t>~$ sudo </a:t>
+            </a:r>
+            <a:r>
+              <a:rPr lang="en-US" sz="2000" b="0" strike="noStrike" spc="-1" smtClean="0">
                 <a:uFill>
                   <a:solidFill>
                     <a:srgbClr val="FFFFFF"/>
@@ -8885,13 +9954,10 @@
                 <a:latin typeface="Arial"/>
                 <a:ea typeface="Noto Sans CJK SC Regular"/>
               </a:rPr>
-              <a:t>flow </a:t>
-            </a:r>
-            <a:r>
-              <a:rPr lang="en-US" sz="3200" b="0" strike="noStrike" spc="-1" smtClean="0">
-                <a:solidFill>
-                  <a:srgbClr val="000000"/>
-                </a:solidFill>
+              <a:t>pip3 </a:t>
+            </a:r>
+            <a:r>
+              <a:rPr lang="en-US" sz="2000" b="0" strike="noStrike" spc="-1">
                 <a:uFill>
                   <a:solidFill>
                     <a:srgbClr val="FFFFFF"/>
@@ -8900,13 +9966,10 @@
                 <a:latin typeface="Arial"/>
                 <a:ea typeface="Noto Sans CJK SC Regular"/>
               </a:rPr>
-              <a:t>= </a:t>
-            </a:r>
-            <a:r>
-              <a:rPr lang="ko-KR" altLang="en-US" sz="3200" b="0" strike="noStrike" spc="-1" smtClean="0">
-                <a:solidFill>
-                  <a:srgbClr val="000000"/>
-                </a:solidFill>
+              <a:t>install tensorflow-GPU==</a:t>
+            </a:r>
+            <a:r>
+              <a:rPr lang="en-US" sz="2000" b="0" strike="noStrike" spc="-1" smtClean="0">
                 <a:uFill>
                   <a:solidFill>
                     <a:srgbClr val="FFFFFF"/>
@@ -8915,272 +9978,9 @@
                 <a:latin typeface="Arial"/>
                 <a:ea typeface="Noto Sans CJK SC Regular"/>
               </a:rPr>
-              <a:t>연산은 </a:t>
-            </a:r>
-            <a:r>
-              <a:rPr lang="en-US" altLang="ko-KR" sz="3200" spc="-1" smtClean="0">
-                <a:solidFill>
-                  <a:srgbClr val="000000"/>
-                </a:solidFill>
-                <a:uFill>
-                  <a:solidFill>
-                    <a:srgbClr val="FFFFFF"/>
-                  </a:solidFill>
-                </a:uFill>
-                <a:latin typeface="Arial"/>
-                <a:ea typeface="Noto Sans CJK SC Regular"/>
-              </a:rPr>
-              <a:t>graph</a:t>
-            </a:r>
-            <a:r>
-              <a:rPr lang="ko-KR" altLang="en-US" sz="3200" spc="-1" smtClean="0">
-                <a:solidFill>
-                  <a:srgbClr val="000000"/>
-                </a:solidFill>
-                <a:uFill>
-                  <a:solidFill>
-                    <a:srgbClr val="FFFFFF"/>
-                  </a:solidFill>
-                </a:uFill>
-                <a:latin typeface="Arial"/>
-                <a:ea typeface="Noto Sans CJK SC Regular"/>
-              </a:rPr>
-              <a:t>로 표현</a:t>
-            </a:r>
-            <a:r>
-              <a:rPr lang="ko-KR" altLang="en-US" sz="3200" b="0" strike="noStrike" spc="-1" smtClean="0">
-                <a:solidFill>
-                  <a:srgbClr val="000000"/>
-                </a:solidFill>
-                <a:uFill>
-                  <a:solidFill>
-                    <a:srgbClr val="FFFFFF"/>
-                  </a:solidFill>
-                </a:uFill>
-                <a:latin typeface="Arial"/>
-                <a:ea typeface="Noto Sans CJK SC Regular"/>
-              </a:rPr>
-              <a:t> </a:t>
-            </a:r>
-            <a:endParaRPr lang="en-US" sz="3200" b="0" strike="noStrike" spc="-1" smtClean="0">
-              <a:solidFill>
-                <a:srgbClr val="000000"/>
-              </a:solidFill>
-              <a:uFill>
-                <a:solidFill>
-                  <a:srgbClr val="FFFFFF"/>
-                </a:solidFill>
-              </a:uFill>
-              <a:latin typeface="Arial"/>
-              <a:ea typeface="Noto Sans CJK SC Regular"/>
-            </a:endParaRPr>
-          </a:p>
-          <a:p>
-            <a:pPr>
-              <a:lnSpc>
-                <a:spcPct val="100000"/>
-              </a:lnSpc>
-            </a:pPr>
-            <a:endParaRPr lang="en-US" sz="3200" spc="-1">
-              <a:solidFill>
-                <a:srgbClr val="000000"/>
-              </a:solidFill>
-              <a:uFill>
-                <a:solidFill>
-                  <a:srgbClr val="FFFFFF"/>
-                </a:solidFill>
-              </a:uFill>
-              <a:latin typeface="Arial"/>
-            </a:endParaRPr>
-          </a:p>
-          <a:p>
-            <a:pPr>
-              <a:lnSpc>
-                <a:spcPct val="100000"/>
-              </a:lnSpc>
-            </a:pPr>
-            <a:endParaRPr lang="en-US" sz="3200" b="0" strike="noStrike" spc="-1" smtClean="0">
-              <a:solidFill>
-                <a:srgbClr val="000000"/>
-              </a:solidFill>
-              <a:uFill>
-                <a:solidFill>
-                  <a:srgbClr val="FFFFFF"/>
-                </a:solidFill>
-              </a:uFill>
-              <a:latin typeface="Arial"/>
-            </a:endParaRPr>
-          </a:p>
-          <a:p>
-            <a:pPr>
-              <a:lnSpc>
-                <a:spcPct val="100000"/>
-              </a:lnSpc>
-            </a:pPr>
-            <a:endParaRPr lang="en-US" sz="1800" b="0" strike="noStrike" spc="-1">
-              <a:solidFill>
-                <a:srgbClr val="000000"/>
-              </a:solidFill>
-              <a:uFill>
-                <a:solidFill>
-                  <a:srgbClr val="FFFFFF"/>
-                </a:solidFill>
-              </a:uFill>
-              <a:latin typeface="Arial"/>
-            </a:endParaRPr>
-          </a:p>
-          <a:p>
-            <a:pPr>
-              <a:lnSpc>
-                <a:spcPct val="100000"/>
-              </a:lnSpc>
-            </a:pPr>
-            <a:endParaRPr lang="en-US" sz="1800" b="0" strike="noStrike" spc="-1">
-              <a:solidFill>
-                <a:srgbClr val="000000"/>
-              </a:solidFill>
-              <a:uFill>
-                <a:solidFill>
-                  <a:srgbClr val="FFFFFF"/>
-                </a:solidFill>
-              </a:uFill>
-              <a:latin typeface="Arial"/>
-            </a:endParaRPr>
-          </a:p>
-          <a:p>
-            <a:pPr>
-              <a:lnSpc>
-                <a:spcPct val="100000"/>
-              </a:lnSpc>
-            </a:pPr>
-            <a:endParaRPr lang="en-US" sz="1800" b="0" strike="noStrike" spc="-1">
-              <a:solidFill>
-                <a:srgbClr val="000000"/>
-              </a:solidFill>
-              <a:uFill>
-                <a:solidFill>
-                  <a:srgbClr val="FFFFFF"/>
-                </a:solidFill>
-              </a:uFill>
-              <a:latin typeface="Arial"/>
-            </a:endParaRPr>
-          </a:p>
-          <a:p>
-            <a:pPr>
-              <a:lnSpc>
-                <a:spcPct val="100000"/>
-              </a:lnSpc>
-            </a:pPr>
-            <a:endParaRPr lang="en-US" sz="1800" b="0" strike="noStrike" spc="-1">
-              <a:solidFill>
-                <a:srgbClr val="000000"/>
-              </a:solidFill>
-              <a:uFill>
-                <a:solidFill>
-                  <a:srgbClr val="FFFFFF"/>
-                </a:solidFill>
-              </a:uFill>
-              <a:latin typeface="Arial"/>
-            </a:endParaRPr>
-          </a:p>
-          <a:p>
-            <a:pPr>
-              <a:lnSpc>
-                <a:spcPct val="100000"/>
-              </a:lnSpc>
-            </a:pPr>
-            <a:endParaRPr lang="en-US" sz="1800" b="0" strike="noStrike" spc="-1">
-              <a:solidFill>
-                <a:srgbClr val="000000"/>
-              </a:solidFill>
-              <a:uFill>
-                <a:solidFill>
-                  <a:srgbClr val="FFFFFF"/>
-                </a:solidFill>
-              </a:uFill>
-              <a:latin typeface="Arial"/>
-            </a:endParaRPr>
-          </a:p>
-          <a:p>
-            <a:pPr>
-              <a:lnSpc>
-                <a:spcPct val="100000"/>
-              </a:lnSpc>
-            </a:pPr>
-            <a:endParaRPr lang="en-US" sz="1800" b="0" strike="noStrike" spc="-1">
-              <a:solidFill>
-                <a:srgbClr val="000000"/>
-              </a:solidFill>
-              <a:uFill>
-                <a:solidFill>
-                  <a:srgbClr val="FFFFFF"/>
-                </a:solidFill>
-              </a:uFill>
-              <a:latin typeface="Arial"/>
-            </a:endParaRPr>
-          </a:p>
-          <a:p>
-            <a:pPr>
-              <a:lnSpc>
-                <a:spcPct val="100000"/>
-              </a:lnSpc>
-            </a:pPr>
-            <a:r>
-              <a:rPr lang="en-US" sz="3200" b="0" strike="noStrike" spc="-1">
-                <a:solidFill>
-                  <a:srgbClr val="000000"/>
-                </a:solidFill>
-                <a:uFill>
-                  <a:solidFill>
-                    <a:srgbClr val="FFFFFF"/>
-                  </a:solidFill>
-                </a:uFill>
-                <a:latin typeface="Arial"/>
-                <a:ea typeface="Noto Sans CJK SC Regular"/>
-              </a:rPr>
-              <a:t> </a:t>
-            </a:r>
-            <a:endParaRPr lang="en-US" sz="3200" b="0" strike="noStrike" spc="-1" smtClean="0">
-              <a:solidFill>
-                <a:srgbClr val="000000"/>
-              </a:solidFill>
-              <a:uFill>
-                <a:solidFill>
-                  <a:srgbClr val="FFFFFF"/>
-                </a:solidFill>
-              </a:uFill>
-              <a:latin typeface="Arial"/>
-              <a:ea typeface="Noto Sans CJK SC Regular"/>
-            </a:endParaRPr>
-          </a:p>
-          <a:p>
-            <a:pPr>
-              <a:lnSpc>
-                <a:spcPct val="100000"/>
-              </a:lnSpc>
-            </a:pPr>
-            <a:endParaRPr lang="en-US" sz="3200" spc="-1">
-              <a:solidFill>
-                <a:srgbClr val="000000"/>
-              </a:solidFill>
-              <a:uFill>
-                <a:solidFill>
-                  <a:srgbClr val="FFFFFF"/>
-                </a:solidFill>
-              </a:uFill>
-              <a:latin typeface="Arial"/>
-            </a:endParaRPr>
-          </a:p>
-          <a:p>
-            <a:pPr>
-              <a:lnSpc>
-                <a:spcPct val="100000"/>
-              </a:lnSpc>
-            </a:pPr>
-            <a:endParaRPr lang="en-US" sz="1800" b="0" strike="noStrike" spc="-1">
-              <a:solidFill>
-                <a:srgbClr val="000000"/>
-              </a:solidFill>
+              <a:t>1.7.0</a:t>
+            </a:r>
+            <a:endParaRPr lang="en-US" sz="2000" b="0" strike="noStrike" spc="-1">
               <a:uFill>
                 <a:solidFill>
                   <a:srgbClr val="FFFFFF"/>
@@ -9192,6 +9992,11 @@
         </p:txBody>
       </p:sp>
     </p:spTree>
+    <p:extLst>
+      <p:ext uri="{BB962C8B-B14F-4D97-AF65-F5344CB8AC3E}">
+        <p14:creationId xmlns:p14="http://schemas.microsoft.com/office/powerpoint/2010/main" val="4281846888"/>
+      </p:ext>
+    </p:extLst>
   </p:cSld>
   <p:clrMapOvr>
     <a:masterClrMapping/>
@@ -9378,8 +10183,28 @@
                 <a:latin typeface="Arial"/>
                 <a:ea typeface="Noto Sans CJK SC Regular"/>
               </a:rPr>
-              <a:t>= ?</a:t>
-            </a:r>
+              <a:t>= </a:t>
+            </a:r>
+            <a:r>
+              <a:rPr lang="ko-KR" altLang="en-US" sz="3200" smtClean="0"/>
+              <a:t>데이터를 </a:t>
+            </a:r>
+            <a:r>
+              <a:rPr lang="ko-KR" altLang="en-US" sz="3200"/>
+              <a:t>표현</a:t>
+            </a:r>
+            <a:endParaRPr lang="en-US" sz="3200" b="0" strike="noStrike" spc="-1" smtClean="0">
+              <a:solidFill>
+                <a:srgbClr val="000000"/>
+              </a:solidFill>
+              <a:uFill>
+                <a:solidFill>
+                  <a:srgbClr val="FFFFFF"/>
+                </a:solidFill>
+              </a:uFill>
+              <a:latin typeface="Arial"/>
+              <a:ea typeface="Noto Sans CJK SC Regular"/>
+            </a:endParaRPr>
           </a:p>
           <a:p>
             <a:pPr>
@@ -9551,8 +10376,8 @@
         </p:nvSpPr>
         <p:spPr>
           <a:xfrm>
-            <a:off x="5112360" y="1763640"/>
-            <a:ext cx="4463640" cy="4384080"/>
+            <a:off x="5112359" y="1763640"/>
+            <a:ext cx="4968265" cy="4384080"/>
           </a:xfrm>
           <a:prstGeom prst="rect">
             <a:avLst/>
@@ -9611,161 +10436,55 @@
                 <a:latin typeface="Arial"/>
                 <a:ea typeface="Noto Sans CJK SC Regular"/>
               </a:rPr>
-              <a:t>= ?</a:t>
-            </a:r>
-          </a:p>
-          <a:p>
-            <a:pPr>
-              <a:lnSpc>
-                <a:spcPct val="100000"/>
-              </a:lnSpc>
-            </a:pPr>
-            <a:endParaRPr lang="en-US" sz="3200" spc="-1">
-              <a:solidFill>
-                <a:srgbClr val="000000"/>
-              </a:solidFill>
-              <a:uFill>
-                <a:solidFill>
-                  <a:srgbClr val="FFFFFF"/>
-                </a:solidFill>
-              </a:uFill>
-              <a:latin typeface="Arial"/>
-            </a:endParaRPr>
-          </a:p>
-          <a:p>
-            <a:pPr>
-              <a:lnSpc>
-                <a:spcPct val="100000"/>
-              </a:lnSpc>
-            </a:pPr>
-            <a:endParaRPr lang="en-US" sz="3200" b="0" strike="noStrike" spc="-1" smtClean="0">
-              <a:solidFill>
-                <a:srgbClr val="000000"/>
-              </a:solidFill>
-              <a:uFill>
-                <a:solidFill>
-                  <a:srgbClr val="FFFFFF"/>
-                </a:solidFill>
-              </a:uFill>
-              <a:latin typeface="Arial"/>
-            </a:endParaRPr>
-          </a:p>
-          <a:p>
-            <a:pPr>
-              <a:lnSpc>
-                <a:spcPct val="100000"/>
-              </a:lnSpc>
-            </a:pPr>
-            <a:endParaRPr lang="en-US" sz="1800" b="0" strike="noStrike" spc="-1">
-              <a:solidFill>
-                <a:srgbClr val="000000"/>
-              </a:solidFill>
-              <a:uFill>
-                <a:solidFill>
-                  <a:srgbClr val="FFFFFF"/>
-                </a:solidFill>
-              </a:uFill>
-              <a:latin typeface="Arial"/>
-            </a:endParaRPr>
-          </a:p>
-          <a:p>
-            <a:pPr>
-              <a:lnSpc>
-                <a:spcPct val="100000"/>
-              </a:lnSpc>
-            </a:pPr>
-            <a:endParaRPr lang="en-US" sz="1800" b="0" strike="noStrike" spc="-1">
-              <a:solidFill>
-                <a:srgbClr val="000000"/>
-              </a:solidFill>
-              <a:uFill>
-                <a:solidFill>
-                  <a:srgbClr val="FFFFFF"/>
-                </a:solidFill>
-              </a:uFill>
-              <a:latin typeface="Arial"/>
-            </a:endParaRPr>
-          </a:p>
-          <a:p>
-            <a:pPr>
-              <a:lnSpc>
-                <a:spcPct val="100000"/>
-              </a:lnSpc>
-            </a:pPr>
-            <a:endParaRPr lang="en-US" sz="1800" b="0" strike="noStrike" spc="-1">
-              <a:solidFill>
-                <a:srgbClr val="000000"/>
-              </a:solidFill>
-              <a:uFill>
-                <a:solidFill>
-                  <a:srgbClr val="FFFFFF"/>
-                </a:solidFill>
-              </a:uFill>
-              <a:latin typeface="Arial"/>
-            </a:endParaRPr>
-          </a:p>
-          <a:p>
-            <a:pPr>
-              <a:lnSpc>
-                <a:spcPct val="100000"/>
-              </a:lnSpc>
-            </a:pPr>
-            <a:endParaRPr lang="en-US" sz="1800" b="0" strike="noStrike" spc="-1">
-              <a:solidFill>
-                <a:srgbClr val="000000"/>
-              </a:solidFill>
-              <a:uFill>
-                <a:solidFill>
-                  <a:srgbClr val="FFFFFF"/>
-                </a:solidFill>
-              </a:uFill>
-              <a:latin typeface="Arial"/>
-            </a:endParaRPr>
-          </a:p>
-          <a:p>
-            <a:pPr>
-              <a:lnSpc>
-                <a:spcPct val="100000"/>
-              </a:lnSpc>
-            </a:pPr>
-            <a:endParaRPr lang="en-US" sz="1800" b="0" strike="noStrike" spc="-1">
-              <a:solidFill>
-                <a:srgbClr val="000000"/>
-              </a:solidFill>
-              <a:uFill>
-                <a:solidFill>
-                  <a:srgbClr val="FFFFFF"/>
-                </a:solidFill>
-              </a:uFill>
-              <a:latin typeface="Arial"/>
-            </a:endParaRPr>
-          </a:p>
-          <a:p>
-            <a:pPr>
-              <a:lnSpc>
-                <a:spcPct val="100000"/>
-              </a:lnSpc>
-            </a:pPr>
-            <a:endParaRPr lang="en-US" sz="1800" b="0" strike="noStrike" spc="-1">
-              <a:solidFill>
-                <a:srgbClr val="000000"/>
-              </a:solidFill>
-              <a:uFill>
-                <a:solidFill>
-                  <a:srgbClr val="FFFFFF"/>
-                </a:solidFill>
-              </a:uFill>
-              <a:latin typeface="Arial"/>
-            </a:endParaRPr>
-          </a:p>
-          <a:p>
-            <a:pPr>
-              <a:lnSpc>
-                <a:spcPct val="100000"/>
-              </a:lnSpc>
-            </a:pPr>
-            <a:r>
-              <a:rPr lang="en-US" sz="3200" b="0" strike="noStrike" spc="-1">
+              <a:t>= </a:t>
+            </a:r>
+            <a:r>
+              <a:rPr lang="ko-KR" altLang="en-US" sz="3200" b="0" strike="noStrike" spc="-1" smtClean="0">
+                <a:solidFill>
+                  <a:srgbClr val="000000"/>
+                </a:solidFill>
+                <a:uFill>
+                  <a:solidFill>
+                    <a:srgbClr val="FFFFFF"/>
+                  </a:solidFill>
+                </a:uFill>
+                <a:latin typeface="Arial"/>
+                <a:ea typeface="Noto Sans CJK SC Regular"/>
+              </a:rPr>
+              <a:t>연산은 </a:t>
+            </a:r>
+            <a:r>
+              <a:rPr lang="en-US" altLang="ko-KR" sz="3200" spc="-1" smtClean="0">
+                <a:solidFill>
+                  <a:srgbClr val="000000"/>
+                </a:solidFill>
+                <a:uFill>
+                  <a:solidFill>
+                    <a:srgbClr val="FFFFFF"/>
+                  </a:solidFill>
+                </a:uFill>
+                <a:latin typeface="Arial"/>
+                <a:ea typeface="Noto Sans CJK SC Regular"/>
+              </a:rPr>
+              <a:t>graph</a:t>
+            </a:r>
+            <a:r>
+              <a:rPr lang="ko-KR" altLang="en-US" sz="3200" spc="-1" smtClean="0">
+                <a:solidFill>
+                  <a:srgbClr val="000000"/>
+                </a:solidFill>
+                <a:uFill>
+                  <a:solidFill>
+                    <a:srgbClr val="FFFFFF"/>
+                  </a:solidFill>
+                </a:uFill>
+                <a:latin typeface="Arial"/>
+                <a:ea typeface="Noto Sans CJK SC Regular"/>
+              </a:rPr>
+              <a:t>로 표현</a:t>
+            </a:r>
+            <a:r>
+              <a:rPr lang="ko-KR" altLang="en-US" sz="3200" b="0" strike="noStrike" spc="-1" smtClean="0">
                 <a:solidFill>
                   <a:srgbClr val="000000"/>
                 </a:solidFill>
@@ -9816,6 +10535,184 @@
                 <a:spcPct val="100000"/>
               </a:lnSpc>
             </a:pPr>
+            <a:endParaRPr lang="en-US" sz="3200" b="0" strike="noStrike" spc="-1" smtClean="0">
+              <a:solidFill>
+                <a:srgbClr val="000000"/>
+              </a:solidFill>
+              <a:uFill>
+                <a:solidFill>
+                  <a:srgbClr val="FFFFFF"/>
+                </a:solidFill>
+              </a:uFill>
+              <a:latin typeface="Arial"/>
+            </a:endParaRPr>
+          </a:p>
+          <a:p>
+            <a:pPr>
+              <a:lnSpc>
+                <a:spcPct val="100000"/>
+              </a:lnSpc>
+            </a:pPr>
+            <a:endParaRPr lang="en-US" sz="1800" b="0" strike="noStrike" spc="-1">
+              <a:solidFill>
+                <a:srgbClr val="000000"/>
+              </a:solidFill>
+              <a:uFill>
+                <a:solidFill>
+                  <a:srgbClr val="FFFFFF"/>
+                </a:solidFill>
+              </a:uFill>
+              <a:latin typeface="Arial"/>
+            </a:endParaRPr>
+          </a:p>
+          <a:p>
+            <a:pPr>
+              <a:lnSpc>
+                <a:spcPct val="100000"/>
+              </a:lnSpc>
+            </a:pPr>
+            <a:endParaRPr lang="en-US" sz="1800" b="0" strike="noStrike" spc="-1">
+              <a:solidFill>
+                <a:srgbClr val="000000"/>
+              </a:solidFill>
+              <a:uFill>
+                <a:solidFill>
+                  <a:srgbClr val="FFFFFF"/>
+                </a:solidFill>
+              </a:uFill>
+              <a:latin typeface="Arial"/>
+            </a:endParaRPr>
+          </a:p>
+          <a:p>
+            <a:pPr>
+              <a:lnSpc>
+                <a:spcPct val="100000"/>
+              </a:lnSpc>
+            </a:pPr>
+            <a:endParaRPr lang="en-US" sz="1800" b="0" strike="noStrike" spc="-1">
+              <a:solidFill>
+                <a:srgbClr val="000000"/>
+              </a:solidFill>
+              <a:uFill>
+                <a:solidFill>
+                  <a:srgbClr val="FFFFFF"/>
+                </a:solidFill>
+              </a:uFill>
+              <a:latin typeface="Arial"/>
+            </a:endParaRPr>
+          </a:p>
+          <a:p>
+            <a:pPr>
+              <a:lnSpc>
+                <a:spcPct val="100000"/>
+              </a:lnSpc>
+            </a:pPr>
+            <a:endParaRPr lang="en-US" sz="1800" b="0" strike="noStrike" spc="-1">
+              <a:solidFill>
+                <a:srgbClr val="000000"/>
+              </a:solidFill>
+              <a:uFill>
+                <a:solidFill>
+                  <a:srgbClr val="FFFFFF"/>
+                </a:solidFill>
+              </a:uFill>
+              <a:latin typeface="Arial"/>
+            </a:endParaRPr>
+          </a:p>
+          <a:p>
+            <a:pPr>
+              <a:lnSpc>
+                <a:spcPct val="100000"/>
+              </a:lnSpc>
+            </a:pPr>
+            <a:endParaRPr lang="en-US" sz="1800" b="0" strike="noStrike" spc="-1">
+              <a:solidFill>
+                <a:srgbClr val="000000"/>
+              </a:solidFill>
+              <a:uFill>
+                <a:solidFill>
+                  <a:srgbClr val="FFFFFF"/>
+                </a:solidFill>
+              </a:uFill>
+              <a:latin typeface="Arial"/>
+            </a:endParaRPr>
+          </a:p>
+          <a:p>
+            <a:pPr>
+              <a:lnSpc>
+                <a:spcPct val="100000"/>
+              </a:lnSpc>
+            </a:pPr>
+            <a:endParaRPr lang="en-US" sz="1800" b="0" strike="noStrike" spc="-1">
+              <a:solidFill>
+                <a:srgbClr val="000000"/>
+              </a:solidFill>
+              <a:uFill>
+                <a:solidFill>
+                  <a:srgbClr val="FFFFFF"/>
+                </a:solidFill>
+              </a:uFill>
+              <a:latin typeface="Arial"/>
+            </a:endParaRPr>
+          </a:p>
+          <a:p>
+            <a:pPr>
+              <a:lnSpc>
+                <a:spcPct val="100000"/>
+              </a:lnSpc>
+            </a:pPr>
+            <a:r>
+              <a:rPr lang="en-US" sz="3200" b="0" strike="noStrike" spc="-1">
+                <a:solidFill>
+                  <a:srgbClr val="000000"/>
+                </a:solidFill>
+                <a:uFill>
+                  <a:solidFill>
+                    <a:srgbClr val="FFFFFF"/>
+                  </a:solidFill>
+                </a:uFill>
+                <a:latin typeface="Arial"/>
+                <a:ea typeface="Noto Sans CJK SC Regular"/>
+              </a:rPr>
+              <a:t> </a:t>
+            </a:r>
+            <a:endParaRPr lang="en-US" sz="3200" b="0" strike="noStrike" spc="-1" smtClean="0">
+              <a:solidFill>
+                <a:srgbClr val="000000"/>
+              </a:solidFill>
+              <a:uFill>
+                <a:solidFill>
+                  <a:srgbClr val="FFFFFF"/>
+                </a:solidFill>
+              </a:uFill>
+              <a:latin typeface="Arial"/>
+              <a:ea typeface="Noto Sans CJK SC Regular"/>
+            </a:endParaRPr>
+          </a:p>
+          <a:p>
+            <a:pPr>
+              <a:lnSpc>
+                <a:spcPct val="100000"/>
+              </a:lnSpc>
+            </a:pPr>
+            <a:endParaRPr lang="en-US" sz="3200" spc="-1">
+              <a:solidFill>
+                <a:srgbClr val="000000"/>
+              </a:solidFill>
+              <a:uFill>
+                <a:solidFill>
+                  <a:srgbClr val="FFFFFF"/>
+                </a:solidFill>
+              </a:uFill>
+              <a:latin typeface="Arial"/>
+            </a:endParaRPr>
+          </a:p>
+          <a:p>
+            <a:pPr>
+              <a:lnSpc>
+                <a:spcPct val="100000"/>
+              </a:lnSpc>
+            </a:pPr>
             <a:endParaRPr lang="en-US" sz="1800" b="0" strike="noStrike" spc="-1">
               <a:solidFill>
                 <a:srgbClr val="000000"/>
@@ -9830,76 +10727,7 @@
           </a:p>
         </p:txBody>
       </p:sp>
-      <p:pic>
-        <p:nvPicPr>
-          <p:cNvPr id="2050" name="Picture 2"/>
-          <p:cNvPicPr>
-            <a:picLocks noChangeAspect="1" noChangeArrowheads="1"/>
-          </p:cNvPicPr>
-          <p:nvPr/>
-        </p:nvPicPr>
-        <p:blipFill>
-          <a:blip r:embed="rId3">
-            <a:extLst>
-              <a:ext uri="{28A0092B-C50C-407E-A947-70E740481C1C}">
-                <a14:useLocalDpi xmlns:a14="http://schemas.microsoft.com/office/drawing/2010/main" val="0"/>
-              </a:ext>
-            </a:extLst>
-          </a:blip>
-          <a:srcRect/>
-          <a:stretch>
-            <a:fillRect/>
-          </a:stretch>
-        </p:blipFill>
-        <p:spPr bwMode="auto">
-          <a:xfrm>
-            <a:off x="143768" y="3275781"/>
-            <a:ext cx="3609975" cy="2171700"/>
-          </a:xfrm>
-          <a:prstGeom prst="rect">
-            <a:avLst/>
-          </a:prstGeom>
-          <a:noFill/>
-          <a:ln>
-            <a:noFill/>
-          </a:ln>
-          <a:effectLst/>
-          <a:extLst>
-            <a:ext uri="{909E8E84-426E-40DD-AFC4-6F175D3DCCD1}">
-              <a14:hiddenFill xmlns:a14="http://schemas.microsoft.com/office/drawing/2010/main">
-                <a:solidFill>
-                  <a:schemeClr val="accent1"/>
-                </a:solidFill>
-              </a14:hiddenFill>
-            </a:ext>
-            <a:ext uri="{91240B29-F687-4F45-9708-019B960494DF}">
-              <a14:hiddenLine xmlns:a14="http://schemas.microsoft.com/office/drawing/2010/main" w="9525">
-                <a:solidFill>
-                  <a:schemeClr val="tx1"/>
-                </a:solidFill>
-                <a:miter lim="800000"/>
-                <a:headEnd/>
-                <a:tailEnd/>
-              </a14:hiddenLine>
-            </a:ext>
-            <a:ext uri="{AF507438-7753-43E0-B8FC-AC1667EBCBE1}">
-              <a14:hiddenEffects xmlns:a14="http://schemas.microsoft.com/office/drawing/2010/main">
-                <a:effectLst>
-                  <a:outerShdw dist="35921" dir="2700000" algn="ctr" rotWithShape="0">
-                    <a:schemeClr val="bg2"/>
-                  </a:outerShdw>
-                </a:effectLst>
-              </a14:hiddenEffects>
-            </a:ext>
-          </a:extLst>
-        </p:spPr>
-      </p:pic>
     </p:spTree>
-    <p:extLst>
-      <p:ext uri="{BB962C8B-B14F-4D97-AF65-F5344CB8AC3E}">
-        <p14:creationId xmlns:p14="http://schemas.microsoft.com/office/powerpoint/2010/main" val="229245011"/>
-      </p:ext>
-    </p:extLst>
   </p:cSld>
   <p:clrMapOvr>
     <a:masterClrMapping/>
@@ -10602,74 +11430,10 @@
           </a:extLst>
         </p:spPr>
       </p:pic>
-      <p:pic>
-        <p:nvPicPr>
-          <p:cNvPr id="4098" name="Picture 2"/>
-          <p:cNvPicPr>
-            <a:picLocks noChangeAspect="1" noChangeArrowheads="1"/>
-          </p:cNvPicPr>
-          <p:nvPr/>
-        </p:nvPicPr>
-        <p:blipFill>
-          <a:blip r:embed="rId4">
-            <a:extLst>
-              <a:ext uri="{28A0092B-C50C-407E-A947-70E740481C1C}">
-                <a14:useLocalDpi xmlns:a14="http://schemas.microsoft.com/office/drawing/2010/main" val="0"/>
-              </a:ext>
-            </a:extLst>
-          </a:blip>
-          <a:srcRect/>
-          <a:stretch>
-            <a:fillRect/>
-          </a:stretch>
-        </p:blipFill>
-        <p:spPr bwMode="auto">
-          <a:xfrm>
-            <a:off x="5610923" y="3140956"/>
-            <a:ext cx="3263229" cy="2782112"/>
-          </a:xfrm>
-          <a:prstGeom prst="rect">
-            <a:avLst/>
-          </a:prstGeom>
-          <a:noFill/>
-          <a:ln>
-            <a:noFill/>
-          </a:ln>
-          <a:effectLst/>
-          <a:extLst>
-            <a:ext uri="{909E8E84-426E-40DD-AFC4-6F175D3DCCD1}">
-              <a14:hiddenFill xmlns:a14="http://schemas.microsoft.com/office/drawing/2010/main">
-                <a:solidFill>
-                  <a:schemeClr val="accent1"/>
-                </a:solidFill>
-              </a14:hiddenFill>
-            </a:ext>
-            <a:ext uri="{91240B29-F687-4F45-9708-019B960494DF}">
-              <a14:hiddenLine xmlns:a14="http://schemas.microsoft.com/office/drawing/2010/main" w="9525">
-                <a:solidFill>
-                  <a:schemeClr val="tx1"/>
-                </a:solidFill>
-                <a:miter lim="800000"/>
-                <a:headEnd/>
-                <a:tailEnd/>
-              </a14:hiddenLine>
-            </a:ext>
-            <a:ext uri="{AF507438-7753-43E0-B8FC-AC1667EBCBE1}">
-              <a14:hiddenEffects xmlns:a14="http://schemas.microsoft.com/office/drawing/2010/main">
-                <a:effectLst>
-                  <a:outerShdw dist="35921" dir="2700000" algn="ctr" rotWithShape="0">
-                    <a:schemeClr val="bg2"/>
-                  </a:outerShdw>
-                </a:effectLst>
-              </a14:hiddenEffects>
-            </a:ext>
-          </a:extLst>
-        </p:spPr>
-      </p:pic>
     </p:spTree>
     <p:extLst>
       <p:ext uri="{BB962C8B-B14F-4D97-AF65-F5344CB8AC3E}">
-        <p14:creationId xmlns:p14="http://schemas.microsoft.com/office/powerpoint/2010/main" val="120934063"/>
+        <p14:creationId xmlns:p14="http://schemas.microsoft.com/office/powerpoint/2010/main" val="229245011"/>
       </p:ext>
     </p:extLst>
   </p:cSld>
@@ -10725,7 +11489,7 @@
       </p:grpSpPr>
       <p:pic>
         <p:nvPicPr>
-          <p:cNvPr id="52" name="그림 3"/>
+          <p:cNvPr id="48" name="그림 3"/>
           <p:cNvPicPr/>
           <p:nvPr/>
         </p:nvPicPr>
@@ -10748,7 +11512,7 @@
       </p:pic>
       <p:sp>
         <p:nvSpPr>
-          <p:cNvPr id="53" name="TextShape 1"/>
+          <p:cNvPr id="49" name="TextShape 1"/>
           <p:cNvSpPr txBox="1"/>
           <p:nvPr/>
         </p:nvSpPr>
@@ -10775,7 +11539,7 @@
               </a:lnSpc>
             </a:pPr>
             <a:r>
-              <a:rPr lang="en-US" altLang="ko-KR" sz="4400" b="0" strike="noStrike" spc="-1" smtClean="0">
+              <a:rPr lang="ko-KR" sz="4400" b="0" strike="noStrike" spc="-1">
                 <a:solidFill>
                   <a:srgbClr val="000000"/>
                 </a:solidFill>
@@ -10786,21 +11550,7 @@
                 </a:uFill>
                 <a:latin typeface="Arial"/>
               </a:rPr>
-              <a:t>tensorflow </a:t>
-            </a:r>
-            <a:r>
-              <a:rPr lang="ko-KR" altLang="en-US" sz="4400" b="0" strike="noStrike" spc="-1" smtClean="0">
-                <a:solidFill>
-                  <a:srgbClr val="000000"/>
-                </a:solidFill>
-                <a:uFill>
-                  <a:solidFill>
-                    <a:srgbClr val="FFFFFF"/>
-                  </a:solidFill>
-                </a:uFill>
-                <a:latin typeface="Arial"/>
-              </a:rPr>
-              <a:t>코드작성</a:t>
+              <a:t>Tensorflow</a:t>
             </a:r>
             <a:endParaRPr lang="ko-KR" sz="1800" b="0" strike="noStrike" spc="-1">
               <a:solidFill>
@@ -10818,14 +11568,14 @@
       </p:sp>
       <p:sp>
         <p:nvSpPr>
-          <p:cNvPr id="54" name="TextShape 2"/>
+          <p:cNvPr id="50" name="TextShape 2"/>
           <p:cNvSpPr txBox="1"/>
           <p:nvPr/>
         </p:nvSpPr>
         <p:spPr>
           <a:xfrm>
-            <a:off x="333720" y="1762253"/>
-            <a:ext cx="9071280" cy="5185936"/>
+            <a:off x="504360" y="1769040"/>
+            <a:ext cx="4463640" cy="4384080"/>
           </a:xfrm>
           <a:prstGeom prst="rect">
             <a:avLst/>
@@ -10839,17 +11589,13 @@
           <a:bodyPr lIns="0" tIns="0" rIns="0" bIns="0" anchor="ctr"/>
           <a:lstStyle/>
           <a:p>
-            <a:pPr marL="360">
-              <a:lnSpc>
-                <a:spcPct val="100000"/>
-              </a:lnSpc>
-              <a:buClr>
-                <a:srgbClr val="000000"/>
-              </a:buClr>
-              <a:buSzPct val="45000"/>
-            </a:pPr>
-            <a:r>
-              <a:rPr lang="en-US" sz="4400" spc="-1" smtClean="0">
+            <a:pPr>
+              <a:lnSpc>
+                <a:spcPct val="100000"/>
+              </a:lnSpc>
+            </a:pPr>
+            <a:r>
+              <a:rPr lang="en-US" sz="3200" b="0" strike="noStrike" spc="-1">
                 <a:solidFill>
                   <a:srgbClr val="000000"/>
                 </a:solidFill>
@@ -10861,21 +11607,10 @@
                 <a:latin typeface="Arial"/>
                 <a:ea typeface="Noto Sans CJK SC Regular"/>
               </a:rPr>
-              <a:t>import tensorflow as tf</a:t>
-            </a:r>
-          </a:p>
-          <a:p>
-            <a:pPr marL="360">
-              <a:lnSpc>
-                <a:spcPct val="100000"/>
-              </a:lnSpc>
-              <a:buClr>
-                <a:srgbClr val="000000"/>
-              </a:buClr>
-              <a:buSzPct val="45000"/>
-            </a:pPr>
-            <a:r>
-              <a:rPr lang="en-US" sz="4400" b="0" strike="noStrike" spc="-1" smtClean="0">
+              <a:t>tensor </a:t>
+            </a:r>
+            <a:r>
+              <a:rPr lang="en-US" sz="3200" b="0" strike="noStrike" spc="-1" smtClean="0">
                 <a:solidFill>
                   <a:srgbClr val="000000"/>
                 </a:solidFill>
@@ -10887,21 +11622,125 @@
                 <a:latin typeface="Arial"/>
                 <a:ea typeface="Noto Sans CJK SC Regular"/>
               </a:rPr>
-              <a:t>hello = tf.constant(“Hello world”)</a:t>
-            </a:r>
-          </a:p>
-          <a:p>
-            <a:pPr marL="360">
-              <a:lnSpc>
-                <a:spcPct val="100000"/>
-              </a:lnSpc>
-              <a:buClr>
-                <a:srgbClr val="000000"/>
-              </a:buClr>
-              <a:buSzPct val="45000"/>
-            </a:pPr>
-            <a:r>
-              <a:rPr lang="en-US" sz="4400" spc="-1" smtClean="0">
+              <a:t>= ?</a:t>
+            </a:r>
+          </a:p>
+          <a:p>
+            <a:pPr>
+              <a:lnSpc>
+                <a:spcPct val="100000"/>
+              </a:lnSpc>
+            </a:pPr>
+            <a:endParaRPr lang="en-US" sz="3200" b="0" strike="noStrike" spc="-1">
+              <a:solidFill>
+                <a:srgbClr val="000000"/>
+              </a:solidFill>
+              <a:uFill>
+                <a:solidFill>
+                  <a:srgbClr val="FFFFFF"/>
+                </a:solidFill>
+              </a:uFill>
+              <a:latin typeface="Arial"/>
+            </a:endParaRPr>
+          </a:p>
+          <a:p>
+            <a:pPr>
+              <a:lnSpc>
+                <a:spcPct val="100000"/>
+              </a:lnSpc>
+            </a:pPr>
+            <a:endParaRPr lang="en-US" sz="3200" b="0" strike="noStrike" spc="-1">
+              <a:solidFill>
+                <a:srgbClr val="000000"/>
+              </a:solidFill>
+              <a:uFill>
+                <a:solidFill>
+                  <a:srgbClr val="FFFFFF"/>
+                </a:solidFill>
+              </a:uFill>
+              <a:latin typeface="Arial"/>
+            </a:endParaRPr>
+          </a:p>
+          <a:p>
+            <a:pPr>
+              <a:lnSpc>
+                <a:spcPct val="100000"/>
+              </a:lnSpc>
+            </a:pPr>
+            <a:endParaRPr lang="en-US" sz="3200" b="0" strike="noStrike" spc="-1">
+              <a:solidFill>
+                <a:srgbClr val="000000"/>
+              </a:solidFill>
+              <a:uFill>
+                <a:solidFill>
+                  <a:srgbClr val="FFFFFF"/>
+                </a:solidFill>
+              </a:uFill>
+              <a:latin typeface="Arial"/>
+            </a:endParaRPr>
+          </a:p>
+          <a:p>
+            <a:pPr>
+              <a:lnSpc>
+                <a:spcPct val="100000"/>
+              </a:lnSpc>
+            </a:pPr>
+            <a:endParaRPr lang="en-US" sz="3200" b="0" strike="noStrike" spc="-1">
+              <a:solidFill>
+                <a:srgbClr val="000000"/>
+              </a:solidFill>
+              <a:uFill>
+                <a:solidFill>
+                  <a:srgbClr val="FFFFFF"/>
+                </a:solidFill>
+              </a:uFill>
+              <a:latin typeface="Arial"/>
+            </a:endParaRPr>
+          </a:p>
+          <a:p>
+            <a:pPr>
+              <a:lnSpc>
+                <a:spcPct val="100000"/>
+              </a:lnSpc>
+            </a:pPr>
+            <a:endParaRPr lang="en-US" sz="3200" b="0" strike="noStrike" spc="-1">
+              <a:solidFill>
+                <a:srgbClr val="000000"/>
+              </a:solidFill>
+              <a:uFill>
+                <a:solidFill>
+                  <a:srgbClr val="FFFFFF"/>
+                </a:solidFill>
+              </a:uFill>
+              <a:latin typeface="Arial"/>
+            </a:endParaRPr>
+          </a:p>
+          <a:p>
+            <a:pPr>
+              <a:lnSpc>
+                <a:spcPct val="100000"/>
+              </a:lnSpc>
+            </a:pPr>
+            <a:endParaRPr lang="en-US" sz="3200" b="0" strike="noStrike" spc="-1">
+              <a:solidFill>
+                <a:srgbClr val="000000"/>
+              </a:solidFill>
+              <a:uFill>
+                <a:solidFill>
+                  <a:srgbClr val="FFFFFF"/>
+                </a:solidFill>
+              </a:uFill>
+              <a:latin typeface="Arial"/>
+            </a:endParaRPr>
+          </a:p>
+          <a:p>
+            <a:pPr>
+              <a:lnSpc>
+                <a:spcPct val="100000"/>
+              </a:lnSpc>
+            </a:pPr>
+            <a:r>
+              <a:rPr lang="en-US" sz="3200" b="0" strike="noStrike" spc="-1">
                 <a:solidFill>
                   <a:srgbClr val="000000"/>
                 </a:solidFill>
@@ -10913,47 +11752,27 @@
                 <a:latin typeface="Arial"/>
                 <a:ea typeface="Noto Sans CJK SC Regular"/>
               </a:rPr>
-              <a:t>sess = tf.Session()</a:t>
-            </a:r>
-          </a:p>
-          <a:p>
-            <a:pPr marL="360">
-              <a:lnSpc>
-                <a:spcPct val="100000"/>
-              </a:lnSpc>
-              <a:buClr>
-                <a:srgbClr val="000000"/>
-              </a:buClr>
-              <a:buSzPct val="45000"/>
-            </a:pPr>
-            <a:r>
-              <a:rPr lang="en-US" sz="4400" b="0" strike="noStrike" spc="-1" smtClean="0">
-                <a:solidFill>
-                  <a:srgbClr val="000000"/>
-                </a:solidFill>
-                <a:uFill>
-                  <a:solidFill>
-                    <a:srgbClr val="FFFFFF"/>
-                  </a:solidFill>
-                </a:uFill>
-                <a:latin typeface="Arial"/>
-              </a:rPr>
-              <a:t>print sess.run(hello)</a:t>
-            </a:r>
-            <a:r>
-              <a:rPr lang="en-US" sz="3200" b="0" strike="noStrike" spc="-1" smtClean="0">
-                <a:solidFill>
-                  <a:srgbClr val="000000"/>
-                </a:solidFill>
-                <a:uFill>
-                  <a:solidFill>
-                    <a:srgbClr val="FFFFFF"/>
-                  </a:solidFill>
-                </a:uFill>
-                <a:latin typeface="Arial"/>
-              </a:rPr>
               <a:t> </a:t>
             </a:r>
+            <a:endParaRPr lang="en-US" sz="3200" b="0" strike="noStrike" spc="-1" smtClean="0">
+              <a:solidFill>
+                <a:srgbClr val="000000"/>
+              </a:solidFill>
+              <a:uFill>
+                <a:solidFill>
+                  <a:srgbClr val="FFFFFF"/>
+                </a:solidFill>
+              </a:uFill>
+              <a:latin typeface="Arial"/>
+              <a:ea typeface="Noto Sans CJK SC Regular"/>
+            </a:endParaRPr>
+          </a:p>
+          <a:p>
+            <a:pPr>
+              <a:lnSpc>
+                <a:spcPct val="100000"/>
+              </a:lnSpc>
+            </a:pPr>
             <a:endParaRPr lang="en-US" sz="3200" b="0" strike="noStrike" spc="-1">
               <a:solidFill>
                 <a:srgbClr val="000000"/>
@@ -10968,10 +11787,425 @@
           </a:p>
         </p:txBody>
       </p:sp>
+      <p:sp>
+        <p:nvSpPr>
+          <p:cNvPr id="51" name="CustomShape 3"/>
+          <p:cNvSpPr/>
+          <p:nvPr/>
+        </p:nvSpPr>
+        <p:spPr>
+          <a:xfrm>
+            <a:off x="5112360" y="1763640"/>
+            <a:ext cx="4463640" cy="4384080"/>
+          </a:xfrm>
+          <a:prstGeom prst="rect">
+            <a:avLst/>
+          </a:prstGeom>
+          <a:noFill/>
+          <a:ln>
+            <a:noFill/>
+          </a:ln>
+        </p:spPr>
+        <p:style>
+          <a:lnRef idx="0">
+            <a:scrgbClr r="0" g="0" b="0"/>
+          </a:lnRef>
+          <a:fillRef idx="0">
+            <a:scrgbClr r="0" g="0" b="0"/>
+          </a:fillRef>
+          <a:effectRef idx="0">
+            <a:scrgbClr r="0" g="0" b="0"/>
+          </a:effectRef>
+          <a:fontRef idx="minor"/>
+        </p:style>
+        <p:txBody>
+          <a:bodyPr lIns="0" tIns="0" rIns="0" bIns="0" anchor="ctr"/>
+          <a:lstStyle/>
+          <a:p>
+            <a:pPr>
+              <a:lnSpc>
+                <a:spcPct val="100000"/>
+              </a:lnSpc>
+            </a:pPr>
+            <a:r>
+              <a:rPr lang="en-US" sz="3200" b="0" strike="noStrike" spc="-1">
+                <a:solidFill>
+                  <a:srgbClr val="000000"/>
+                </a:solidFill>
+                <a:uFill>
+                  <a:solidFill>
+                    <a:srgbClr val="FFFFFF"/>
+                  </a:solidFill>
+                </a:uFill>
+                <a:latin typeface="Arial"/>
+                <a:ea typeface="Noto Sans CJK SC Regular"/>
+              </a:rPr>
+              <a:t>flow </a:t>
+            </a:r>
+            <a:r>
+              <a:rPr lang="en-US" sz="3200" b="0" strike="noStrike" spc="-1" smtClean="0">
+                <a:solidFill>
+                  <a:srgbClr val="000000"/>
+                </a:solidFill>
+                <a:uFill>
+                  <a:solidFill>
+                    <a:srgbClr val="FFFFFF"/>
+                  </a:solidFill>
+                </a:uFill>
+                <a:latin typeface="Arial"/>
+                <a:ea typeface="Noto Sans CJK SC Regular"/>
+              </a:rPr>
+              <a:t>= ?</a:t>
+            </a:r>
+          </a:p>
+          <a:p>
+            <a:pPr>
+              <a:lnSpc>
+                <a:spcPct val="100000"/>
+              </a:lnSpc>
+            </a:pPr>
+            <a:endParaRPr lang="en-US" sz="3200" spc="-1">
+              <a:solidFill>
+                <a:srgbClr val="000000"/>
+              </a:solidFill>
+              <a:uFill>
+                <a:solidFill>
+                  <a:srgbClr val="FFFFFF"/>
+                </a:solidFill>
+              </a:uFill>
+              <a:latin typeface="Arial"/>
+            </a:endParaRPr>
+          </a:p>
+          <a:p>
+            <a:pPr>
+              <a:lnSpc>
+                <a:spcPct val="100000"/>
+              </a:lnSpc>
+            </a:pPr>
+            <a:endParaRPr lang="en-US" sz="3200" b="0" strike="noStrike" spc="-1" smtClean="0">
+              <a:solidFill>
+                <a:srgbClr val="000000"/>
+              </a:solidFill>
+              <a:uFill>
+                <a:solidFill>
+                  <a:srgbClr val="FFFFFF"/>
+                </a:solidFill>
+              </a:uFill>
+              <a:latin typeface="Arial"/>
+            </a:endParaRPr>
+          </a:p>
+          <a:p>
+            <a:pPr>
+              <a:lnSpc>
+                <a:spcPct val="100000"/>
+              </a:lnSpc>
+            </a:pPr>
+            <a:endParaRPr lang="en-US" sz="1800" b="0" strike="noStrike" spc="-1">
+              <a:solidFill>
+                <a:srgbClr val="000000"/>
+              </a:solidFill>
+              <a:uFill>
+                <a:solidFill>
+                  <a:srgbClr val="FFFFFF"/>
+                </a:solidFill>
+              </a:uFill>
+              <a:latin typeface="Arial"/>
+            </a:endParaRPr>
+          </a:p>
+          <a:p>
+            <a:pPr>
+              <a:lnSpc>
+                <a:spcPct val="100000"/>
+              </a:lnSpc>
+            </a:pPr>
+            <a:endParaRPr lang="en-US" sz="1800" b="0" strike="noStrike" spc="-1">
+              <a:solidFill>
+                <a:srgbClr val="000000"/>
+              </a:solidFill>
+              <a:uFill>
+                <a:solidFill>
+                  <a:srgbClr val="FFFFFF"/>
+                </a:solidFill>
+              </a:uFill>
+              <a:latin typeface="Arial"/>
+            </a:endParaRPr>
+          </a:p>
+          <a:p>
+            <a:pPr>
+              <a:lnSpc>
+                <a:spcPct val="100000"/>
+              </a:lnSpc>
+            </a:pPr>
+            <a:endParaRPr lang="en-US" sz="1800" b="0" strike="noStrike" spc="-1">
+              <a:solidFill>
+                <a:srgbClr val="000000"/>
+              </a:solidFill>
+              <a:uFill>
+                <a:solidFill>
+                  <a:srgbClr val="FFFFFF"/>
+                </a:solidFill>
+              </a:uFill>
+              <a:latin typeface="Arial"/>
+            </a:endParaRPr>
+          </a:p>
+          <a:p>
+            <a:pPr>
+              <a:lnSpc>
+                <a:spcPct val="100000"/>
+              </a:lnSpc>
+            </a:pPr>
+            <a:endParaRPr lang="en-US" sz="1800" b="0" strike="noStrike" spc="-1">
+              <a:solidFill>
+                <a:srgbClr val="000000"/>
+              </a:solidFill>
+              <a:uFill>
+                <a:solidFill>
+                  <a:srgbClr val="FFFFFF"/>
+                </a:solidFill>
+              </a:uFill>
+              <a:latin typeface="Arial"/>
+            </a:endParaRPr>
+          </a:p>
+          <a:p>
+            <a:pPr>
+              <a:lnSpc>
+                <a:spcPct val="100000"/>
+              </a:lnSpc>
+            </a:pPr>
+            <a:endParaRPr lang="en-US" sz="1800" b="0" strike="noStrike" spc="-1">
+              <a:solidFill>
+                <a:srgbClr val="000000"/>
+              </a:solidFill>
+              <a:uFill>
+                <a:solidFill>
+                  <a:srgbClr val="FFFFFF"/>
+                </a:solidFill>
+              </a:uFill>
+              <a:latin typeface="Arial"/>
+            </a:endParaRPr>
+          </a:p>
+          <a:p>
+            <a:pPr>
+              <a:lnSpc>
+                <a:spcPct val="100000"/>
+              </a:lnSpc>
+            </a:pPr>
+            <a:endParaRPr lang="en-US" sz="1800" b="0" strike="noStrike" spc="-1">
+              <a:solidFill>
+                <a:srgbClr val="000000"/>
+              </a:solidFill>
+              <a:uFill>
+                <a:solidFill>
+                  <a:srgbClr val="FFFFFF"/>
+                </a:solidFill>
+              </a:uFill>
+              <a:latin typeface="Arial"/>
+            </a:endParaRPr>
+          </a:p>
+          <a:p>
+            <a:pPr>
+              <a:lnSpc>
+                <a:spcPct val="100000"/>
+              </a:lnSpc>
+            </a:pPr>
+            <a:r>
+              <a:rPr lang="en-US" sz="3200" b="0" strike="noStrike" spc="-1">
+                <a:solidFill>
+                  <a:srgbClr val="000000"/>
+                </a:solidFill>
+                <a:uFill>
+                  <a:solidFill>
+                    <a:srgbClr val="FFFFFF"/>
+                  </a:solidFill>
+                </a:uFill>
+                <a:latin typeface="Arial"/>
+                <a:ea typeface="Noto Sans CJK SC Regular"/>
+              </a:rPr>
+              <a:t> </a:t>
+            </a:r>
+            <a:endParaRPr lang="en-US" sz="3200" b="0" strike="noStrike" spc="-1" smtClean="0">
+              <a:solidFill>
+                <a:srgbClr val="000000"/>
+              </a:solidFill>
+              <a:uFill>
+                <a:solidFill>
+                  <a:srgbClr val="FFFFFF"/>
+                </a:solidFill>
+              </a:uFill>
+              <a:latin typeface="Arial"/>
+              <a:ea typeface="Noto Sans CJK SC Regular"/>
+            </a:endParaRPr>
+          </a:p>
+          <a:p>
+            <a:pPr>
+              <a:lnSpc>
+                <a:spcPct val="100000"/>
+              </a:lnSpc>
+            </a:pPr>
+            <a:endParaRPr lang="en-US" sz="3200" spc="-1">
+              <a:solidFill>
+                <a:srgbClr val="000000"/>
+              </a:solidFill>
+              <a:uFill>
+                <a:solidFill>
+                  <a:srgbClr val="FFFFFF"/>
+                </a:solidFill>
+              </a:uFill>
+              <a:latin typeface="Arial"/>
+            </a:endParaRPr>
+          </a:p>
+          <a:p>
+            <a:pPr>
+              <a:lnSpc>
+                <a:spcPct val="100000"/>
+              </a:lnSpc>
+            </a:pPr>
+            <a:endParaRPr lang="en-US" sz="1800" b="0" strike="noStrike" spc="-1">
+              <a:solidFill>
+                <a:srgbClr val="000000"/>
+              </a:solidFill>
+              <a:uFill>
+                <a:solidFill>
+                  <a:srgbClr val="FFFFFF"/>
+                </a:solidFill>
+              </a:uFill>
+              <a:latin typeface="Arial"/>
+            </a:endParaRPr>
+          </a:p>
+        </p:txBody>
+      </p:sp>
+      <p:pic>
+        <p:nvPicPr>
+          <p:cNvPr id="2050" name="Picture 2"/>
+          <p:cNvPicPr>
+            <a:picLocks noChangeAspect="1" noChangeArrowheads="1"/>
+          </p:cNvPicPr>
+          <p:nvPr/>
+        </p:nvPicPr>
+        <p:blipFill>
+          <a:blip r:embed="rId3">
+            <a:extLst>
+              <a:ext uri="{28A0092B-C50C-407E-A947-70E740481C1C}">
+                <a14:useLocalDpi xmlns:a14="http://schemas.microsoft.com/office/drawing/2010/main" val="0"/>
+              </a:ext>
+            </a:extLst>
+          </a:blip>
+          <a:srcRect/>
+          <a:stretch>
+            <a:fillRect/>
+          </a:stretch>
+        </p:blipFill>
+        <p:spPr bwMode="auto">
+          <a:xfrm>
+            <a:off x="143768" y="3275781"/>
+            <a:ext cx="3609975" cy="2171700"/>
+          </a:xfrm>
+          <a:prstGeom prst="rect">
+            <a:avLst/>
+          </a:prstGeom>
+          <a:noFill/>
+          <a:ln>
+            <a:noFill/>
+          </a:ln>
+          <a:effectLst/>
+          <a:extLst>
+            <a:ext uri="{909E8E84-426E-40DD-AFC4-6F175D3DCCD1}">
+              <a14:hiddenFill xmlns:a14="http://schemas.microsoft.com/office/drawing/2010/main">
+                <a:solidFill>
+                  <a:schemeClr val="accent1"/>
+                </a:solidFill>
+              </a14:hiddenFill>
+            </a:ext>
+            <a:ext uri="{91240B29-F687-4F45-9708-019B960494DF}">
+              <a14:hiddenLine xmlns:a14="http://schemas.microsoft.com/office/drawing/2010/main" w="9525">
+                <a:solidFill>
+                  <a:schemeClr val="tx1"/>
+                </a:solidFill>
+                <a:miter lim="800000"/>
+                <a:headEnd/>
+                <a:tailEnd/>
+              </a14:hiddenLine>
+            </a:ext>
+            <a:ext uri="{AF507438-7753-43E0-B8FC-AC1667EBCBE1}">
+              <a14:hiddenEffects xmlns:a14="http://schemas.microsoft.com/office/drawing/2010/main">
+                <a:effectLst>
+                  <a:outerShdw dist="35921" dir="2700000" algn="ctr" rotWithShape="0">
+                    <a:schemeClr val="bg2"/>
+                  </a:outerShdw>
+                </a:effectLst>
+              </a14:hiddenEffects>
+            </a:ext>
+          </a:extLst>
+        </p:spPr>
+      </p:pic>
+      <p:pic>
+        <p:nvPicPr>
+          <p:cNvPr id="4098" name="Picture 2"/>
+          <p:cNvPicPr>
+            <a:picLocks noChangeAspect="1" noChangeArrowheads="1"/>
+          </p:cNvPicPr>
+          <p:nvPr/>
+        </p:nvPicPr>
+        <p:blipFill>
+          <a:blip r:embed="rId4">
+            <a:extLst>
+              <a:ext uri="{28A0092B-C50C-407E-A947-70E740481C1C}">
+                <a14:useLocalDpi xmlns:a14="http://schemas.microsoft.com/office/drawing/2010/main" val="0"/>
+              </a:ext>
+            </a:extLst>
+          </a:blip>
+          <a:srcRect/>
+          <a:stretch>
+            <a:fillRect/>
+          </a:stretch>
+        </p:blipFill>
+        <p:spPr bwMode="auto">
+          <a:xfrm>
+            <a:off x="5610923" y="3140956"/>
+            <a:ext cx="3263229" cy="2782112"/>
+          </a:xfrm>
+          <a:prstGeom prst="rect">
+            <a:avLst/>
+          </a:prstGeom>
+          <a:noFill/>
+          <a:ln>
+            <a:noFill/>
+          </a:ln>
+          <a:effectLst/>
+          <a:extLst>
+            <a:ext uri="{909E8E84-426E-40DD-AFC4-6F175D3DCCD1}">
+              <a14:hiddenFill xmlns:a14="http://schemas.microsoft.com/office/drawing/2010/main">
+                <a:solidFill>
+                  <a:schemeClr val="accent1"/>
+                </a:solidFill>
+              </a14:hiddenFill>
+            </a:ext>
+            <a:ext uri="{91240B29-F687-4F45-9708-019B960494DF}">
+              <a14:hiddenLine xmlns:a14="http://schemas.microsoft.com/office/drawing/2010/main" w="9525">
+                <a:solidFill>
+                  <a:schemeClr val="tx1"/>
+                </a:solidFill>
+                <a:miter lim="800000"/>
+                <a:headEnd/>
+                <a:tailEnd/>
+              </a14:hiddenLine>
+            </a:ext>
+            <a:ext uri="{AF507438-7753-43E0-B8FC-AC1667EBCBE1}">
+              <a14:hiddenEffects xmlns:a14="http://schemas.microsoft.com/office/drawing/2010/main">
+                <a:effectLst>
+                  <a:outerShdw dist="35921" dir="2700000" algn="ctr" rotWithShape="0">
+                    <a:schemeClr val="bg2"/>
+                  </a:outerShdw>
+                </a:effectLst>
+              </a14:hiddenEffects>
+            </a:ext>
+          </a:extLst>
+        </p:spPr>
+      </p:pic>
     </p:spTree>
     <p:extLst>
       <p:ext uri="{BB962C8B-B14F-4D97-AF65-F5344CB8AC3E}">
-        <p14:creationId xmlns:p14="http://schemas.microsoft.com/office/powerpoint/2010/main" val="3766911377"/>
+        <p14:creationId xmlns:p14="http://schemas.microsoft.com/office/powerpoint/2010/main" val="120934063"/>
       </p:ext>
     </p:extLst>
   </p:cSld>
@@ -11077,7 +12311,7 @@
               </a:lnSpc>
             </a:pPr>
             <a:r>
-              <a:rPr lang="ko-KR" sz="4400" b="0" strike="noStrike" spc="-1" smtClean="0">
+              <a:rPr lang="en-US" altLang="ko-KR" sz="4400" b="0" strike="noStrike" spc="-1" smtClean="0">
                 <a:solidFill>
                   <a:srgbClr val="000000"/>
                 </a:solidFill>
@@ -11088,7 +12322,21 @@
                 </a:uFill>
                 <a:latin typeface="Arial"/>
               </a:rPr>
-              <a:t>변수</a:t>
+              <a:t>tensorflow </a:t>
+            </a:r>
+            <a:r>
+              <a:rPr lang="ko-KR" altLang="en-US" sz="4400" b="0" strike="noStrike" spc="-1" smtClean="0">
+                <a:solidFill>
+                  <a:srgbClr val="000000"/>
+                </a:solidFill>
+                <a:uFill>
+                  <a:solidFill>
+                    <a:srgbClr val="FFFFFF"/>
+                  </a:solidFill>
+                </a:uFill>
+                <a:latin typeface="Arial"/>
+              </a:rPr>
+              <a:t>코드작성</a:t>
             </a:r>
             <a:endParaRPr lang="ko-KR" sz="1800" b="0" strike="noStrike" spc="-1">
               <a:solidFill>
@@ -11137,7 +12385,7 @@
               <a:buSzPct val="45000"/>
             </a:pPr>
             <a:r>
-              <a:rPr lang="en-US" sz="2400" b="0" strike="noStrike" spc="-1" smtClean="0">
+              <a:rPr lang="en-US" sz="4400" spc="-1" smtClean="0">
                 <a:solidFill>
                   <a:srgbClr val="000000"/>
                 </a:solidFill>
@@ -11149,35 +12397,8 @@
                 <a:latin typeface="Arial"/>
                 <a:ea typeface="Noto Sans CJK SC Regular"/>
               </a:rPr>
-              <a:t>constant : </a:t>
-            </a:r>
-            <a:r>
-              <a:rPr lang="ko-KR" altLang="en-US" sz="2400" b="0" strike="noStrike" spc="-1" smtClean="0">
-                <a:solidFill>
-                  <a:srgbClr val="000000"/>
-                </a:solidFill>
-                <a:uFill>
-                  <a:solidFill>
-                    <a:srgbClr val="FFFFFF"/>
-                  </a:solidFill>
-                </a:uFill>
-                <a:latin typeface="Arial"/>
-                <a:ea typeface="Noto Sans CJK SC Regular"/>
-              </a:rPr>
-              <a:t>연산가능</a:t>
-            </a:r>
-            <a:endParaRPr lang="en-US" sz="2400" b="0" strike="noStrike" spc="-1" smtClean="0">
-              <a:solidFill>
-                <a:srgbClr val="000000"/>
-              </a:solidFill>
-              <a:uFill>
-                <a:solidFill>
-                  <a:srgbClr val="FFFFFF"/>
-                </a:solidFill>
-              </a:uFill>
-              <a:latin typeface="Arial"/>
-              <a:ea typeface="Noto Sans CJK SC Regular"/>
-            </a:endParaRPr>
+              <a:t>import tensorflow as tf</a:t>
+            </a:r>
           </a:p>
           <a:p>
             <a:pPr marL="360">
@@ -11190,7 +12411,7 @@
               <a:buSzPct val="45000"/>
             </a:pPr>
             <a:r>
-              <a:rPr lang="en-US" sz="2400" spc="-1">
+              <a:rPr lang="en-US" sz="4400" b="0" strike="noStrike" spc="-1" smtClean="0">
                 <a:solidFill>
                   <a:srgbClr val="000000"/>
                 </a:solidFill>
@@ -11200,42 +12421,9 @@
                   </a:solidFill>
                 </a:uFill>
                 <a:latin typeface="Arial"/>
-              </a:rPr>
-              <a:t>	</a:t>
-            </a:r>
-            <a:r>
-              <a:rPr lang="en-US" sz="2400" spc="-1" smtClean="0">
-                <a:solidFill>
-                  <a:srgbClr val="000000"/>
-                </a:solidFill>
-                <a:uFill>
-                  <a:solidFill>
-                    <a:srgbClr val="FFFFFF"/>
-                  </a:solidFill>
-                </a:uFill>
-                <a:latin typeface="Arial"/>
-              </a:rPr>
-              <a:t>const</a:t>
-            </a:r>
-            <a:r>
-              <a:rPr lang="en-US" altLang="ko-KR" sz="2400" smtClean="0"/>
-              <a:t>1 = tf.constant([[</a:t>
-            </a:r>
-            <a:r>
-              <a:rPr lang="en-US" altLang="ko-KR" sz="2400"/>
-              <a:t>3.</a:t>
-            </a:r>
-            <a:r>
-              <a:rPr lang="en-US" altLang="ko-KR" sz="2400" smtClean="0"/>
-              <a:t>, </a:t>
-            </a:r>
-            <a:r>
-              <a:rPr lang="en-US" altLang="ko-KR" sz="2400"/>
-              <a:t>3</a:t>
-            </a:r>
-            <a:r>
-              <a:rPr lang="en-US" altLang="ko-KR" sz="2400" smtClean="0"/>
-              <a:t>.][4., 4.], dtype=tf.float32)</a:t>
+                <a:ea typeface="Noto Sans CJK SC Regular"/>
+              </a:rPr>
+              <a:t>hello = tf.constant(“Hello world”)</a:t>
             </a:r>
           </a:p>
           <a:p>
@@ -11249,7 +12437,7 @@
               <a:buSzPct val="45000"/>
             </a:pPr>
             <a:r>
-              <a:rPr lang="en-US" sz="2400" b="0" strike="noStrike" spc="-1">
+              <a:rPr lang="en-US" sz="4400" spc="-1" smtClean="0">
                 <a:solidFill>
                   <a:srgbClr val="000000"/>
                 </a:solidFill>
@@ -11259,12 +12447,9 @@
                   </a:solidFill>
                 </a:uFill>
                 <a:latin typeface="Arial"/>
-              </a:rPr>
-              <a:t>	</a:t>
-            </a:r>
-            <a:r>
-              <a:rPr lang="en-US" altLang="ko-KR" sz="2400" smtClean="0"/>
-              <a:t>product = tf.matmul(const1, const1)</a:t>
+                <a:ea typeface="Noto Sans CJK SC Regular"/>
+              </a:rPr>
+              <a:t>sess = tf.Session()</a:t>
             </a:r>
           </a:p>
           <a:p>
@@ -11277,30 +12462,8 @@
               </a:buClr>
               <a:buSzPct val="45000"/>
             </a:pPr>
-            <a:endParaRPr lang="en-US" sz="2400" b="0" strike="noStrike" spc="-1">
-              <a:solidFill>
-                <a:srgbClr val="000000"/>
-              </a:solidFill>
-              <a:uFill>
-                <a:solidFill>
-                  <a:srgbClr val="FFFFFF"/>
-                </a:solidFill>
-              </a:uFill>
-              <a:latin typeface="Arial"/>
-            </a:endParaRPr>
-          </a:p>
-          <a:p>
-            <a:pPr marL="360">
-              <a:lnSpc>
-                <a:spcPct val="100000"/>
-              </a:lnSpc>
-              <a:buClr>
-                <a:srgbClr val="000000"/>
-              </a:buClr>
-              <a:buSzPct val="45000"/>
-            </a:pPr>
-            <a:r>
-              <a:rPr lang="en-US" sz="2400" b="0" strike="noStrike" spc="-1" smtClean="0">
+            <a:r>
+              <a:rPr lang="en-US" sz="4400" b="0" strike="noStrike" spc="-1" smtClean="0">
                 <a:solidFill>
                   <a:srgbClr val="000000"/>
                 </a:solidFill>
@@ -11310,475 +12473,9 @@
                   </a:solidFill>
                 </a:uFill>
                 <a:latin typeface="Arial"/>
-                <a:ea typeface="Noto Sans CJK SC Regular"/>
-              </a:rPr>
-              <a:t>variable : </a:t>
-            </a:r>
-            <a:r>
-              <a:rPr lang="ko-KR" altLang="en-US" sz="2400" b="0" strike="noStrike" spc="-1" smtClean="0">
-                <a:solidFill>
-                  <a:srgbClr val="000000"/>
-                </a:solidFill>
-                <a:uFill>
-                  <a:solidFill>
-                    <a:srgbClr val="FFFFFF"/>
-                  </a:solidFill>
-                </a:uFill>
-                <a:latin typeface="Arial"/>
-                <a:ea typeface="Noto Sans CJK SC Regular"/>
-              </a:rPr>
-              <a:t>초기화 필요</a:t>
-            </a:r>
-            <a:endParaRPr lang="en-US" sz="2400" b="0" strike="noStrike" spc="-1" smtClean="0">
-              <a:solidFill>
-                <a:srgbClr val="000000"/>
-              </a:solidFill>
-              <a:uFill>
-                <a:solidFill>
-                  <a:srgbClr val="FFFFFF"/>
-                </a:solidFill>
-              </a:uFill>
-              <a:latin typeface="Arial"/>
-              <a:ea typeface="Noto Sans CJK SC Regular"/>
-            </a:endParaRPr>
-          </a:p>
-          <a:p>
-            <a:pPr marL="360">
-              <a:lnSpc>
-                <a:spcPct val="100000"/>
-              </a:lnSpc>
-              <a:buClr>
-                <a:srgbClr val="000000"/>
-              </a:buClr>
-              <a:buSzPct val="45000"/>
-            </a:pPr>
-            <a:r>
-              <a:rPr lang="en-US" sz="2400" spc="-1">
-                <a:solidFill>
-                  <a:srgbClr val="000000"/>
-                </a:solidFill>
-                <a:uFill>
-                  <a:solidFill>
-                    <a:srgbClr val="FFFFFF"/>
-                  </a:solidFill>
-                </a:uFill>
-                <a:latin typeface="Arial"/>
-              </a:rPr>
-              <a:t>	</a:t>
-            </a:r>
-            <a:r>
-              <a:rPr lang="en-US" sz="2400" spc="-1" smtClean="0">
-                <a:solidFill>
-                  <a:srgbClr val="000000"/>
-                </a:solidFill>
-                <a:uFill>
-                  <a:solidFill>
-                    <a:srgbClr val="FFFFFF"/>
-                  </a:solidFill>
-                </a:uFill>
-                <a:latin typeface="Arial"/>
-              </a:rPr>
-              <a:t>var1</a:t>
-            </a:r>
-            <a:r>
-              <a:rPr lang="en-US" altLang="ko-KR" sz="2400" smtClean="0"/>
-              <a:t> = tf.</a:t>
-            </a:r>
-            <a:r>
-              <a:rPr lang="en-US" altLang="ko-KR" sz="2400"/>
-              <a:t>V</a:t>
-            </a:r>
-            <a:r>
-              <a:rPr lang="en-US" altLang="ko-KR" sz="2400" smtClean="0"/>
-              <a:t>ariable([[3., 3.][4., 4.], dtype=tf.float32)</a:t>
-            </a:r>
-          </a:p>
-          <a:p>
-            <a:pPr marL="360">
-              <a:lnSpc>
-                <a:spcPct val="100000"/>
-              </a:lnSpc>
-              <a:buClr>
-                <a:srgbClr val="000000"/>
-              </a:buClr>
-              <a:buSzPct val="45000"/>
-            </a:pPr>
-            <a:r>
-              <a:rPr lang="en-US" sz="2400" b="0" strike="noStrike" spc="-1" smtClean="0">
-                <a:solidFill>
-                  <a:srgbClr val="000000"/>
-                </a:solidFill>
-                <a:uFill>
-                  <a:solidFill>
-                    <a:srgbClr val="FFFFFF"/>
-                  </a:solidFill>
-                </a:uFill>
-                <a:latin typeface="Arial"/>
-              </a:rPr>
-              <a:t>	</a:t>
-            </a:r>
-            <a:r>
-              <a:rPr lang="en-US" altLang="ko-KR" sz="2400" smtClean="0"/>
-              <a:t>product = var1 * var1</a:t>
-            </a:r>
-          </a:p>
-          <a:p>
-            <a:pPr marL="360">
-              <a:lnSpc>
-                <a:spcPct val="100000"/>
-              </a:lnSpc>
-              <a:buClr>
-                <a:srgbClr val="000000"/>
-              </a:buClr>
-              <a:buSzPct val="45000"/>
-            </a:pPr>
-            <a:r>
-              <a:rPr lang="en-US" altLang="ko-KR" sz="2400"/>
-              <a:t>	</a:t>
-            </a:r>
-            <a:r>
-              <a:rPr lang="en-US" altLang="ko-KR" sz="2400" smtClean="0"/>
-              <a:t>init = tf.global_variables_initializer()</a:t>
-            </a:r>
-          </a:p>
-          <a:p>
-            <a:pPr marL="360">
-              <a:lnSpc>
-                <a:spcPct val="100000"/>
-              </a:lnSpc>
-              <a:buClr>
-                <a:srgbClr val="000000"/>
-              </a:buClr>
-              <a:buSzPct val="45000"/>
-            </a:pPr>
-            <a:r>
-              <a:rPr lang="en-US" altLang="ko-KR" sz="2400"/>
-              <a:t>	</a:t>
-            </a:r>
-            <a:r>
-              <a:rPr lang="en-US" altLang="ko-KR" sz="2400" smtClean="0"/>
-              <a:t>sess.run(init)</a:t>
-            </a:r>
-          </a:p>
-          <a:p>
-            <a:pPr marL="360">
-              <a:lnSpc>
-                <a:spcPct val="100000"/>
-              </a:lnSpc>
-              <a:buClr>
-                <a:srgbClr val="000000"/>
-              </a:buClr>
-              <a:buSzPct val="45000"/>
-            </a:pPr>
-            <a:endParaRPr lang="en-US" sz="2400" b="0" strike="noStrike" spc="-1">
-              <a:solidFill>
-                <a:srgbClr val="000000"/>
-              </a:solidFill>
-              <a:uFill>
-                <a:solidFill>
-                  <a:srgbClr val="FFFFFF"/>
-                </a:solidFill>
-              </a:uFill>
-              <a:latin typeface="Arial"/>
-            </a:endParaRPr>
-          </a:p>
-          <a:p>
-            <a:pPr marL="360">
-              <a:lnSpc>
-                <a:spcPct val="100000"/>
-              </a:lnSpc>
-              <a:buClr>
-                <a:srgbClr val="000000"/>
-              </a:buClr>
-              <a:buSzPct val="45000"/>
-            </a:pPr>
-            <a:r>
-              <a:rPr lang="en-US" sz="2400" b="0" strike="noStrike" spc="-1" smtClean="0">
-                <a:solidFill>
-                  <a:srgbClr val="000000"/>
-                </a:solidFill>
-                <a:uFill>
-                  <a:solidFill>
-                    <a:srgbClr val="FFFFFF"/>
-                  </a:solidFill>
-                </a:uFill>
-                <a:latin typeface="Arial"/>
-                <a:ea typeface="Noto Sans CJK SC Regular"/>
-              </a:rPr>
-              <a:t>placeholder : </a:t>
-            </a:r>
-            <a:r>
-              <a:rPr lang="ko-KR" altLang="en-US" sz="2400" spc="-1" smtClean="0">
-                <a:solidFill>
-                  <a:srgbClr val="000000"/>
-                </a:solidFill>
-                <a:uFill>
-                  <a:solidFill>
-                    <a:srgbClr val="FFFFFF"/>
-                  </a:solidFill>
-                </a:uFill>
-                <a:latin typeface="Arial"/>
-                <a:ea typeface="Noto Sans CJK SC Regular"/>
-              </a:rPr>
-              <a:t>다른 변수를 그래프로 매핑</a:t>
-            </a:r>
-            <a:r>
-              <a:rPr lang="en-US" altLang="ko-KR" sz="2400" spc="-1" smtClean="0">
-                <a:solidFill>
-                  <a:srgbClr val="000000"/>
-                </a:solidFill>
-                <a:uFill>
-                  <a:solidFill>
-                    <a:srgbClr val="FFFFFF"/>
-                  </a:solidFill>
-                </a:uFill>
-                <a:latin typeface="Arial"/>
-                <a:ea typeface="Noto Sans CJK SC Regular"/>
-              </a:rPr>
-              <a:t>(feed_dict)</a:t>
-            </a:r>
-          </a:p>
-          <a:p>
-            <a:pPr marL="360">
-              <a:lnSpc>
-                <a:spcPct val="100000"/>
-              </a:lnSpc>
-              <a:buClr>
-                <a:srgbClr val="000000"/>
-              </a:buClr>
-              <a:buSzPct val="45000"/>
-            </a:pPr>
-            <a:r>
-              <a:rPr lang="en-US" altLang="ko-KR" sz="2400" spc="-1">
-                <a:solidFill>
-                  <a:srgbClr val="000000"/>
-                </a:solidFill>
-                <a:uFill>
-                  <a:solidFill>
-                    <a:srgbClr val="FFFFFF"/>
-                  </a:solidFill>
-                </a:uFill>
-                <a:latin typeface="Arial"/>
-                <a:ea typeface="Noto Sans CJK SC Regular"/>
-              </a:rPr>
-              <a:t>	</a:t>
-            </a:r>
-            <a:r>
-              <a:rPr lang="en-US" altLang="ko-KR" sz="2400" spc="-1" smtClean="0">
-                <a:solidFill>
-                  <a:srgbClr val="000000"/>
-                </a:solidFill>
-                <a:uFill>
-                  <a:solidFill>
-                    <a:srgbClr val="FFFFFF"/>
-                  </a:solidFill>
-                </a:uFill>
-                <a:latin typeface="Arial"/>
-                <a:ea typeface="Noto Sans CJK SC Regular"/>
-              </a:rPr>
-              <a:t>mat1 = </a:t>
-            </a:r>
-            <a:r>
-              <a:rPr lang="en-US" altLang="ko-KR" sz="2400" smtClean="0"/>
-              <a:t>[[3., 3.][4., 4.]]</a:t>
-            </a:r>
-            <a:endParaRPr lang="en-US" altLang="ko-KR" sz="2400" spc="-1" smtClean="0">
-              <a:solidFill>
-                <a:srgbClr val="000000"/>
-              </a:solidFill>
-              <a:uFill>
-                <a:solidFill>
-                  <a:srgbClr val="FFFFFF"/>
-                </a:solidFill>
-              </a:uFill>
-              <a:latin typeface="Arial"/>
-              <a:ea typeface="Noto Sans CJK SC Regular"/>
-            </a:endParaRPr>
-          </a:p>
-          <a:p>
-            <a:pPr marL="360">
-              <a:lnSpc>
-                <a:spcPct val="100000"/>
-              </a:lnSpc>
-              <a:buClr>
-                <a:srgbClr val="000000"/>
-              </a:buClr>
-              <a:buSzPct val="45000"/>
-            </a:pPr>
-            <a:r>
-              <a:rPr lang="en-US" sz="2400" b="0" strike="noStrike" spc="-1">
-                <a:solidFill>
-                  <a:srgbClr val="000000"/>
-                </a:solidFill>
-                <a:uFill>
-                  <a:solidFill>
-                    <a:srgbClr val="FFFFFF"/>
-                  </a:solidFill>
-                </a:uFill>
-                <a:latin typeface="Arial"/>
-              </a:rPr>
-              <a:t>	</a:t>
-            </a:r>
-            <a:r>
-              <a:rPr lang="en-US" sz="2400" b="0" strike="noStrike" spc="-1" smtClean="0">
-                <a:solidFill>
-                  <a:srgbClr val="000000"/>
-                </a:solidFill>
-                <a:uFill>
-                  <a:solidFill>
-                    <a:srgbClr val="FFFFFF"/>
-                  </a:solidFill>
-                </a:uFill>
-                <a:latin typeface="Arial"/>
-              </a:rPr>
-              <a:t>ph1 = tf.placeholder(dtype=tf.float32)</a:t>
-            </a:r>
-          </a:p>
-          <a:p>
-            <a:pPr marL="360">
-              <a:lnSpc>
-                <a:spcPct val="100000"/>
-              </a:lnSpc>
-              <a:buClr>
-                <a:srgbClr val="000000"/>
-              </a:buClr>
-              <a:buSzPct val="45000"/>
-            </a:pPr>
-            <a:r>
-              <a:rPr lang="en-US" sz="2400" spc="-1">
-                <a:solidFill>
-                  <a:srgbClr val="000000"/>
-                </a:solidFill>
-                <a:uFill>
-                  <a:solidFill>
-                    <a:srgbClr val="FFFFFF"/>
-                  </a:solidFill>
-                </a:uFill>
-                <a:latin typeface="Arial"/>
-              </a:rPr>
-              <a:t>	</a:t>
-            </a:r>
-            <a:r>
-              <a:rPr lang="en-US" sz="2400" spc="-1" smtClean="0">
-                <a:solidFill>
-                  <a:srgbClr val="000000"/>
-                </a:solidFill>
-                <a:uFill>
-                  <a:solidFill>
-                    <a:srgbClr val="FFFFFF"/>
-                  </a:solidFill>
-                </a:uFill>
-                <a:latin typeface="Arial"/>
-              </a:rPr>
-              <a:t>product = ph1 * ph1</a:t>
-            </a:r>
-            <a:endParaRPr lang="en-US" sz="2400" b="0" strike="noStrike" spc="-1" smtClean="0">
-              <a:solidFill>
-                <a:srgbClr val="000000"/>
-              </a:solidFill>
-              <a:uFill>
-                <a:solidFill>
-                  <a:srgbClr val="FFFFFF"/>
-                </a:solidFill>
-              </a:uFill>
-              <a:latin typeface="Arial"/>
-            </a:endParaRPr>
-          </a:p>
-          <a:p>
-            <a:pPr marL="360">
-              <a:lnSpc>
-                <a:spcPct val="100000"/>
-              </a:lnSpc>
-              <a:buClr>
-                <a:srgbClr val="000000"/>
-              </a:buClr>
-              <a:buSzPct val="45000"/>
-            </a:pPr>
-            <a:r>
-              <a:rPr lang="en-US" sz="2400" spc="-1">
-                <a:solidFill>
-                  <a:srgbClr val="000000"/>
-                </a:solidFill>
-                <a:uFill>
-                  <a:solidFill>
-                    <a:srgbClr val="FFFFFF"/>
-                  </a:solidFill>
-                </a:uFill>
-                <a:latin typeface="Arial"/>
-              </a:rPr>
-              <a:t>	</a:t>
-            </a:r>
-            <a:r>
-              <a:rPr lang="en-US" sz="2400" spc="-1" smtClean="0">
-                <a:solidFill>
-                  <a:srgbClr val="000000"/>
-                </a:solidFill>
-                <a:uFill>
-                  <a:solidFill>
-                    <a:srgbClr val="FFFFFF"/>
-                  </a:solidFill>
-                </a:uFill>
-                <a:latin typeface="Arial"/>
-              </a:rPr>
-              <a:t>feed_dict={ph1: mat1}</a:t>
-            </a:r>
-          </a:p>
-          <a:p>
-            <a:pPr marL="360">
-              <a:lnSpc>
-                <a:spcPct val="100000"/>
-              </a:lnSpc>
-              <a:buClr>
-                <a:srgbClr val="000000"/>
-              </a:buClr>
-              <a:buSzPct val="45000"/>
-            </a:pPr>
-            <a:r>
-              <a:rPr lang="en-US" sz="2400" b="0" strike="noStrike" spc="-1">
-                <a:solidFill>
-                  <a:srgbClr val="000000"/>
-                </a:solidFill>
-                <a:uFill>
-                  <a:solidFill>
-                    <a:srgbClr val="FFFFFF"/>
-                  </a:solidFill>
-                </a:uFill>
-                <a:latin typeface="Arial"/>
-              </a:rPr>
-              <a:t>	</a:t>
-            </a:r>
-            <a:r>
-              <a:rPr lang="en-US" sz="2400" b="0" strike="noStrike" spc="-1" smtClean="0">
-                <a:solidFill>
-                  <a:srgbClr val="000000"/>
-                </a:solidFill>
-                <a:uFill>
-                  <a:solidFill>
-                    <a:srgbClr val="FFFFFF"/>
-                  </a:solidFill>
-                </a:uFill>
-                <a:latin typeface="Arial"/>
-              </a:rPr>
-              <a:t>sess.run(product, feed_dict=feed_dict)</a:t>
-            </a:r>
-            <a:endParaRPr lang="en-US" sz="2400" b="0" strike="noStrike" spc="-1">
-              <a:solidFill>
-                <a:srgbClr val="000000"/>
-              </a:solidFill>
-              <a:uFill>
-                <a:solidFill>
-                  <a:srgbClr val="FFFFFF"/>
-                </a:solidFill>
-              </a:uFill>
-              <a:latin typeface="Arial"/>
-            </a:endParaRPr>
-          </a:p>
-          <a:p>
-            <a:pPr>
-              <a:lnSpc>
-                <a:spcPct val="100000"/>
-              </a:lnSpc>
-            </a:pPr>
+              </a:rPr>
+              <a:t>print sess.run(hello)</a:t>
+            </a:r>
             <a:r>
               <a:rPr lang="en-US" sz="3200" b="0" strike="noStrike" spc="-1" smtClean="0">
                 <a:solidFill>
@@ -11808,6 +12505,11 @@
         </p:txBody>
       </p:sp>
     </p:spTree>
+    <p:extLst>
+      <p:ext uri="{BB962C8B-B14F-4D97-AF65-F5344CB8AC3E}">
+        <p14:creationId xmlns:p14="http://schemas.microsoft.com/office/powerpoint/2010/main" val="3766911377"/>
+      </p:ext>
+    </p:extLst>
   </p:cSld>
   <p:clrMapOvr>
     <a:masterClrMapping/>
@@ -11911,7 +12613,7 @@
               </a:lnSpc>
             </a:pPr>
             <a:r>
-              <a:rPr lang="en-US" altLang="ko-KR" sz="4400" spc="-1" smtClean="0">
+              <a:rPr lang="ko-KR" sz="4400" b="0" strike="noStrike" spc="-1" smtClean="0">
                 <a:solidFill>
                   <a:srgbClr val="000000"/>
                 </a:solidFill>
@@ -11922,7 +12624,7 @@
                 </a:uFill>
                 <a:latin typeface="Arial"/>
               </a:rPr>
-              <a:t>MNIST</a:t>
+              <a:t>변수</a:t>
             </a:r>
             <a:endParaRPr lang="ko-KR" sz="1800" b="0" strike="noStrike" spc="-1">
               <a:solidFill>
@@ -11961,6 +12663,653 @@
           <a:bodyPr lIns="0" tIns="0" rIns="0" bIns="0" anchor="ctr"/>
           <a:lstStyle/>
           <a:p>
+            <a:pPr marL="360">
+              <a:lnSpc>
+                <a:spcPct val="100000"/>
+              </a:lnSpc>
+              <a:buClr>
+                <a:srgbClr val="000000"/>
+              </a:buClr>
+              <a:buSzPct val="45000"/>
+            </a:pPr>
+            <a:r>
+              <a:rPr lang="en-US" sz="2400" b="0" strike="noStrike" spc="-1" smtClean="0">
+                <a:solidFill>
+                  <a:srgbClr val="000000"/>
+                </a:solidFill>
+                <a:uFill>
+                  <a:solidFill>
+                    <a:srgbClr val="FFFFFF"/>
+                  </a:solidFill>
+                </a:uFill>
+                <a:latin typeface="Arial"/>
+                <a:ea typeface="Noto Sans CJK SC Regular"/>
+              </a:rPr>
+              <a:t>constant : </a:t>
+            </a:r>
+            <a:r>
+              <a:rPr lang="ko-KR" altLang="en-US" sz="2400" b="0" strike="noStrike" spc="-1" smtClean="0">
+                <a:solidFill>
+                  <a:srgbClr val="000000"/>
+                </a:solidFill>
+                <a:uFill>
+                  <a:solidFill>
+                    <a:srgbClr val="FFFFFF"/>
+                  </a:solidFill>
+                </a:uFill>
+                <a:latin typeface="Arial"/>
+                <a:ea typeface="Noto Sans CJK SC Regular"/>
+              </a:rPr>
+              <a:t>연산가능</a:t>
+            </a:r>
+            <a:endParaRPr lang="en-US" sz="2400" b="0" strike="noStrike" spc="-1" smtClean="0">
+              <a:solidFill>
+                <a:srgbClr val="000000"/>
+              </a:solidFill>
+              <a:uFill>
+                <a:solidFill>
+                  <a:srgbClr val="FFFFFF"/>
+                </a:solidFill>
+              </a:uFill>
+              <a:latin typeface="Arial"/>
+              <a:ea typeface="Noto Sans CJK SC Regular"/>
+            </a:endParaRPr>
+          </a:p>
+          <a:p>
+            <a:pPr marL="360">
+              <a:lnSpc>
+                <a:spcPct val="100000"/>
+              </a:lnSpc>
+              <a:buClr>
+                <a:srgbClr val="000000"/>
+              </a:buClr>
+              <a:buSzPct val="45000"/>
+            </a:pPr>
+            <a:r>
+              <a:rPr lang="en-US" sz="2400" spc="-1">
+                <a:solidFill>
+                  <a:srgbClr val="000000"/>
+                </a:solidFill>
+                <a:uFill>
+                  <a:solidFill>
+                    <a:srgbClr val="FFFFFF"/>
+                  </a:solidFill>
+                </a:uFill>
+                <a:latin typeface="Arial"/>
+              </a:rPr>
+              <a:t>	</a:t>
+            </a:r>
+            <a:r>
+              <a:rPr lang="en-US" sz="2400" spc="-1" smtClean="0">
+                <a:solidFill>
+                  <a:srgbClr val="000000"/>
+                </a:solidFill>
+                <a:uFill>
+                  <a:solidFill>
+                    <a:srgbClr val="FFFFFF"/>
+                  </a:solidFill>
+                </a:uFill>
+                <a:latin typeface="Arial"/>
+              </a:rPr>
+              <a:t>const</a:t>
+            </a:r>
+            <a:r>
+              <a:rPr lang="en-US" altLang="ko-KR" sz="2400" smtClean="0"/>
+              <a:t>1 = tf.constant([[</a:t>
+            </a:r>
+            <a:r>
+              <a:rPr lang="en-US" altLang="ko-KR" sz="2400"/>
+              <a:t>3.</a:t>
+            </a:r>
+            <a:r>
+              <a:rPr lang="en-US" altLang="ko-KR" sz="2400" smtClean="0"/>
+              <a:t>, </a:t>
+            </a:r>
+            <a:r>
+              <a:rPr lang="en-US" altLang="ko-KR" sz="2400"/>
+              <a:t>3</a:t>
+            </a:r>
+            <a:r>
+              <a:rPr lang="en-US" altLang="ko-KR" sz="2400" smtClean="0"/>
+              <a:t>.][4., 4.], dtype=tf.float32)</a:t>
+            </a:r>
+          </a:p>
+          <a:p>
+            <a:pPr marL="360">
+              <a:lnSpc>
+                <a:spcPct val="100000"/>
+              </a:lnSpc>
+              <a:buClr>
+                <a:srgbClr val="000000"/>
+              </a:buClr>
+              <a:buSzPct val="45000"/>
+            </a:pPr>
+            <a:r>
+              <a:rPr lang="en-US" sz="2400" b="0" strike="noStrike" spc="-1">
+                <a:solidFill>
+                  <a:srgbClr val="000000"/>
+                </a:solidFill>
+                <a:uFill>
+                  <a:solidFill>
+                    <a:srgbClr val="FFFFFF"/>
+                  </a:solidFill>
+                </a:uFill>
+                <a:latin typeface="Arial"/>
+              </a:rPr>
+              <a:t>	</a:t>
+            </a:r>
+            <a:r>
+              <a:rPr lang="en-US" altLang="ko-KR" sz="2400" smtClean="0"/>
+              <a:t>product = tf.matmul(const1, const1)</a:t>
+            </a:r>
+          </a:p>
+          <a:p>
+            <a:pPr marL="360">
+              <a:lnSpc>
+                <a:spcPct val="100000"/>
+              </a:lnSpc>
+              <a:buClr>
+                <a:srgbClr val="000000"/>
+              </a:buClr>
+              <a:buSzPct val="45000"/>
+            </a:pPr>
+            <a:endParaRPr lang="en-US" sz="2400" b="0" strike="noStrike" spc="-1">
+              <a:solidFill>
+                <a:srgbClr val="000000"/>
+              </a:solidFill>
+              <a:uFill>
+                <a:solidFill>
+                  <a:srgbClr val="FFFFFF"/>
+                </a:solidFill>
+              </a:uFill>
+              <a:latin typeface="Arial"/>
+            </a:endParaRPr>
+          </a:p>
+          <a:p>
+            <a:pPr marL="360">
+              <a:lnSpc>
+                <a:spcPct val="100000"/>
+              </a:lnSpc>
+              <a:buClr>
+                <a:srgbClr val="000000"/>
+              </a:buClr>
+              <a:buSzPct val="45000"/>
+            </a:pPr>
+            <a:r>
+              <a:rPr lang="en-US" sz="2400" b="0" strike="noStrike" spc="-1" smtClean="0">
+                <a:solidFill>
+                  <a:srgbClr val="000000"/>
+                </a:solidFill>
+                <a:uFill>
+                  <a:solidFill>
+                    <a:srgbClr val="FFFFFF"/>
+                  </a:solidFill>
+                </a:uFill>
+                <a:latin typeface="Arial"/>
+                <a:ea typeface="Noto Sans CJK SC Regular"/>
+              </a:rPr>
+              <a:t>variable : </a:t>
+            </a:r>
+            <a:r>
+              <a:rPr lang="ko-KR" altLang="en-US" sz="2400" b="0" strike="noStrike" spc="-1" smtClean="0">
+                <a:solidFill>
+                  <a:srgbClr val="000000"/>
+                </a:solidFill>
+                <a:uFill>
+                  <a:solidFill>
+                    <a:srgbClr val="FFFFFF"/>
+                  </a:solidFill>
+                </a:uFill>
+                <a:latin typeface="Arial"/>
+                <a:ea typeface="Noto Sans CJK SC Regular"/>
+              </a:rPr>
+              <a:t>초기화 필요</a:t>
+            </a:r>
+            <a:endParaRPr lang="en-US" sz="2400" b="0" strike="noStrike" spc="-1" smtClean="0">
+              <a:solidFill>
+                <a:srgbClr val="000000"/>
+              </a:solidFill>
+              <a:uFill>
+                <a:solidFill>
+                  <a:srgbClr val="FFFFFF"/>
+                </a:solidFill>
+              </a:uFill>
+              <a:latin typeface="Arial"/>
+              <a:ea typeface="Noto Sans CJK SC Regular"/>
+            </a:endParaRPr>
+          </a:p>
+          <a:p>
+            <a:pPr marL="360">
+              <a:lnSpc>
+                <a:spcPct val="100000"/>
+              </a:lnSpc>
+              <a:buClr>
+                <a:srgbClr val="000000"/>
+              </a:buClr>
+              <a:buSzPct val="45000"/>
+            </a:pPr>
+            <a:r>
+              <a:rPr lang="en-US" sz="2400" spc="-1">
+                <a:solidFill>
+                  <a:srgbClr val="000000"/>
+                </a:solidFill>
+                <a:uFill>
+                  <a:solidFill>
+                    <a:srgbClr val="FFFFFF"/>
+                  </a:solidFill>
+                </a:uFill>
+                <a:latin typeface="Arial"/>
+              </a:rPr>
+              <a:t>	</a:t>
+            </a:r>
+            <a:r>
+              <a:rPr lang="en-US" sz="2400" spc="-1" smtClean="0">
+                <a:solidFill>
+                  <a:srgbClr val="000000"/>
+                </a:solidFill>
+                <a:uFill>
+                  <a:solidFill>
+                    <a:srgbClr val="FFFFFF"/>
+                  </a:solidFill>
+                </a:uFill>
+                <a:latin typeface="Arial"/>
+              </a:rPr>
+              <a:t>var1</a:t>
+            </a:r>
+            <a:r>
+              <a:rPr lang="en-US" altLang="ko-KR" sz="2400" smtClean="0"/>
+              <a:t> = tf.</a:t>
+            </a:r>
+            <a:r>
+              <a:rPr lang="en-US" altLang="ko-KR" sz="2400"/>
+              <a:t>V</a:t>
+            </a:r>
+            <a:r>
+              <a:rPr lang="en-US" altLang="ko-KR" sz="2400" smtClean="0"/>
+              <a:t>ariable([[3., 3.][4., 4.], dtype=tf.float32)</a:t>
+            </a:r>
+          </a:p>
+          <a:p>
+            <a:pPr marL="360">
+              <a:lnSpc>
+                <a:spcPct val="100000"/>
+              </a:lnSpc>
+              <a:buClr>
+                <a:srgbClr val="000000"/>
+              </a:buClr>
+              <a:buSzPct val="45000"/>
+            </a:pPr>
+            <a:r>
+              <a:rPr lang="en-US" sz="2400" b="0" strike="noStrike" spc="-1" smtClean="0">
+                <a:solidFill>
+                  <a:srgbClr val="000000"/>
+                </a:solidFill>
+                <a:uFill>
+                  <a:solidFill>
+                    <a:srgbClr val="FFFFFF"/>
+                  </a:solidFill>
+                </a:uFill>
+                <a:latin typeface="Arial"/>
+              </a:rPr>
+              <a:t>	</a:t>
+            </a:r>
+            <a:r>
+              <a:rPr lang="en-US" altLang="ko-KR" sz="2400" smtClean="0"/>
+              <a:t>product = var1 * var1</a:t>
+            </a:r>
+          </a:p>
+          <a:p>
+            <a:pPr marL="360">
+              <a:lnSpc>
+                <a:spcPct val="100000"/>
+              </a:lnSpc>
+              <a:buClr>
+                <a:srgbClr val="000000"/>
+              </a:buClr>
+              <a:buSzPct val="45000"/>
+            </a:pPr>
+            <a:r>
+              <a:rPr lang="en-US" altLang="ko-KR" sz="2400"/>
+              <a:t>	</a:t>
+            </a:r>
+            <a:r>
+              <a:rPr lang="en-US" altLang="ko-KR" sz="2400" smtClean="0"/>
+              <a:t>init = tf.global_variables_initializer()</a:t>
+            </a:r>
+          </a:p>
+          <a:p>
+            <a:pPr marL="360">
+              <a:lnSpc>
+                <a:spcPct val="100000"/>
+              </a:lnSpc>
+              <a:buClr>
+                <a:srgbClr val="000000"/>
+              </a:buClr>
+              <a:buSzPct val="45000"/>
+            </a:pPr>
+            <a:r>
+              <a:rPr lang="en-US" altLang="ko-KR" sz="2400"/>
+              <a:t>	</a:t>
+            </a:r>
+            <a:r>
+              <a:rPr lang="en-US" altLang="ko-KR" sz="2400" smtClean="0"/>
+              <a:t>sess.run(init)</a:t>
+            </a:r>
+          </a:p>
+          <a:p>
+            <a:pPr marL="360">
+              <a:lnSpc>
+                <a:spcPct val="100000"/>
+              </a:lnSpc>
+              <a:buClr>
+                <a:srgbClr val="000000"/>
+              </a:buClr>
+              <a:buSzPct val="45000"/>
+            </a:pPr>
+            <a:endParaRPr lang="en-US" sz="2400" b="0" strike="noStrike" spc="-1">
+              <a:solidFill>
+                <a:srgbClr val="000000"/>
+              </a:solidFill>
+              <a:uFill>
+                <a:solidFill>
+                  <a:srgbClr val="FFFFFF"/>
+                </a:solidFill>
+              </a:uFill>
+              <a:latin typeface="Arial"/>
+            </a:endParaRPr>
+          </a:p>
+          <a:p>
+            <a:pPr marL="360">
+              <a:lnSpc>
+                <a:spcPct val="100000"/>
+              </a:lnSpc>
+              <a:buClr>
+                <a:srgbClr val="000000"/>
+              </a:buClr>
+              <a:buSzPct val="45000"/>
+            </a:pPr>
+            <a:r>
+              <a:rPr lang="en-US" sz="2400" b="0" strike="noStrike" spc="-1" smtClean="0">
+                <a:solidFill>
+                  <a:srgbClr val="000000"/>
+                </a:solidFill>
+                <a:uFill>
+                  <a:solidFill>
+                    <a:srgbClr val="FFFFFF"/>
+                  </a:solidFill>
+                </a:uFill>
+                <a:latin typeface="Arial"/>
+                <a:ea typeface="Noto Sans CJK SC Regular"/>
+              </a:rPr>
+              <a:t>placeholder : </a:t>
+            </a:r>
+            <a:r>
+              <a:rPr lang="ko-KR" altLang="en-US" sz="2400" spc="-1" smtClean="0">
+                <a:solidFill>
+                  <a:srgbClr val="000000"/>
+                </a:solidFill>
+                <a:uFill>
+                  <a:solidFill>
+                    <a:srgbClr val="FFFFFF"/>
+                  </a:solidFill>
+                </a:uFill>
+                <a:latin typeface="Arial"/>
+                <a:ea typeface="Noto Sans CJK SC Regular"/>
+              </a:rPr>
+              <a:t>다른 변수를 그래프로 매핑</a:t>
+            </a:r>
+            <a:r>
+              <a:rPr lang="en-US" altLang="ko-KR" sz="2400" spc="-1" smtClean="0">
+                <a:solidFill>
+                  <a:srgbClr val="000000"/>
+                </a:solidFill>
+                <a:uFill>
+                  <a:solidFill>
+                    <a:srgbClr val="FFFFFF"/>
+                  </a:solidFill>
+                </a:uFill>
+                <a:latin typeface="Arial"/>
+                <a:ea typeface="Noto Sans CJK SC Regular"/>
+              </a:rPr>
+              <a:t>(feed_dict)</a:t>
+            </a:r>
+          </a:p>
+          <a:p>
+            <a:pPr marL="360">
+              <a:lnSpc>
+                <a:spcPct val="100000"/>
+              </a:lnSpc>
+              <a:buClr>
+                <a:srgbClr val="000000"/>
+              </a:buClr>
+              <a:buSzPct val="45000"/>
+            </a:pPr>
+            <a:r>
+              <a:rPr lang="en-US" altLang="ko-KR" sz="2400" spc="-1">
+                <a:solidFill>
+                  <a:srgbClr val="000000"/>
+                </a:solidFill>
+                <a:uFill>
+                  <a:solidFill>
+                    <a:srgbClr val="FFFFFF"/>
+                  </a:solidFill>
+                </a:uFill>
+                <a:latin typeface="Arial"/>
+                <a:ea typeface="Noto Sans CJK SC Regular"/>
+              </a:rPr>
+              <a:t>	</a:t>
+            </a:r>
+            <a:r>
+              <a:rPr lang="en-US" altLang="ko-KR" sz="2400" spc="-1" smtClean="0">
+                <a:solidFill>
+                  <a:srgbClr val="000000"/>
+                </a:solidFill>
+                <a:uFill>
+                  <a:solidFill>
+                    <a:srgbClr val="FFFFFF"/>
+                  </a:solidFill>
+                </a:uFill>
+                <a:latin typeface="Arial"/>
+                <a:ea typeface="Noto Sans CJK SC Regular"/>
+              </a:rPr>
+              <a:t>mat1 = </a:t>
+            </a:r>
+            <a:r>
+              <a:rPr lang="en-US" altLang="ko-KR" sz="2400" smtClean="0"/>
+              <a:t>[[3., 3.][4., 4.]]</a:t>
+            </a:r>
+            <a:endParaRPr lang="en-US" altLang="ko-KR" sz="2400" spc="-1" smtClean="0">
+              <a:solidFill>
+                <a:srgbClr val="000000"/>
+              </a:solidFill>
+              <a:uFill>
+                <a:solidFill>
+                  <a:srgbClr val="FFFFFF"/>
+                </a:solidFill>
+              </a:uFill>
+              <a:latin typeface="Arial"/>
+              <a:ea typeface="Noto Sans CJK SC Regular"/>
+            </a:endParaRPr>
+          </a:p>
+          <a:p>
+            <a:pPr marL="360">
+              <a:lnSpc>
+                <a:spcPct val="100000"/>
+              </a:lnSpc>
+              <a:buClr>
+                <a:srgbClr val="000000"/>
+              </a:buClr>
+              <a:buSzPct val="45000"/>
+            </a:pPr>
+            <a:r>
+              <a:rPr lang="en-US" sz="2400" b="0" strike="noStrike" spc="-1">
+                <a:solidFill>
+                  <a:srgbClr val="000000"/>
+                </a:solidFill>
+                <a:uFill>
+                  <a:solidFill>
+                    <a:srgbClr val="FFFFFF"/>
+                  </a:solidFill>
+                </a:uFill>
+                <a:latin typeface="Arial"/>
+              </a:rPr>
+              <a:t>	</a:t>
+            </a:r>
+            <a:r>
+              <a:rPr lang="en-US" sz="2400" b="0" strike="noStrike" spc="-1" smtClean="0">
+                <a:solidFill>
+                  <a:srgbClr val="000000"/>
+                </a:solidFill>
+                <a:uFill>
+                  <a:solidFill>
+                    <a:srgbClr val="FFFFFF"/>
+                  </a:solidFill>
+                </a:uFill>
+                <a:latin typeface="Arial"/>
+              </a:rPr>
+              <a:t>ph1 = tf.placeholder(dtype=tf.float32)</a:t>
+            </a:r>
+          </a:p>
+          <a:p>
+            <a:pPr marL="360">
+              <a:lnSpc>
+                <a:spcPct val="100000"/>
+              </a:lnSpc>
+              <a:buClr>
+                <a:srgbClr val="000000"/>
+              </a:buClr>
+              <a:buSzPct val="45000"/>
+            </a:pPr>
+            <a:r>
+              <a:rPr lang="en-US" sz="2400" spc="-1">
+                <a:solidFill>
+                  <a:srgbClr val="000000"/>
+                </a:solidFill>
+                <a:uFill>
+                  <a:solidFill>
+                    <a:srgbClr val="FFFFFF"/>
+                  </a:solidFill>
+                </a:uFill>
+                <a:latin typeface="Arial"/>
+              </a:rPr>
+              <a:t>	</a:t>
+            </a:r>
+            <a:r>
+              <a:rPr lang="en-US" sz="2400" spc="-1" smtClean="0">
+                <a:solidFill>
+                  <a:srgbClr val="000000"/>
+                </a:solidFill>
+                <a:uFill>
+                  <a:solidFill>
+                    <a:srgbClr val="FFFFFF"/>
+                  </a:solidFill>
+                </a:uFill>
+                <a:latin typeface="Arial"/>
+              </a:rPr>
+              <a:t>product = ph1 * ph1</a:t>
+            </a:r>
+            <a:endParaRPr lang="en-US" sz="2400" b="0" strike="noStrike" spc="-1" smtClean="0">
+              <a:solidFill>
+                <a:srgbClr val="000000"/>
+              </a:solidFill>
+              <a:uFill>
+                <a:solidFill>
+                  <a:srgbClr val="FFFFFF"/>
+                </a:solidFill>
+              </a:uFill>
+              <a:latin typeface="Arial"/>
+            </a:endParaRPr>
+          </a:p>
+          <a:p>
+            <a:pPr marL="360">
+              <a:lnSpc>
+                <a:spcPct val="100000"/>
+              </a:lnSpc>
+              <a:buClr>
+                <a:srgbClr val="000000"/>
+              </a:buClr>
+              <a:buSzPct val="45000"/>
+            </a:pPr>
+            <a:r>
+              <a:rPr lang="en-US" sz="2400" spc="-1">
+                <a:solidFill>
+                  <a:srgbClr val="000000"/>
+                </a:solidFill>
+                <a:uFill>
+                  <a:solidFill>
+                    <a:srgbClr val="FFFFFF"/>
+                  </a:solidFill>
+                </a:uFill>
+                <a:latin typeface="Arial"/>
+              </a:rPr>
+              <a:t>	</a:t>
+            </a:r>
+            <a:r>
+              <a:rPr lang="en-US" sz="2400" spc="-1" smtClean="0">
+                <a:solidFill>
+                  <a:srgbClr val="000000"/>
+                </a:solidFill>
+                <a:uFill>
+                  <a:solidFill>
+                    <a:srgbClr val="FFFFFF"/>
+                  </a:solidFill>
+                </a:uFill>
+                <a:latin typeface="Arial"/>
+              </a:rPr>
+              <a:t>feed_dict={ph1: mat1}</a:t>
+            </a:r>
+          </a:p>
+          <a:p>
+            <a:pPr marL="360">
+              <a:lnSpc>
+                <a:spcPct val="100000"/>
+              </a:lnSpc>
+              <a:buClr>
+                <a:srgbClr val="000000"/>
+              </a:buClr>
+              <a:buSzPct val="45000"/>
+            </a:pPr>
+            <a:r>
+              <a:rPr lang="en-US" sz="2400" b="0" strike="noStrike" spc="-1">
+                <a:solidFill>
+                  <a:srgbClr val="000000"/>
+                </a:solidFill>
+                <a:uFill>
+                  <a:solidFill>
+                    <a:srgbClr val="FFFFFF"/>
+                  </a:solidFill>
+                </a:uFill>
+                <a:latin typeface="Arial"/>
+              </a:rPr>
+              <a:t>	</a:t>
+            </a:r>
+            <a:r>
+              <a:rPr lang="en-US" sz="2400" b="0" strike="noStrike" spc="-1" smtClean="0">
+                <a:solidFill>
+                  <a:srgbClr val="000000"/>
+                </a:solidFill>
+                <a:uFill>
+                  <a:solidFill>
+                    <a:srgbClr val="FFFFFF"/>
+                  </a:solidFill>
+                </a:uFill>
+                <a:latin typeface="Arial"/>
+              </a:rPr>
+              <a:t>sess.run(product, feed_dict=feed_dict)</a:t>
+            </a:r>
+            <a:endParaRPr lang="en-US" sz="2400" b="0" strike="noStrike" spc="-1">
+              <a:solidFill>
+                <a:srgbClr val="000000"/>
+              </a:solidFill>
+              <a:uFill>
+                <a:solidFill>
+                  <a:srgbClr val="FFFFFF"/>
+                </a:solidFill>
+              </a:uFill>
+              <a:latin typeface="Arial"/>
+            </a:endParaRPr>
+          </a:p>
+          <a:p>
             <a:pPr>
               <a:lnSpc>
                 <a:spcPct val="100000"/>
@@ -11978,167 +13327,8 @@
                 </a:uFill>
                 <a:latin typeface="Arial"/>
               </a:rPr>
-              <a:t>- sudo pip install jupyter</a:t>
-            </a:r>
-          </a:p>
-          <a:p>
-            <a:pPr>
-              <a:lnSpc>
-                <a:spcPct val="100000"/>
-              </a:lnSpc>
-            </a:pPr>
-            <a:r>
-              <a:rPr lang="en-US" sz="3200" b="0" strike="noStrike" spc="-1" smtClean="0">
-                <a:solidFill>
-                  <a:srgbClr val="000000"/>
-                </a:solidFill>
-                <a:uFill>
-                  <a:solidFill>
-                    <a:srgbClr val="FFFFFF"/>
-                  </a:solidFill>
-                </a:uFill>
-                <a:latin typeface="Arial"/>
-              </a:rPr>
-              <a:t>- sudo pip install matplotlib</a:t>
-            </a:r>
-          </a:p>
-          <a:p>
-            <a:pPr>
-              <a:lnSpc>
-                <a:spcPct val="100000"/>
-              </a:lnSpc>
-            </a:pPr>
-            <a:r>
-              <a:rPr lang="en-US" sz="3200" spc="-1" smtClean="0">
-                <a:solidFill>
-                  <a:srgbClr val="000000"/>
-                </a:solidFill>
-                <a:uFill>
-                  <a:solidFill>
-                    <a:srgbClr val="FFFFFF"/>
-                  </a:solidFill>
-                </a:uFill>
-                <a:latin typeface="Arial"/>
-              </a:rPr>
-              <a:t>~$ jupyter notebook</a:t>
-            </a:r>
-          </a:p>
-          <a:p>
-            <a:pPr>
-              <a:lnSpc>
-                <a:spcPct val="100000"/>
-              </a:lnSpc>
-            </a:pPr>
-            <a:endParaRPr lang="en-US" sz="3200" spc="-1">
-              <a:solidFill>
-                <a:srgbClr val="000000"/>
-              </a:solidFill>
-              <a:uFill>
-                <a:solidFill>
-                  <a:srgbClr val="FFFFFF"/>
-                </a:solidFill>
-              </a:uFill>
-              <a:latin typeface="Arial"/>
-            </a:endParaRPr>
-          </a:p>
-          <a:p>
-            <a:pPr>
-              <a:lnSpc>
-                <a:spcPct val="100000"/>
-              </a:lnSpc>
-            </a:pPr>
-            <a:endParaRPr lang="en-US" sz="3200" spc="-1" smtClean="0">
-              <a:solidFill>
-                <a:srgbClr val="000000"/>
-              </a:solidFill>
-              <a:uFill>
-                <a:solidFill>
-                  <a:srgbClr val="FFFFFF"/>
-                </a:solidFill>
-              </a:uFill>
-              <a:latin typeface="Arial"/>
-            </a:endParaRPr>
-          </a:p>
-          <a:p>
-            <a:pPr>
-              <a:lnSpc>
-                <a:spcPct val="100000"/>
-              </a:lnSpc>
-            </a:pPr>
-            <a:endParaRPr lang="en-US" sz="3200" spc="-1">
-              <a:solidFill>
-                <a:srgbClr val="000000"/>
-              </a:solidFill>
-              <a:uFill>
-                <a:solidFill>
-                  <a:srgbClr val="FFFFFF"/>
-                </a:solidFill>
-              </a:uFill>
-              <a:latin typeface="Arial"/>
-            </a:endParaRPr>
-          </a:p>
-          <a:p>
-            <a:pPr>
-              <a:lnSpc>
-                <a:spcPct val="100000"/>
-              </a:lnSpc>
-            </a:pPr>
-            <a:endParaRPr lang="en-US" sz="3200" spc="-1" smtClean="0">
-              <a:solidFill>
-                <a:srgbClr val="000000"/>
-              </a:solidFill>
-              <a:uFill>
-                <a:solidFill>
-                  <a:srgbClr val="FFFFFF"/>
-                </a:solidFill>
-              </a:uFill>
-              <a:latin typeface="Arial"/>
-            </a:endParaRPr>
-          </a:p>
-          <a:p>
-            <a:pPr>
-              <a:lnSpc>
-                <a:spcPct val="100000"/>
-              </a:lnSpc>
-            </a:pPr>
-            <a:endParaRPr lang="en-US" sz="3200" spc="-1" smtClean="0">
-              <a:solidFill>
-                <a:srgbClr val="000000"/>
-              </a:solidFill>
-              <a:uFill>
-                <a:solidFill>
-                  <a:srgbClr val="FFFFFF"/>
-                </a:solidFill>
-              </a:uFill>
-              <a:latin typeface="Arial"/>
-            </a:endParaRPr>
-          </a:p>
-          <a:p>
-            <a:pPr>
-              <a:lnSpc>
-                <a:spcPct val="100000"/>
-              </a:lnSpc>
-            </a:pPr>
-            <a:endParaRPr lang="en-US" sz="3200" b="0" strike="noStrike" spc="-1" smtClean="0">
-              <a:solidFill>
-                <a:srgbClr val="000000"/>
-              </a:solidFill>
-              <a:uFill>
-                <a:solidFill>
-                  <a:srgbClr val="FFFFFF"/>
-                </a:solidFill>
-              </a:uFill>
-              <a:latin typeface="Arial"/>
-            </a:endParaRPr>
-          </a:p>
-          <a:p>
-            <a:pPr marL="457200" indent="-457200">
-              <a:lnSpc>
-                <a:spcPct val="100000"/>
-              </a:lnSpc>
-              <a:buFontTx/>
-              <a:buChar char="-"/>
-            </a:pPr>
+              <a:t> </a:t>
+            </a:r>
             <a:endParaRPr lang="en-US" sz="3200" b="0" strike="noStrike" spc="-1">
               <a:solidFill>
                 <a:srgbClr val="000000"/>
@@ -12153,53 +13343,7 @@
           </a:p>
         </p:txBody>
       </p:sp>
-      <p:pic>
-        <p:nvPicPr>
-          <p:cNvPr id="5122" name="Picture 2" descr="D:\2018AuTURBO\notebook.png"/>
-          <p:cNvPicPr>
-            <a:picLocks noChangeAspect="1" noChangeArrowheads="1"/>
-          </p:cNvPicPr>
-          <p:nvPr/>
-        </p:nvPicPr>
-        <p:blipFill>
-          <a:blip r:embed="rId3">
-            <a:extLst>
-              <a:ext uri="{28A0092B-C50C-407E-A947-70E740481C1C}">
-                <a14:useLocalDpi xmlns:a14="http://schemas.microsoft.com/office/drawing/2010/main" val="0"/>
-              </a:ext>
-            </a:extLst>
-          </a:blip>
-          <a:srcRect/>
-          <a:stretch>
-            <a:fillRect/>
-          </a:stretch>
-        </p:blipFill>
-        <p:spPr bwMode="auto">
-          <a:xfrm>
-            <a:off x="863848" y="3635821"/>
-            <a:ext cx="6624736" cy="3193330"/>
-          </a:xfrm>
-          <a:prstGeom prst="rect">
-            <a:avLst/>
-          </a:prstGeom>
-          <a:noFill/>
-          <a:extLst>
-            <a:ext uri="{909E8E84-426E-40DD-AFC4-6F175D3DCCD1}">
-              <a14:hiddenFill xmlns:a14="http://schemas.microsoft.com/office/drawing/2010/main">
-                <a:solidFill>
-                  <a:srgbClr val="FFFFFF"/>
-                </a:solidFill>
-              </a14:hiddenFill>
-            </a:ext>
-          </a:extLst>
-        </p:spPr>
-      </p:pic>
     </p:spTree>
-    <p:extLst>
-      <p:ext uri="{BB962C8B-B14F-4D97-AF65-F5344CB8AC3E}">
-        <p14:creationId xmlns:p14="http://schemas.microsoft.com/office/powerpoint/2010/main" val="2930127748"/>
-      </p:ext>
-    </p:extLst>
   </p:cSld>
   <p:clrMapOvr>
     <a:masterClrMapping/>
